--- a/mini project.pptx
+++ b/mini project.pptx
@@ -9,8 +9,9 @@
     <p:sldId id="257" r:id="rId3"/>
     <p:sldId id="258" r:id="rId4"/>
     <p:sldId id="259" r:id="rId5"/>
-    <p:sldId id="262" r:id="rId6"/>
-    <p:sldId id="263" r:id="rId7"/>
+    <p:sldId id="264" r:id="rId6"/>
+    <p:sldId id="265" r:id="rId7"/>
+    <p:sldId id="263" r:id="rId8"/>
   </p:sldIdLst>
   <p:sldSz cx="12192000" cy="6858000"/>
   <p:notesSz cx="6858000" cy="9144000"/>
@@ -117,6 +118,5726 @@
 </p:presentation>
 </file>
 
+<file path=ppt/diagrams/colors1.xml><?xml version="1.0" encoding="utf-8"?>
+<dgm:colorsDef xmlns:dgm="http://schemas.openxmlformats.org/drawingml/2006/diagram" xmlns:a="http://schemas.openxmlformats.org/drawingml/2006/main" uniqueId="urn:microsoft.com/office/officeart/2005/8/colors/accent1_2">
+  <dgm:title val=""/>
+  <dgm:desc val=""/>
+  <dgm:catLst>
+    <dgm:cat type="accent1" pri="11200"/>
+  </dgm:catLst>
+  <dgm:styleLbl name="node0">
+    <dgm:fillClrLst meth="repeat">
+      <a:schemeClr val="accent1"/>
+    </dgm:fillClrLst>
+    <dgm:linClrLst meth="repeat">
+      <a:schemeClr val="lt1"/>
+    </dgm:linClrLst>
+    <dgm:effectClrLst/>
+    <dgm:txLinClrLst/>
+    <dgm:txFillClrLst/>
+    <dgm:txEffectClrLst/>
+  </dgm:styleLbl>
+  <dgm:styleLbl name="alignNode1">
+    <dgm:fillClrLst meth="repeat">
+      <a:schemeClr val="accent1"/>
+    </dgm:fillClrLst>
+    <dgm:linClrLst meth="repeat">
+      <a:schemeClr val="accent1"/>
+    </dgm:linClrLst>
+    <dgm:effectClrLst/>
+    <dgm:txLinClrLst/>
+    <dgm:txFillClrLst/>
+    <dgm:txEffectClrLst/>
+  </dgm:styleLbl>
+  <dgm:styleLbl name="node1">
+    <dgm:fillClrLst meth="repeat">
+      <a:schemeClr val="accent1"/>
+    </dgm:fillClrLst>
+    <dgm:linClrLst meth="repeat">
+      <a:schemeClr val="lt1"/>
+    </dgm:linClrLst>
+    <dgm:effectClrLst/>
+    <dgm:txLinClrLst/>
+    <dgm:txFillClrLst/>
+    <dgm:txEffectClrLst/>
+  </dgm:styleLbl>
+  <dgm:styleLbl name="lnNode1">
+    <dgm:fillClrLst meth="repeat">
+      <a:schemeClr val="accent1"/>
+    </dgm:fillClrLst>
+    <dgm:linClrLst meth="repeat">
+      <a:schemeClr val="lt1"/>
+    </dgm:linClrLst>
+    <dgm:effectClrLst/>
+    <dgm:txLinClrLst/>
+    <dgm:txFillClrLst/>
+    <dgm:txEffectClrLst/>
+  </dgm:styleLbl>
+  <dgm:styleLbl name="vennNode1">
+    <dgm:fillClrLst meth="repeat">
+      <a:schemeClr val="accent1">
+        <a:alpha val="50000"/>
+      </a:schemeClr>
+    </dgm:fillClrLst>
+    <dgm:linClrLst meth="repeat">
+      <a:schemeClr val="lt1"/>
+    </dgm:linClrLst>
+    <dgm:effectClrLst/>
+    <dgm:txLinClrLst/>
+    <dgm:txFillClrLst/>
+    <dgm:txEffectClrLst/>
+  </dgm:styleLbl>
+  <dgm:styleLbl name="node2">
+    <dgm:fillClrLst meth="repeat">
+      <a:schemeClr val="accent1"/>
+    </dgm:fillClrLst>
+    <dgm:linClrLst meth="repeat">
+      <a:schemeClr val="lt1"/>
+    </dgm:linClrLst>
+    <dgm:effectClrLst/>
+    <dgm:txLinClrLst/>
+    <dgm:txFillClrLst/>
+    <dgm:txEffectClrLst/>
+  </dgm:styleLbl>
+  <dgm:styleLbl name="node3">
+    <dgm:fillClrLst meth="repeat">
+      <a:schemeClr val="accent1"/>
+    </dgm:fillClrLst>
+    <dgm:linClrLst meth="repeat">
+      <a:schemeClr val="lt1"/>
+    </dgm:linClrLst>
+    <dgm:effectClrLst/>
+    <dgm:txLinClrLst/>
+    <dgm:txFillClrLst/>
+    <dgm:txEffectClrLst/>
+  </dgm:styleLbl>
+  <dgm:styleLbl name="node4">
+    <dgm:fillClrLst meth="repeat">
+      <a:schemeClr val="accent1"/>
+    </dgm:fillClrLst>
+    <dgm:linClrLst meth="repeat">
+      <a:schemeClr val="lt1"/>
+    </dgm:linClrLst>
+    <dgm:effectClrLst/>
+    <dgm:txLinClrLst/>
+    <dgm:txFillClrLst/>
+    <dgm:txEffectClrLst/>
+  </dgm:styleLbl>
+  <dgm:styleLbl name="fgImgPlace1">
+    <dgm:fillClrLst meth="repeat">
+      <a:schemeClr val="accent1">
+        <a:tint val="50000"/>
+      </a:schemeClr>
+    </dgm:fillClrLst>
+    <dgm:linClrLst meth="repeat">
+      <a:schemeClr val="lt1"/>
+    </dgm:linClrLst>
+    <dgm:effectClrLst/>
+    <dgm:txLinClrLst/>
+    <dgm:txFillClrLst meth="repeat">
+      <a:schemeClr val="lt1"/>
+    </dgm:txFillClrLst>
+    <dgm:txEffectClrLst/>
+  </dgm:styleLbl>
+  <dgm:styleLbl name="alignImgPlace1">
+    <dgm:fillClrLst meth="repeat">
+      <a:schemeClr val="accent1">
+        <a:tint val="50000"/>
+      </a:schemeClr>
+    </dgm:fillClrLst>
+    <dgm:linClrLst meth="repeat">
+      <a:schemeClr val="lt1"/>
+    </dgm:linClrLst>
+    <dgm:effectClrLst/>
+    <dgm:txLinClrLst/>
+    <dgm:txFillClrLst meth="repeat">
+      <a:schemeClr val="lt1"/>
+    </dgm:txFillClrLst>
+    <dgm:txEffectClrLst/>
+  </dgm:styleLbl>
+  <dgm:styleLbl name="bgImgPlace1">
+    <dgm:fillClrLst meth="repeat">
+      <a:schemeClr val="accent1">
+        <a:tint val="50000"/>
+      </a:schemeClr>
+    </dgm:fillClrLst>
+    <dgm:linClrLst meth="repeat">
+      <a:schemeClr val="lt1"/>
+    </dgm:linClrLst>
+    <dgm:effectClrLst/>
+    <dgm:txLinClrLst/>
+    <dgm:txFillClrLst meth="repeat">
+      <a:schemeClr val="lt1"/>
+    </dgm:txFillClrLst>
+    <dgm:txEffectClrLst/>
+  </dgm:styleLbl>
+  <dgm:styleLbl name="sibTrans2D1">
+    <dgm:fillClrLst meth="repeat">
+      <a:schemeClr val="accent1">
+        <a:tint val="60000"/>
+      </a:schemeClr>
+    </dgm:fillClrLst>
+    <dgm:linClrLst meth="repeat">
+      <a:schemeClr val="accent1">
+        <a:tint val="60000"/>
+      </a:schemeClr>
+    </dgm:linClrLst>
+    <dgm:effectClrLst/>
+    <dgm:txLinClrLst/>
+    <dgm:txFillClrLst/>
+    <dgm:txEffectClrLst/>
+  </dgm:styleLbl>
+  <dgm:styleLbl name="fgSibTrans2D1">
+    <dgm:fillClrLst meth="repeat">
+      <a:schemeClr val="accent1">
+        <a:tint val="60000"/>
+      </a:schemeClr>
+    </dgm:fillClrLst>
+    <dgm:linClrLst meth="repeat">
+      <a:schemeClr val="accent1">
+        <a:tint val="60000"/>
+      </a:schemeClr>
+    </dgm:linClrLst>
+    <dgm:effectClrLst/>
+    <dgm:txLinClrLst/>
+    <dgm:txFillClrLst/>
+    <dgm:txEffectClrLst/>
+  </dgm:styleLbl>
+  <dgm:styleLbl name="bgSibTrans2D1">
+    <dgm:fillClrLst meth="repeat">
+      <a:schemeClr val="accent1">
+        <a:tint val="60000"/>
+      </a:schemeClr>
+    </dgm:fillClrLst>
+    <dgm:linClrLst meth="repeat">
+      <a:schemeClr val="accent1">
+        <a:tint val="60000"/>
+      </a:schemeClr>
+    </dgm:linClrLst>
+    <dgm:effectClrLst/>
+    <dgm:txLinClrLst/>
+    <dgm:txFillClrLst/>
+    <dgm:txEffectClrLst/>
+  </dgm:styleLbl>
+  <dgm:styleLbl name="sibTrans1D1">
+    <dgm:fillClrLst meth="repeat">
+      <a:schemeClr val="accent1"/>
+    </dgm:fillClrLst>
+    <dgm:linClrLst meth="repeat">
+      <a:schemeClr val="accent1"/>
+    </dgm:linClrLst>
+    <dgm:effectClrLst/>
+    <dgm:txLinClrLst/>
+    <dgm:txFillClrLst meth="repeat">
+      <a:schemeClr val="tx1"/>
+    </dgm:txFillClrLst>
+    <dgm:txEffectClrLst/>
+  </dgm:styleLbl>
+  <dgm:styleLbl name="callout">
+    <dgm:fillClrLst meth="repeat">
+      <a:schemeClr val="accent1"/>
+    </dgm:fillClrLst>
+    <dgm:linClrLst meth="repeat">
+      <a:schemeClr val="accent1">
+        <a:tint val="50000"/>
+      </a:schemeClr>
+    </dgm:linClrLst>
+    <dgm:effectClrLst/>
+    <dgm:txLinClrLst/>
+    <dgm:txFillClrLst meth="repeat">
+      <a:schemeClr val="tx1"/>
+    </dgm:txFillClrLst>
+    <dgm:txEffectClrLst/>
+  </dgm:styleLbl>
+  <dgm:styleLbl name="asst0">
+    <dgm:fillClrLst meth="repeat">
+      <a:schemeClr val="accent1"/>
+    </dgm:fillClrLst>
+    <dgm:linClrLst meth="repeat">
+      <a:schemeClr val="lt1"/>
+    </dgm:linClrLst>
+    <dgm:effectClrLst/>
+    <dgm:txLinClrLst/>
+    <dgm:txFillClrLst/>
+    <dgm:txEffectClrLst/>
+  </dgm:styleLbl>
+  <dgm:styleLbl name="asst1">
+    <dgm:fillClrLst meth="repeat">
+      <a:schemeClr val="accent1"/>
+    </dgm:fillClrLst>
+    <dgm:linClrLst meth="repeat">
+      <a:schemeClr val="lt1"/>
+    </dgm:linClrLst>
+    <dgm:effectClrLst/>
+    <dgm:txLinClrLst/>
+    <dgm:txFillClrLst/>
+    <dgm:txEffectClrLst/>
+  </dgm:styleLbl>
+  <dgm:styleLbl name="asst2">
+    <dgm:fillClrLst meth="repeat">
+      <a:schemeClr val="accent1"/>
+    </dgm:fillClrLst>
+    <dgm:linClrLst meth="repeat">
+      <a:schemeClr val="lt1"/>
+    </dgm:linClrLst>
+    <dgm:effectClrLst/>
+    <dgm:txLinClrLst/>
+    <dgm:txFillClrLst/>
+    <dgm:txEffectClrLst/>
+  </dgm:styleLbl>
+  <dgm:styleLbl name="asst3">
+    <dgm:fillClrLst meth="repeat">
+      <a:schemeClr val="accent1"/>
+    </dgm:fillClrLst>
+    <dgm:linClrLst meth="repeat">
+      <a:schemeClr val="lt1"/>
+    </dgm:linClrLst>
+    <dgm:effectClrLst/>
+    <dgm:txLinClrLst/>
+    <dgm:txFillClrLst/>
+    <dgm:txEffectClrLst/>
+  </dgm:styleLbl>
+  <dgm:styleLbl name="asst4">
+    <dgm:fillClrLst meth="repeat">
+      <a:schemeClr val="accent1"/>
+    </dgm:fillClrLst>
+    <dgm:linClrLst meth="repeat">
+      <a:schemeClr val="lt1"/>
+    </dgm:linClrLst>
+    <dgm:effectClrLst/>
+    <dgm:txLinClrLst/>
+    <dgm:txFillClrLst/>
+    <dgm:txEffectClrLst/>
+  </dgm:styleLbl>
+  <dgm:styleLbl name="parChTrans2D1">
+    <dgm:fillClrLst meth="repeat">
+      <a:schemeClr val="accent1">
+        <a:tint val="60000"/>
+      </a:schemeClr>
+    </dgm:fillClrLst>
+    <dgm:linClrLst meth="repeat">
+      <a:schemeClr val="accent1">
+        <a:tint val="60000"/>
+      </a:schemeClr>
+    </dgm:linClrLst>
+    <dgm:effectClrLst/>
+    <dgm:txLinClrLst/>
+    <dgm:txFillClrLst meth="repeat">
+      <a:schemeClr val="lt1"/>
+    </dgm:txFillClrLst>
+    <dgm:txEffectClrLst/>
+  </dgm:styleLbl>
+  <dgm:styleLbl name="parChTrans2D2">
+    <dgm:fillClrLst meth="repeat">
+      <a:schemeClr val="accent1"/>
+    </dgm:fillClrLst>
+    <dgm:linClrLst meth="repeat">
+      <a:schemeClr val="accent1"/>
+    </dgm:linClrLst>
+    <dgm:effectClrLst/>
+    <dgm:txLinClrLst/>
+    <dgm:txFillClrLst meth="repeat">
+      <a:schemeClr val="lt1"/>
+    </dgm:txFillClrLst>
+    <dgm:txEffectClrLst/>
+  </dgm:styleLbl>
+  <dgm:styleLbl name="parChTrans2D3">
+    <dgm:fillClrLst meth="repeat">
+      <a:schemeClr val="accent1"/>
+    </dgm:fillClrLst>
+    <dgm:linClrLst meth="repeat">
+      <a:schemeClr val="accent1"/>
+    </dgm:linClrLst>
+    <dgm:effectClrLst/>
+    <dgm:txLinClrLst/>
+    <dgm:txFillClrLst meth="repeat">
+      <a:schemeClr val="lt1"/>
+    </dgm:txFillClrLst>
+    <dgm:txEffectClrLst/>
+  </dgm:styleLbl>
+  <dgm:styleLbl name="parChTrans2D4">
+    <dgm:fillClrLst meth="repeat">
+      <a:schemeClr val="accent1"/>
+    </dgm:fillClrLst>
+    <dgm:linClrLst meth="repeat">
+      <a:schemeClr val="accent1"/>
+    </dgm:linClrLst>
+    <dgm:effectClrLst/>
+    <dgm:txLinClrLst/>
+    <dgm:txFillClrLst meth="repeat">
+      <a:schemeClr val="lt1"/>
+    </dgm:txFillClrLst>
+    <dgm:txEffectClrLst/>
+  </dgm:styleLbl>
+  <dgm:styleLbl name="parChTrans1D1">
+    <dgm:fillClrLst meth="repeat">
+      <a:schemeClr val="accent1"/>
+    </dgm:fillClrLst>
+    <dgm:linClrLst meth="repeat">
+      <a:schemeClr val="accent1">
+        <a:shade val="60000"/>
+      </a:schemeClr>
+    </dgm:linClrLst>
+    <dgm:effectClrLst/>
+    <dgm:txLinClrLst/>
+    <dgm:txFillClrLst meth="repeat">
+      <a:schemeClr val="tx1"/>
+    </dgm:txFillClrLst>
+    <dgm:txEffectClrLst/>
+  </dgm:styleLbl>
+  <dgm:styleLbl name="parChTrans1D2">
+    <dgm:fillClrLst meth="repeat">
+      <a:schemeClr val="accent1"/>
+    </dgm:fillClrLst>
+    <dgm:linClrLst meth="repeat">
+      <a:schemeClr val="accent1">
+        <a:shade val="60000"/>
+      </a:schemeClr>
+    </dgm:linClrLst>
+    <dgm:effectClrLst/>
+    <dgm:txLinClrLst/>
+    <dgm:txFillClrLst meth="repeat">
+      <a:schemeClr val="tx1"/>
+    </dgm:txFillClrLst>
+    <dgm:txEffectClrLst/>
+  </dgm:styleLbl>
+  <dgm:styleLbl name="parChTrans1D3">
+    <dgm:fillClrLst meth="repeat">
+      <a:schemeClr val="accent1"/>
+    </dgm:fillClrLst>
+    <dgm:linClrLst meth="repeat">
+      <a:schemeClr val="accent1">
+        <a:shade val="80000"/>
+      </a:schemeClr>
+    </dgm:linClrLst>
+    <dgm:effectClrLst/>
+    <dgm:txLinClrLst/>
+    <dgm:txFillClrLst meth="repeat">
+      <a:schemeClr val="tx1"/>
+    </dgm:txFillClrLst>
+    <dgm:txEffectClrLst/>
+  </dgm:styleLbl>
+  <dgm:styleLbl name="parChTrans1D4">
+    <dgm:fillClrLst meth="repeat">
+      <a:schemeClr val="accent1"/>
+    </dgm:fillClrLst>
+    <dgm:linClrLst meth="repeat">
+      <a:schemeClr val="accent1">
+        <a:shade val="80000"/>
+      </a:schemeClr>
+    </dgm:linClrLst>
+    <dgm:effectClrLst/>
+    <dgm:txLinClrLst/>
+    <dgm:txFillClrLst meth="repeat">
+      <a:schemeClr val="tx1"/>
+    </dgm:txFillClrLst>
+    <dgm:txEffectClrLst/>
+  </dgm:styleLbl>
+  <dgm:styleLbl name="fgAcc1">
+    <dgm:fillClrLst meth="repeat">
+      <a:schemeClr val="lt1">
+        <a:alpha val="90000"/>
+      </a:schemeClr>
+    </dgm:fillClrLst>
+    <dgm:linClrLst meth="repeat">
+      <a:schemeClr val="accent1"/>
+    </dgm:linClrLst>
+    <dgm:effectClrLst/>
+    <dgm:txLinClrLst/>
+    <dgm:txFillClrLst meth="repeat">
+      <a:schemeClr val="dk1"/>
+    </dgm:txFillClrLst>
+    <dgm:txEffectClrLst/>
+  </dgm:styleLbl>
+  <dgm:styleLbl name="conFgAcc1">
+    <dgm:fillClrLst meth="repeat">
+      <a:schemeClr val="lt1">
+        <a:alpha val="90000"/>
+      </a:schemeClr>
+    </dgm:fillClrLst>
+    <dgm:linClrLst meth="repeat">
+      <a:schemeClr val="accent1"/>
+    </dgm:linClrLst>
+    <dgm:effectClrLst/>
+    <dgm:txLinClrLst/>
+    <dgm:txFillClrLst meth="repeat">
+      <a:schemeClr val="dk1"/>
+    </dgm:txFillClrLst>
+    <dgm:txEffectClrLst/>
+  </dgm:styleLbl>
+  <dgm:styleLbl name="alignAcc1">
+    <dgm:fillClrLst meth="repeat">
+      <a:schemeClr val="lt1">
+        <a:alpha val="90000"/>
+      </a:schemeClr>
+    </dgm:fillClrLst>
+    <dgm:linClrLst meth="repeat">
+      <a:schemeClr val="accent1"/>
+    </dgm:linClrLst>
+    <dgm:effectClrLst/>
+    <dgm:txLinClrLst/>
+    <dgm:txFillClrLst meth="repeat">
+      <a:schemeClr val="dk1"/>
+    </dgm:txFillClrLst>
+    <dgm:txEffectClrLst/>
+  </dgm:styleLbl>
+  <dgm:styleLbl name="trAlignAcc1">
+    <dgm:fillClrLst meth="repeat">
+      <a:schemeClr val="lt1">
+        <a:alpha val="40000"/>
+      </a:schemeClr>
+    </dgm:fillClrLst>
+    <dgm:linClrLst meth="repeat">
+      <a:schemeClr val="accent1"/>
+    </dgm:linClrLst>
+    <dgm:effectClrLst/>
+    <dgm:txLinClrLst/>
+    <dgm:txFillClrLst meth="repeat">
+      <a:schemeClr val="dk1"/>
+    </dgm:txFillClrLst>
+    <dgm:txEffectClrLst/>
+  </dgm:styleLbl>
+  <dgm:styleLbl name="bgAcc1">
+    <dgm:fillClrLst meth="repeat">
+      <a:schemeClr val="lt1">
+        <a:alpha val="90000"/>
+      </a:schemeClr>
+    </dgm:fillClrLst>
+    <dgm:linClrLst meth="repeat">
+      <a:schemeClr val="accent1"/>
+    </dgm:linClrLst>
+    <dgm:effectClrLst/>
+    <dgm:txLinClrLst/>
+    <dgm:txFillClrLst meth="repeat">
+      <a:schemeClr val="dk1"/>
+    </dgm:txFillClrLst>
+    <dgm:txEffectClrLst/>
+  </dgm:styleLbl>
+  <dgm:styleLbl name="solidFgAcc1">
+    <dgm:fillClrLst meth="repeat">
+      <a:schemeClr val="lt1"/>
+    </dgm:fillClrLst>
+    <dgm:linClrLst meth="repeat">
+      <a:schemeClr val="accent1"/>
+    </dgm:linClrLst>
+    <dgm:effectClrLst/>
+    <dgm:txLinClrLst/>
+    <dgm:txFillClrLst meth="repeat">
+      <a:schemeClr val="dk1"/>
+    </dgm:txFillClrLst>
+    <dgm:txEffectClrLst/>
+  </dgm:styleLbl>
+  <dgm:styleLbl name="solidAlignAcc1">
+    <dgm:fillClrLst meth="repeat">
+      <a:schemeClr val="lt1"/>
+    </dgm:fillClrLst>
+    <dgm:linClrLst meth="repeat">
+      <a:schemeClr val="accent1"/>
+    </dgm:linClrLst>
+    <dgm:effectClrLst/>
+    <dgm:txLinClrLst/>
+    <dgm:txFillClrLst meth="repeat">
+      <a:schemeClr val="dk1"/>
+    </dgm:txFillClrLst>
+    <dgm:txEffectClrLst/>
+  </dgm:styleLbl>
+  <dgm:styleLbl name="solidBgAcc1">
+    <dgm:fillClrLst meth="repeat">
+      <a:schemeClr val="lt1"/>
+    </dgm:fillClrLst>
+    <dgm:linClrLst meth="repeat">
+      <a:schemeClr val="accent1"/>
+    </dgm:linClrLst>
+    <dgm:effectClrLst/>
+    <dgm:txLinClrLst/>
+    <dgm:txFillClrLst meth="repeat">
+      <a:schemeClr val="dk1"/>
+    </dgm:txFillClrLst>
+    <dgm:txEffectClrLst/>
+  </dgm:styleLbl>
+  <dgm:styleLbl name="fgAccFollowNode1">
+    <dgm:fillClrLst meth="repeat">
+      <a:schemeClr val="accent1">
+        <a:alpha val="90000"/>
+        <a:tint val="40000"/>
+      </a:schemeClr>
+    </dgm:fillClrLst>
+    <dgm:linClrLst meth="repeat">
+      <a:schemeClr val="accent1">
+        <a:alpha val="90000"/>
+        <a:tint val="40000"/>
+      </a:schemeClr>
+    </dgm:linClrLst>
+    <dgm:effectClrLst/>
+    <dgm:txLinClrLst/>
+    <dgm:txFillClrLst meth="repeat">
+      <a:schemeClr val="dk1"/>
+    </dgm:txFillClrLst>
+    <dgm:txEffectClrLst/>
+  </dgm:styleLbl>
+  <dgm:styleLbl name="alignAccFollowNode1">
+    <dgm:fillClrLst meth="repeat">
+      <a:schemeClr val="accent1">
+        <a:alpha val="90000"/>
+        <a:tint val="40000"/>
+      </a:schemeClr>
+    </dgm:fillClrLst>
+    <dgm:linClrLst meth="repeat">
+      <a:schemeClr val="accent1">
+        <a:alpha val="90000"/>
+        <a:tint val="40000"/>
+      </a:schemeClr>
+    </dgm:linClrLst>
+    <dgm:effectClrLst/>
+    <dgm:txLinClrLst/>
+    <dgm:txFillClrLst meth="repeat">
+      <a:schemeClr val="dk1"/>
+    </dgm:txFillClrLst>
+    <dgm:txEffectClrLst/>
+  </dgm:styleLbl>
+  <dgm:styleLbl name="bgAccFollowNode1">
+    <dgm:fillClrLst meth="repeat">
+      <a:schemeClr val="accent1">
+        <a:alpha val="90000"/>
+        <a:tint val="40000"/>
+      </a:schemeClr>
+    </dgm:fillClrLst>
+    <dgm:linClrLst meth="repeat">
+      <a:schemeClr val="accent1">
+        <a:alpha val="90000"/>
+        <a:tint val="40000"/>
+      </a:schemeClr>
+    </dgm:linClrLst>
+    <dgm:effectClrLst/>
+    <dgm:txLinClrLst/>
+    <dgm:txFillClrLst meth="repeat">
+      <a:schemeClr val="dk1"/>
+    </dgm:txFillClrLst>
+    <dgm:txEffectClrLst/>
+  </dgm:styleLbl>
+  <dgm:styleLbl name="fgAcc0">
+    <dgm:fillClrLst meth="repeat">
+      <a:schemeClr val="lt1">
+        <a:alpha val="90000"/>
+      </a:schemeClr>
+    </dgm:fillClrLst>
+    <dgm:linClrLst meth="repeat">
+      <a:schemeClr val="accent1"/>
+    </dgm:linClrLst>
+    <dgm:effectClrLst/>
+    <dgm:txLinClrLst/>
+    <dgm:txFillClrLst meth="repeat">
+      <a:schemeClr val="dk1"/>
+    </dgm:txFillClrLst>
+    <dgm:txEffectClrLst/>
+  </dgm:styleLbl>
+  <dgm:styleLbl name="fgAcc2">
+    <dgm:fillClrLst meth="repeat">
+      <a:schemeClr val="lt1">
+        <a:alpha val="90000"/>
+      </a:schemeClr>
+    </dgm:fillClrLst>
+    <dgm:linClrLst meth="repeat">
+      <a:schemeClr val="accent1"/>
+    </dgm:linClrLst>
+    <dgm:effectClrLst/>
+    <dgm:txLinClrLst/>
+    <dgm:txFillClrLst meth="repeat">
+      <a:schemeClr val="dk1"/>
+    </dgm:txFillClrLst>
+    <dgm:txEffectClrLst/>
+  </dgm:styleLbl>
+  <dgm:styleLbl name="fgAcc3">
+    <dgm:fillClrLst meth="repeat">
+      <a:schemeClr val="lt1">
+        <a:alpha val="90000"/>
+      </a:schemeClr>
+    </dgm:fillClrLst>
+    <dgm:linClrLst meth="repeat">
+      <a:schemeClr val="accent1"/>
+    </dgm:linClrLst>
+    <dgm:effectClrLst/>
+    <dgm:txLinClrLst/>
+    <dgm:txFillClrLst meth="repeat">
+      <a:schemeClr val="dk1"/>
+    </dgm:txFillClrLst>
+    <dgm:txEffectClrLst/>
+  </dgm:styleLbl>
+  <dgm:styleLbl name="fgAcc4">
+    <dgm:fillClrLst meth="repeat">
+      <a:schemeClr val="lt1">
+        <a:alpha val="90000"/>
+      </a:schemeClr>
+    </dgm:fillClrLst>
+    <dgm:linClrLst meth="repeat">
+      <a:schemeClr val="accent1"/>
+    </dgm:linClrLst>
+    <dgm:effectClrLst/>
+    <dgm:txLinClrLst/>
+    <dgm:txFillClrLst meth="repeat">
+      <a:schemeClr val="dk1"/>
+    </dgm:txFillClrLst>
+    <dgm:txEffectClrLst/>
+  </dgm:styleLbl>
+  <dgm:styleLbl name="bgShp">
+    <dgm:fillClrLst meth="repeat">
+      <a:schemeClr val="accent1">
+        <a:tint val="40000"/>
+      </a:schemeClr>
+    </dgm:fillClrLst>
+    <dgm:linClrLst meth="repeat">
+      <a:schemeClr val="accent1"/>
+    </dgm:linClrLst>
+    <dgm:effectClrLst/>
+    <dgm:txLinClrLst/>
+    <dgm:txFillClrLst meth="repeat">
+      <a:schemeClr val="dk1"/>
+    </dgm:txFillClrLst>
+    <dgm:txEffectClrLst/>
+  </dgm:styleLbl>
+  <dgm:styleLbl name="dkBgShp">
+    <dgm:fillClrLst meth="repeat">
+      <a:schemeClr val="accent1">
+        <a:shade val="80000"/>
+      </a:schemeClr>
+    </dgm:fillClrLst>
+    <dgm:linClrLst meth="repeat">
+      <a:schemeClr val="accent1"/>
+    </dgm:linClrLst>
+    <dgm:effectClrLst/>
+    <dgm:txLinClrLst/>
+    <dgm:txFillClrLst meth="repeat">
+      <a:schemeClr val="lt1"/>
+    </dgm:txFillClrLst>
+    <dgm:txEffectClrLst/>
+  </dgm:styleLbl>
+  <dgm:styleLbl name="trBgShp">
+    <dgm:fillClrLst meth="repeat">
+      <a:schemeClr val="accent1">
+        <a:tint val="50000"/>
+        <a:alpha val="40000"/>
+      </a:schemeClr>
+    </dgm:fillClrLst>
+    <dgm:linClrLst meth="repeat">
+      <a:schemeClr val="accent1"/>
+    </dgm:linClrLst>
+    <dgm:effectClrLst/>
+    <dgm:txLinClrLst/>
+    <dgm:txFillClrLst meth="repeat">
+      <a:schemeClr val="lt1"/>
+    </dgm:txFillClrLst>
+    <dgm:txEffectClrLst/>
+  </dgm:styleLbl>
+  <dgm:styleLbl name="fgShp">
+    <dgm:fillClrLst meth="repeat">
+      <a:schemeClr val="accent1">
+        <a:tint val="60000"/>
+      </a:schemeClr>
+    </dgm:fillClrLst>
+    <dgm:linClrLst meth="repeat">
+      <a:schemeClr val="lt1"/>
+    </dgm:linClrLst>
+    <dgm:effectClrLst/>
+    <dgm:txLinClrLst/>
+    <dgm:txFillClrLst meth="repeat">
+      <a:schemeClr val="dk1"/>
+    </dgm:txFillClrLst>
+    <dgm:txEffectClrLst/>
+  </dgm:styleLbl>
+  <dgm:styleLbl name="revTx">
+    <dgm:fillClrLst meth="repeat">
+      <a:schemeClr val="lt1">
+        <a:alpha val="0"/>
+      </a:schemeClr>
+    </dgm:fillClrLst>
+    <dgm:linClrLst meth="repeat">
+      <a:schemeClr val="dk1">
+        <a:alpha val="0"/>
+      </a:schemeClr>
+    </dgm:linClrLst>
+    <dgm:effectClrLst/>
+    <dgm:txLinClrLst/>
+    <dgm:txFillClrLst meth="repeat">
+      <a:schemeClr val="tx1"/>
+    </dgm:txFillClrLst>
+    <dgm:txEffectClrLst/>
+  </dgm:styleLbl>
+</dgm:colorsDef>
+</file>
+
+<file path=ppt/diagrams/colors2.xml><?xml version="1.0" encoding="utf-8"?>
+<dgm:colorsDef xmlns:dgm="http://schemas.openxmlformats.org/drawingml/2006/diagram" xmlns:a="http://schemas.openxmlformats.org/drawingml/2006/main" uniqueId="urn:microsoft.com/office/officeart/2005/8/colors/colorful2">
+  <dgm:title val=""/>
+  <dgm:desc val=""/>
+  <dgm:catLst>
+    <dgm:cat type="colorful" pri="10200"/>
+  </dgm:catLst>
+  <dgm:styleLbl name="node0">
+    <dgm:fillClrLst meth="repeat">
+      <a:schemeClr val="accent1"/>
+    </dgm:fillClrLst>
+    <dgm:linClrLst meth="repeat">
+      <a:schemeClr val="lt1"/>
+    </dgm:linClrLst>
+    <dgm:effectClrLst/>
+    <dgm:txLinClrLst/>
+    <dgm:txFillClrLst/>
+    <dgm:txEffectClrLst/>
+  </dgm:styleLbl>
+  <dgm:styleLbl name="node1">
+    <dgm:fillClrLst>
+      <a:schemeClr val="accent2"/>
+      <a:schemeClr val="accent3"/>
+    </dgm:fillClrLst>
+    <dgm:linClrLst meth="repeat">
+      <a:schemeClr val="lt1"/>
+    </dgm:linClrLst>
+    <dgm:effectClrLst/>
+    <dgm:txLinClrLst/>
+    <dgm:txFillClrLst/>
+    <dgm:txEffectClrLst/>
+  </dgm:styleLbl>
+  <dgm:styleLbl name="alignNode1">
+    <dgm:fillClrLst>
+      <a:schemeClr val="accent2"/>
+      <a:schemeClr val="accent3"/>
+    </dgm:fillClrLst>
+    <dgm:linClrLst>
+      <a:schemeClr val="accent2"/>
+      <a:schemeClr val="accent3"/>
+    </dgm:linClrLst>
+    <dgm:effectClrLst/>
+    <dgm:txLinClrLst/>
+    <dgm:txFillClrLst/>
+    <dgm:txEffectClrLst/>
+  </dgm:styleLbl>
+  <dgm:styleLbl name="lnNode1">
+    <dgm:fillClrLst>
+      <a:schemeClr val="accent2"/>
+      <a:schemeClr val="accent3"/>
+    </dgm:fillClrLst>
+    <dgm:linClrLst meth="repeat">
+      <a:schemeClr val="lt1"/>
+    </dgm:linClrLst>
+    <dgm:effectClrLst/>
+    <dgm:txLinClrLst/>
+    <dgm:txFillClrLst/>
+    <dgm:txEffectClrLst/>
+  </dgm:styleLbl>
+  <dgm:styleLbl name="vennNode1">
+    <dgm:fillClrLst>
+      <a:schemeClr val="accent2">
+        <a:alpha val="50000"/>
+      </a:schemeClr>
+      <a:schemeClr val="accent3">
+        <a:alpha val="50000"/>
+      </a:schemeClr>
+    </dgm:fillClrLst>
+    <dgm:linClrLst meth="repeat">
+      <a:schemeClr val="lt1"/>
+    </dgm:linClrLst>
+    <dgm:effectClrLst/>
+    <dgm:txLinClrLst/>
+    <dgm:txFillClrLst/>
+    <dgm:txEffectClrLst/>
+  </dgm:styleLbl>
+  <dgm:styleLbl name="node2">
+    <dgm:fillClrLst>
+      <a:schemeClr val="accent3"/>
+    </dgm:fillClrLst>
+    <dgm:linClrLst meth="repeat">
+      <a:schemeClr val="lt1"/>
+    </dgm:linClrLst>
+    <dgm:effectClrLst/>
+    <dgm:txLinClrLst/>
+    <dgm:txFillClrLst/>
+    <dgm:txEffectClrLst/>
+  </dgm:styleLbl>
+  <dgm:styleLbl name="node3">
+    <dgm:fillClrLst>
+      <a:schemeClr val="accent4"/>
+    </dgm:fillClrLst>
+    <dgm:linClrLst meth="repeat">
+      <a:schemeClr val="lt1"/>
+    </dgm:linClrLst>
+    <dgm:effectClrLst/>
+    <dgm:txLinClrLst/>
+    <dgm:txFillClrLst/>
+    <dgm:txEffectClrLst/>
+  </dgm:styleLbl>
+  <dgm:styleLbl name="node4">
+    <dgm:fillClrLst>
+      <a:schemeClr val="accent5"/>
+    </dgm:fillClrLst>
+    <dgm:linClrLst meth="repeat">
+      <a:schemeClr val="lt1"/>
+    </dgm:linClrLst>
+    <dgm:effectClrLst/>
+    <dgm:txLinClrLst/>
+    <dgm:txFillClrLst/>
+    <dgm:txEffectClrLst/>
+  </dgm:styleLbl>
+  <dgm:styleLbl name="fgImgPlace1">
+    <dgm:fillClrLst>
+      <a:schemeClr val="accent2">
+        <a:tint val="50000"/>
+      </a:schemeClr>
+      <a:schemeClr val="accent3">
+        <a:tint val="50000"/>
+      </a:schemeClr>
+    </dgm:fillClrLst>
+    <dgm:linClrLst meth="repeat">
+      <a:schemeClr val="lt1"/>
+    </dgm:linClrLst>
+    <dgm:effectClrLst/>
+    <dgm:txLinClrLst/>
+    <dgm:txFillClrLst meth="repeat">
+      <a:schemeClr val="lt1"/>
+    </dgm:txFillClrLst>
+    <dgm:txEffectClrLst/>
+  </dgm:styleLbl>
+  <dgm:styleLbl name="alignImgPlace1">
+    <dgm:fillClrLst>
+      <a:schemeClr val="accent2">
+        <a:tint val="50000"/>
+      </a:schemeClr>
+      <a:schemeClr val="accent3">
+        <a:tint val="20000"/>
+      </a:schemeClr>
+    </dgm:fillClrLst>
+    <dgm:linClrLst meth="repeat">
+      <a:schemeClr val="lt1"/>
+    </dgm:linClrLst>
+    <dgm:effectClrLst/>
+    <dgm:txLinClrLst/>
+    <dgm:txFillClrLst meth="repeat">
+      <a:schemeClr val="lt1"/>
+    </dgm:txFillClrLst>
+    <dgm:txEffectClrLst/>
+  </dgm:styleLbl>
+  <dgm:styleLbl name="bgImgPlace1">
+    <dgm:fillClrLst>
+      <a:schemeClr val="accent2">
+        <a:tint val="50000"/>
+      </a:schemeClr>
+      <a:schemeClr val="accent3">
+        <a:tint val="20000"/>
+      </a:schemeClr>
+    </dgm:fillClrLst>
+    <dgm:linClrLst meth="repeat">
+      <a:schemeClr val="lt1"/>
+    </dgm:linClrLst>
+    <dgm:effectClrLst/>
+    <dgm:txLinClrLst/>
+    <dgm:txFillClrLst meth="repeat">
+      <a:schemeClr val="lt1"/>
+    </dgm:txFillClrLst>
+    <dgm:txEffectClrLst/>
+  </dgm:styleLbl>
+  <dgm:styleLbl name="sibTrans2D1">
+    <dgm:fillClrLst>
+      <a:schemeClr val="accent2"/>
+      <a:schemeClr val="accent3"/>
+    </dgm:fillClrLst>
+    <dgm:linClrLst meth="repeat">
+      <a:schemeClr val="lt1"/>
+    </dgm:linClrLst>
+    <dgm:effectClrLst/>
+    <dgm:txLinClrLst/>
+    <dgm:txFillClrLst/>
+    <dgm:txEffectClrLst/>
+  </dgm:styleLbl>
+  <dgm:styleLbl name="fgSibTrans2D1">
+    <dgm:fillClrLst>
+      <a:schemeClr val="accent2"/>
+      <a:schemeClr val="accent3"/>
+    </dgm:fillClrLst>
+    <dgm:linClrLst meth="repeat">
+      <a:schemeClr val="lt1"/>
+    </dgm:linClrLst>
+    <dgm:effectClrLst/>
+    <dgm:txLinClrLst/>
+    <dgm:txFillClrLst meth="repeat">
+      <a:schemeClr val="lt1"/>
+    </dgm:txFillClrLst>
+    <dgm:txEffectClrLst/>
+  </dgm:styleLbl>
+  <dgm:styleLbl name="bgSibTrans2D1">
+    <dgm:fillClrLst>
+      <a:schemeClr val="accent2"/>
+      <a:schemeClr val="accent3"/>
+    </dgm:fillClrLst>
+    <dgm:linClrLst meth="repeat">
+      <a:schemeClr val="lt1"/>
+    </dgm:linClrLst>
+    <dgm:effectClrLst/>
+    <dgm:txLinClrLst/>
+    <dgm:txFillClrLst meth="repeat">
+      <a:schemeClr val="lt1"/>
+    </dgm:txFillClrLst>
+    <dgm:txEffectClrLst/>
+  </dgm:styleLbl>
+  <dgm:styleLbl name="sibTrans1D1">
+    <dgm:fillClrLst/>
+    <dgm:linClrLst>
+      <a:schemeClr val="accent2"/>
+      <a:schemeClr val="accent3"/>
+    </dgm:linClrLst>
+    <dgm:effectClrLst/>
+    <dgm:txLinClrLst/>
+    <dgm:txFillClrLst meth="repeat">
+      <a:schemeClr val="tx1"/>
+    </dgm:txFillClrLst>
+    <dgm:txEffectClrLst/>
+  </dgm:styleLbl>
+  <dgm:styleLbl name="callout">
+    <dgm:fillClrLst meth="repeat">
+      <a:schemeClr val="accent2"/>
+    </dgm:fillClrLst>
+    <dgm:linClrLst meth="repeat">
+      <a:schemeClr val="accent2">
+        <a:tint val="50000"/>
+      </a:schemeClr>
+    </dgm:linClrLst>
+    <dgm:effectClrLst/>
+    <dgm:txLinClrLst/>
+    <dgm:txFillClrLst meth="repeat">
+      <a:schemeClr val="tx1"/>
+    </dgm:txFillClrLst>
+    <dgm:txEffectClrLst/>
+  </dgm:styleLbl>
+  <dgm:styleLbl name="asst0">
+    <dgm:fillClrLst meth="repeat">
+      <a:schemeClr val="accent2"/>
+    </dgm:fillClrLst>
+    <dgm:linClrLst meth="repeat">
+      <a:schemeClr val="lt1">
+        <a:shade val="80000"/>
+      </a:schemeClr>
+    </dgm:linClrLst>
+    <dgm:effectClrLst/>
+    <dgm:txLinClrLst/>
+    <dgm:txFillClrLst/>
+    <dgm:txEffectClrLst/>
+  </dgm:styleLbl>
+  <dgm:styleLbl name="asst1">
+    <dgm:fillClrLst meth="repeat">
+      <a:schemeClr val="accent3"/>
+    </dgm:fillClrLst>
+    <dgm:linClrLst meth="repeat">
+      <a:schemeClr val="lt1">
+        <a:shade val="80000"/>
+      </a:schemeClr>
+    </dgm:linClrLst>
+    <dgm:effectClrLst/>
+    <dgm:txLinClrLst/>
+    <dgm:txFillClrLst/>
+    <dgm:txEffectClrLst/>
+  </dgm:styleLbl>
+  <dgm:styleLbl name="asst2">
+    <dgm:fillClrLst>
+      <a:schemeClr val="accent4"/>
+    </dgm:fillClrLst>
+    <dgm:linClrLst meth="repeat">
+      <a:schemeClr val="lt1"/>
+    </dgm:linClrLst>
+    <dgm:effectClrLst/>
+    <dgm:txLinClrLst/>
+    <dgm:txFillClrLst/>
+    <dgm:txEffectClrLst/>
+  </dgm:styleLbl>
+  <dgm:styleLbl name="asst3">
+    <dgm:fillClrLst>
+      <a:schemeClr val="accent5"/>
+    </dgm:fillClrLst>
+    <dgm:linClrLst meth="repeat">
+      <a:schemeClr val="lt1"/>
+    </dgm:linClrLst>
+    <dgm:effectClrLst/>
+    <dgm:txLinClrLst/>
+    <dgm:txFillClrLst/>
+    <dgm:txEffectClrLst/>
+  </dgm:styleLbl>
+  <dgm:styleLbl name="asst4">
+    <dgm:fillClrLst>
+      <a:schemeClr val="accent6"/>
+    </dgm:fillClrLst>
+    <dgm:linClrLst meth="repeat">
+      <a:schemeClr val="lt1"/>
+    </dgm:linClrLst>
+    <dgm:effectClrLst/>
+    <dgm:txLinClrLst/>
+    <dgm:txFillClrLst/>
+    <dgm:txEffectClrLst/>
+  </dgm:styleLbl>
+  <dgm:styleLbl name="parChTrans2D1">
+    <dgm:fillClrLst meth="repeat">
+      <a:schemeClr val="accent2"/>
+    </dgm:fillClrLst>
+    <dgm:linClrLst meth="repeat">
+      <a:schemeClr val="lt1"/>
+    </dgm:linClrLst>
+    <dgm:effectClrLst/>
+    <dgm:txLinClrLst/>
+    <dgm:txFillClrLst meth="repeat">
+      <a:schemeClr val="lt1"/>
+    </dgm:txFillClrLst>
+    <dgm:txEffectClrLst/>
+  </dgm:styleLbl>
+  <dgm:styleLbl name="parChTrans2D2">
+    <dgm:fillClrLst meth="repeat">
+      <a:schemeClr val="accent3"/>
+    </dgm:fillClrLst>
+    <dgm:linClrLst meth="repeat">
+      <a:schemeClr val="lt1"/>
+    </dgm:linClrLst>
+    <dgm:effectClrLst/>
+    <dgm:txLinClrLst/>
+    <dgm:txFillClrLst/>
+    <dgm:txEffectClrLst/>
+  </dgm:styleLbl>
+  <dgm:styleLbl name="parChTrans2D3">
+    <dgm:fillClrLst meth="repeat">
+      <a:schemeClr val="accent4"/>
+    </dgm:fillClrLst>
+    <dgm:linClrLst meth="repeat">
+      <a:schemeClr val="lt1"/>
+    </dgm:linClrLst>
+    <dgm:effectClrLst/>
+    <dgm:txLinClrLst/>
+    <dgm:txFillClrLst/>
+    <dgm:txEffectClrLst/>
+  </dgm:styleLbl>
+  <dgm:styleLbl name="parChTrans2D4">
+    <dgm:fillClrLst meth="repeat">
+      <a:schemeClr val="accent5"/>
+    </dgm:fillClrLst>
+    <dgm:linClrLst meth="repeat">
+      <a:schemeClr val="lt1"/>
+    </dgm:linClrLst>
+    <dgm:effectClrLst/>
+    <dgm:txLinClrLst/>
+    <dgm:txFillClrLst meth="repeat">
+      <a:schemeClr val="lt1"/>
+    </dgm:txFillClrLst>
+    <dgm:txEffectClrLst/>
+  </dgm:styleLbl>
+  <dgm:styleLbl name="parChTrans1D1">
+    <dgm:fillClrLst meth="repeat">
+      <a:schemeClr val="accent2"/>
+    </dgm:fillClrLst>
+    <dgm:linClrLst meth="repeat">
+      <a:schemeClr val="accent2"/>
+    </dgm:linClrLst>
+    <dgm:effectClrLst/>
+    <dgm:txLinClrLst/>
+    <dgm:txFillClrLst meth="repeat">
+      <a:schemeClr val="tx1"/>
+    </dgm:txFillClrLst>
+    <dgm:txEffectClrLst/>
+  </dgm:styleLbl>
+  <dgm:styleLbl name="parChTrans1D2">
+    <dgm:fillClrLst meth="repeat">
+      <a:schemeClr val="accent2">
+        <a:tint val="90000"/>
+      </a:schemeClr>
+    </dgm:fillClrLst>
+    <dgm:linClrLst meth="repeat">
+      <a:schemeClr val="accent3"/>
+    </dgm:linClrLst>
+    <dgm:effectClrLst/>
+    <dgm:txLinClrLst/>
+    <dgm:txFillClrLst meth="repeat">
+      <a:schemeClr val="tx1"/>
+    </dgm:txFillClrLst>
+    <dgm:txEffectClrLst/>
+  </dgm:styleLbl>
+  <dgm:styleLbl name="parChTrans1D3">
+    <dgm:fillClrLst meth="repeat">
+      <a:schemeClr val="accent2">
+        <a:tint val="70000"/>
+      </a:schemeClr>
+    </dgm:fillClrLst>
+    <dgm:linClrLst meth="repeat">
+      <a:schemeClr val="accent4"/>
+    </dgm:linClrLst>
+    <dgm:effectClrLst/>
+    <dgm:txLinClrLst/>
+    <dgm:txFillClrLst meth="repeat">
+      <a:schemeClr val="tx1"/>
+    </dgm:txFillClrLst>
+    <dgm:txEffectClrLst/>
+  </dgm:styleLbl>
+  <dgm:styleLbl name="parChTrans1D4">
+    <dgm:fillClrLst meth="repeat">
+      <a:schemeClr val="accent2">
+        <a:tint val="50000"/>
+      </a:schemeClr>
+    </dgm:fillClrLst>
+    <dgm:linClrLst meth="repeat">
+      <a:schemeClr val="accent5"/>
+    </dgm:linClrLst>
+    <dgm:effectClrLst/>
+    <dgm:txLinClrLst/>
+    <dgm:txFillClrLst meth="repeat">
+      <a:schemeClr val="tx1"/>
+    </dgm:txFillClrLst>
+    <dgm:txEffectClrLst/>
+  </dgm:styleLbl>
+  <dgm:styleLbl name="fgAcc1">
+    <dgm:fillClrLst meth="repeat">
+      <a:schemeClr val="lt1">
+        <a:alpha val="90000"/>
+      </a:schemeClr>
+    </dgm:fillClrLst>
+    <dgm:linClrLst>
+      <a:schemeClr val="accent2"/>
+      <a:schemeClr val="accent3"/>
+    </dgm:linClrLst>
+    <dgm:effectClrLst/>
+    <dgm:txLinClrLst/>
+    <dgm:txFillClrLst meth="repeat">
+      <a:schemeClr val="dk1"/>
+    </dgm:txFillClrLst>
+    <dgm:txEffectClrLst/>
+  </dgm:styleLbl>
+  <dgm:styleLbl name="conFgAcc1">
+    <dgm:fillClrLst meth="repeat">
+      <a:schemeClr val="lt1">
+        <a:alpha val="90000"/>
+      </a:schemeClr>
+    </dgm:fillClrLst>
+    <dgm:linClrLst>
+      <a:schemeClr val="accent2"/>
+      <a:schemeClr val="accent3"/>
+    </dgm:linClrLst>
+    <dgm:effectClrLst/>
+    <dgm:txLinClrLst/>
+    <dgm:txFillClrLst meth="repeat">
+      <a:schemeClr val="dk1"/>
+    </dgm:txFillClrLst>
+    <dgm:txEffectClrLst/>
+  </dgm:styleLbl>
+  <dgm:styleLbl name="alignAcc1">
+    <dgm:fillClrLst meth="repeat">
+      <a:schemeClr val="lt1">
+        <a:alpha val="90000"/>
+      </a:schemeClr>
+    </dgm:fillClrLst>
+    <dgm:linClrLst>
+      <a:schemeClr val="accent2"/>
+      <a:schemeClr val="accent3"/>
+    </dgm:linClrLst>
+    <dgm:effectClrLst/>
+    <dgm:txLinClrLst/>
+    <dgm:txFillClrLst meth="repeat">
+      <a:schemeClr val="dk1"/>
+    </dgm:txFillClrLst>
+    <dgm:txEffectClrLst/>
+  </dgm:styleLbl>
+  <dgm:styleLbl name="trAlignAcc1">
+    <dgm:fillClrLst meth="repeat">
+      <a:schemeClr val="lt1">
+        <a:alpha val="40000"/>
+      </a:schemeClr>
+    </dgm:fillClrLst>
+    <dgm:linClrLst meth="repeat">
+      <a:schemeClr val="accent2"/>
+    </dgm:linClrLst>
+    <dgm:effectClrLst/>
+    <dgm:txLinClrLst/>
+    <dgm:txFillClrLst meth="repeat">
+      <a:schemeClr val="dk1"/>
+    </dgm:txFillClrLst>
+    <dgm:txEffectClrLst/>
+  </dgm:styleLbl>
+  <dgm:styleLbl name="bgAcc1">
+    <dgm:fillClrLst meth="repeat">
+      <a:schemeClr val="lt1">
+        <a:alpha val="90000"/>
+      </a:schemeClr>
+    </dgm:fillClrLst>
+    <dgm:linClrLst>
+      <a:schemeClr val="accent2"/>
+      <a:schemeClr val="accent3"/>
+    </dgm:linClrLst>
+    <dgm:effectClrLst/>
+    <dgm:txLinClrLst/>
+    <dgm:txFillClrLst meth="repeat">
+      <a:schemeClr val="dk1"/>
+    </dgm:txFillClrLst>
+    <dgm:txEffectClrLst/>
+  </dgm:styleLbl>
+  <dgm:styleLbl name="solidFgAcc1">
+    <dgm:fillClrLst meth="repeat">
+      <a:schemeClr val="lt1"/>
+    </dgm:fillClrLst>
+    <dgm:linClrLst>
+      <a:schemeClr val="accent2"/>
+      <a:schemeClr val="accent3"/>
+    </dgm:linClrLst>
+    <dgm:effectClrLst/>
+    <dgm:txLinClrLst/>
+    <dgm:txFillClrLst meth="repeat">
+      <a:schemeClr val="dk1"/>
+    </dgm:txFillClrLst>
+    <dgm:txEffectClrLst/>
+  </dgm:styleLbl>
+  <dgm:styleLbl name="solidAlignAcc1">
+    <dgm:fillClrLst meth="repeat">
+      <a:schemeClr val="lt1"/>
+    </dgm:fillClrLst>
+    <dgm:linClrLst>
+      <a:schemeClr val="accent2"/>
+      <a:schemeClr val="accent3"/>
+    </dgm:linClrLst>
+    <dgm:effectClrLst/>
+    <dgm:txLinClrLst/>
+    <dgm:txFillClrLst meth="repeat">
+      <a:schemeClr val="dk1"/>
+    </dgm:txFillClrLst>
+    <dgm:txEffectClrLst/>
+  </dgm:styleLbl>
+  <dgm:styleLbl name="solidBgAcc1">
+    <dgm:fillClrLst meth="repeat">
+      <a:schemeClr val="lt1"/>
+    </dgm:fillClrLst>
+    <dgm:linClrLst>
+      <a:schemeClr val="accent2"/>
+      <a:schemeClr val="accent3"/>
+    </dgm:linClrLst>
+    <dgm:effectClrLst/>
+    <dgm:txLinClrLst/>
+    <dgm:txFillClrLst meth="repeat">
+      <a:schemeClr val="dk1"/>
+    </dgm:txFillClrLst>
+    <dgm:txEffectClrLst/>
+  </dgm:styleLbl>
+  <dgm:styleLbl name="fgAccFollowNode1">
+    <dgm:fillClrLst>
+      <a:schemeClr val="accent2">
+        <a:tint val="40000"/>
+        <a:alpha val="90000"/>
+      </a:schemeClr>
+      <a:schemeClr val="accent3">
+        <a:tint val="40000"/>
+        <a:alpha val="90000"/>
+      </a:schemeClr>
+    </dgm:fillClrLst>
+    <dgm:linClrLst>
+      <a:schemeClr val="accent2">
+        <a:tint val="40000"/>
+        <a:alpha val="90000"/>
+      </a:schemeClr>
+      <a:schemeClr val="accent3">
+        <a:tint val="40000"/>
+        <a:alpha val="90000"/>
+      </a:schemeClr>
+    </dgm:linClrLst>
+    <dgm:effectClrLst/>
+    <dgm:txLinClrLst/>
+    <dgm:txFillClrLst meth="repeat">
+      <a:schemeClr val="dk1"/>
+    </dgm:txFillClrLst>
+    <dgm:txEffectClrLst/>
+  </dgm:styleLbl>
+  <dgm:styleLbl name="alignAccFollowNode1">
+    <dgm:fillClrLst>
+      <a:schemeClr val="accent2">
+        <a:tint val="40000"/>
+        <a:alpha val="90000"/>
+      </a:schemeClr>
+      <a:schemeClr val="accent3">
+        <a:tint val="40000"/>
+        <a:alpha val="90000"/>
+      </a:schemeClr>
+    </dgm:fillClrLst>
+    <dgm:linClrLst>
+      <a:schemeClr val="accent2">
+        <a:tint val="40000"/>
+        <a:alpha val="90000"/>
+      </a:schemeClr>
+      <a:schemeClr val="accent3">
+        <a:tint val="40000"/>
+        <a:alpha val="90000"/>
+      </a:schemeClr>
+    </dgm:linClrLst>
+    <dgm:effectClrLst/>
+    <dgm:txLinClrLst/>
+    <dgm:txFillClrLst meth="repeat">
+      <a:schemeClr val="dk1"/>
+    </dgm:txFillClrLst>
+    <dgm:txEffectClrLst/>
+  </dgm:styleLbl>
+  <dgm:styleLbl name="bgAccFollowNode1">
+    <dgm:fillClrLst>
+      <a:schemeClr val="accent2">
+        <a:tint val="40000"/>
+        <a:alpha val="90000"/>
+      </a:schemeClr>
+      <a:schemeClr val="accent3">
+        <a:tint val="40000"/>
+        <a:alpha val="90000"/>
+      </a:schemeClr>
+    </dgm:fillClrLst>
+    <dgm:linClrLst>
+      <a:schemeClr val="accent2">
+        <a:tint val="40000"/>
+        <a:alpha val="90000"/>
+      </a:schemeClr>
+      <a:schemeClr val="accent3">
+        <a:tint val="40000"/>
+        <a:alpha val="90000"/>
+      </a:schemeClr>
+    </dgm:linClrLst>
+    <dgm:effectClrLst/>
+    <dgm:txLinClrLst/>
+    <dgm:txFillClrLst meth="repeat">
+      <a:schemeClr val="dk1"/>
+    </dgm:txFillClrLst>
+    <dgm:txEffectClrLst/>
+  </dgm:styleLbl>
+  <dgm:styleLbl name="fgAcc0">
+    <dgm:fillClrLst meth="repeat">
+      <a:schemeClr val="lt1">
+        <a:alpha val="90000"/>
+      </a:schemeClr>
+    </dgm:fillClrLst>
+    <dgm:linClrLst>
+      <a:schemeClr val="accent1"/>
+    </dgm:linClrLst>
+    <dgm:effectClrLst/>
+    <dgm:txLinClrLst/>
+    <dgm:txFillClrLst meth="repeat">
+      <a:schemeClr val="dk1"/>
+    </dgm:txFillClrLst>
+    <dgm:txEffectClrLst/>
+  </dgm:styleLbl>
+  <dgm:styleLbl name="fgAcc2">
+    <dgm:fillClrLst meth="repeat">
+      <a:schemeClr val="lt1">
+        <a:alpha val="90000"/>
+      </a:schemeClr>
+    </dgm:fillClrLst>
+    <dgm:linClrLst>
+      <a:schemeClr val="accent3"/>
+    </dgm:linClrLst>
+    <dgm:effectClrLst/>
+    <dgm:txLinClrLst/>
+    <dgm:txFillClrLst meth="repeat">
+      <a:schemeClr val="dk1"/>
+    </dgm:txFillClrLst>
+    <dgm:txEffectClrLst/>
+  </dgm:styleLbl>
+  <dgm:styleLbl name="fgAcc3">
+    <dgm:fillClrLst meth="repeat">
+      <a:schemeClr val="lt1">
+        <a:alpha val="90000"/>
+      </a:schemeClr>
+    </dgm:fillClrLst>
+    <dgm:linClrLst>
+      <a:schemeClr val="accent4"/>
+    </dgm:linClrLst>
+    <dgm:effectClrLst/>
+    <dgm:txLinClrLst/>
+    <dgm:txFillClrLst meth="repeat">
+      <a:schemeClr val="dk1"/>
+    </dgm:txFillClrLst>
+    <dgm:txEffectClrLst/>
+  </dgm:styleLbl>
+  <dgm:styleLbl name="fgAcc4">
+    <dgm:fillClrLst meth="repeat">
+      <a:schemeClr val="lt1">
+        <a:alpha val="90000"/>
+      </a:schemeClr>
+    </dgm:fillClrLst>
+    <dgm:linClrLst>
+      <a:schemeClr val="accent5"/>
+    </dgm:linClrLst>
+    <dgm:effectClrLst/>
+    <dgm:txLinClrLst/>
+    <dgm:txFillClrLst meth="repeat">
+      <a:schemeClr val="dk1"/>
+    </dgm:txFillClrLst>
+    <dgm:txEffectClrLst/>
+  </dgm:styleLbl>
+  <dgm:styleLbl name="bgShp">
+    <dgm:fillClrLst meth="repeat">
+      <a:schemeClr val="accent2">
+        <a:tint val="40000"/>
+      </a:schemeClr>
+    </dgm:fillClrLst>
+    <dgm:linClrLst meth="repeat">
+      <a:schemeClr val="dk1"/>
+    </dgm:linClrLst>
+    <dgm:effectClrLst/>
+    <dgm:txLinClrLst/>
+    <dgm:txFillClrLst meth="repeat">
+      <a:schemeClr val="dk1"/>
+    </dgm:txFillClrLst>
+    <dgm:txEffectClrLst/>
+  </dgm:styleLbl>
+  <dgm:styleLbl name="dkBgShp">
+    <dgm:fillClrLst meth="repeat">
+      <a:schemeClr val="accent2">
+        <a:shade val="90000"/>
+      </a:schemeClr>
+    </dgm:fillClrLst>
+    <dgm:linClrLst meth="repeat">
+      <a:schemeClr val="dk1"/>
+    </dgm:linClrLst>
+    <dgm:effectClrLst/>
+    <dgm:txLinClrLst/>
+    <dgm:txFillClrLst meth="repeat">
+      <a:schemeClr val="lt1"/>
+    </dgm:txFillClrLst>
+    <dgm:txEffectClrLst/>
+  </dgm:styleLbl>
+  <dgm:styleLbl name="trBgShp">
+    <dgm:fillClrLst meth="repeat">
+      <a:schemeClr val="accent2">
+        <a:tint val="50000"/>
+        <a:alpha val="40000"/>
+      </a:schemeClr>
+    </dgm:fillClrLst>
+    <dgm:linClrLst meth="repeat">
+      <a:schemeClr val="accent2"/>
+    </dgm:linClrLst>
+    <dgm:effectClrLst/>
+    <dgm:txLinClrLst/>
+    <dgm:txFillClrLst meth="repeat">
+      <a:schemeClr val="lt1"/>
+    </dgm:txFillClrLst>
+    <dgm:txEffectClrLst/>
+  </dgm:styleLbl>
+  <dgm:styleLbl name="fgShp">
+    <dgm:fillClrLst meth="repeat">
+      <a:schemeClr val="accent2">
+        <a:tint val="40000"/>
+      </a:schemeClr>
+    </dgm:fillClrLst>
+    <dgm:linClrLst meth="repeat">
+      <a:schemeClr val="lt1"/>
+    </dgm:linClrLst>
+    <dgm:effectClrLst/>
+    <dgm:txLinClrLst/>
+    <dgm:txFillClrLst meth="repeat">
+      <a:schemeClr val="dk1"/>
+    </dgm:txFillClrLst>
+    <dgm:txEffectClrLst/>
+  </dgm:styleLbl>
+  <dgm:styleLbl name="revTx">
+    <dgm:fillClrLst meth="repeat">
+      <a:schemeClr val="lt1">
+        <a:alpha val="0"/>
+      </a:schemeClr>
+    </dgm:fillClrLst>
+    <dgm:linClrLst meth="repeat">
+      <a:schemeClr val="dk1">
+        <a:alpha val="0"/>
+      </a:schemeClr>
+    </dgm:linClrLst>
+    <dgm:effectClrLst/>
+    <dgm:txLinClrLst/>
+    <dgm:txFillClrLst meth="repeat">
+      <a:schemeClr val="tx1"/>
+    </dgm:txFillClrLst>
+    <dgm:txEffectClrLst/>
+  </dgm:styleLbl>
+</dgm:colorsDef>
+</file>
+
+<file path=ppt/diagrams/data1.xml><?xml version="1.0" encoding="utf-8"?>
+<dgm:dataModel xmlns:dgm="http://schemas.openxmlformats.org/drawingml/2006/diagram" xmlns:a="http://schemas.openxmlformats.org/drawingml/2006/main">
+  <dgm:ptLst>
+    <dgm:pt modelId="{535BA57C-3EE7-40E2-B005-9BB5EA2C61BA}" type="doc">
+      <dgm:prSet loTypeId="urn:microsoft.com/office/officeart/2016/7/layout/ChevronBlockProcess" loCatId="process" qsTypeId="urn:microsoft.com/office/officeart/2005/8/quickstyle/simple1" qsCatId="simple" csTypeId="urn:microsoft.com/office/officeart/2005/8/colors/accent1_2" csCatId="accent1" phldr="1"/>
+      <dgm:spPr/>
+      <dgm:t>
+        <a:bodyPr/>
+        <a:lstStyle/>
+        <a:p>
+          <a:endParaRPr lang="en-US"/>
+        </a:p>
+      </dgm:t>
+    </dgm:pt>
+    <dgm:pt modelId="{9BE008AD-0F2D-42E9-9FE2-DE7F4ADA83B1}">
+      <dgm:prSet/>
+      <dgm:spPr/>
+      <dgm:t>
+        <a:bodyPr/>
+        <a:lstStyle/>
+        <a:p>
+          <a:r>
+            <a:rPr lang="en-US"/>
+            <a:t>Install</a:t>
+          </a:r>
+        </a:p>
+      </dgm:t>
+    </dgm:pt>
+    <dgm:pt modelId="{6A028FC7-D551-439F-B168-FB362097CABD}" type="parTrans" cxnId="{6977C0B6-16B3-498B-903A-4E38A1719F5B}">
+      <dgm:prSet/>
+      <dgm:spPr/>
+      <dgm:t>
+        <a:bodyPr/>
+        <a:lstStyle/>
+        <a:p>
+          <a:endParaRPr lang="en-US"/>
+        </a:p>
+      </dgm:t>
+    </dgm:pt>
+    <dgm:pt modelId="{52A84E5D-91FF-4A1F-BEE4-22446A3EACF8}" type="sibTrans" cxnId="{6977C0B6-16B3-498B-903A-4E38A1719F5B}">
+      <dgm:prSet/>
+      <dgm:spPr/>
+      <dgm:t>
+        <a:bodyPr/>
+        <a:lstStyle/>
+        <a:p>
+          <a:endParaRPr lang="en-US"/>
+        </a:p>
+      </dgm:t>
+    </dgm:pt>
+    <dgm:pt modelId="{BB138096-A3C3-41CD-A3F4-9F3610C94E6C}">
+      <dgm:prSet/>
+      <dgm:spPr/>
+      <dgm:t>
+        <a:bodyPr/>
+        <a:lstStyle/>
+        <a:p>
+          <a:r>
+            <a:rPr lang="en-US" dirty="0"/>
+            <a:t>Install </a:t>
+          </a:r>
+          <a:r>
+            <a:rPr lang="en-US" dirty="0" err="1"/>
+            <a:t>Numpy</a:t>
+          </a:r>
+          <a:r>
+            <a:rPr lang="en-US" dirty="0"/>
+            <a:t> </a:t>
+          </a:r>
+          <a:r>
+            <a:rPr lang="en-US" dirty="0" err="1"/>
+            <a:t>Libary</a:t>
+          </a:r>
+          <a:r>
+            <a:rPr lang="en-US" dirty="0"/>
+            <a:t> (helps in mathematical computation)</a:t>
+          </a:r>
+        </a:p>
+      </dgm:t>
+    </dgm:pt>
+    <dgm:pt modelId="{1E4CFED2-9010-4A68-8066-99A5E270A2EB}" type="parTrans" cxnId="{F15B6799-AC59-42DE-B6ED-2322118F7439}">
+      <dgm:prSet/>
+      <dgm:spPr/>
+      <dgm:t>
+        <a:bodyPr/>
+        <a:lstStyle/>
+        <a:p>
+          <a:endParaRPr lang="en-US"/>
+        </a:p>
+      </dgm:t>
+    </dgm:pt>
+    <dgm:pt modelId="{155F884F-00ED-4655-B70E-78671C2FC240}" type="sibTrans" cxnId="{F15B6799-AC59-42DE-B6ED-2322118F7439}">
+      <dgm:prSet/>
+      <dgm:spPr/>
+      <dgm:t>
+        <a:bodyPr/>
+        <a:lstStyle/>
+        <a:p>
+          <a:endParaRPr lang="en-US"/>
+        </a:p>
+      </dgm:t>
+    </dgm:pt>
+    <dgm:pt modelId="{25A4349A-00E0-4E09-95E6-4134D6D1436D}">
+      <dgm:prSet/>
+      <dgm:spPr/>
+      <dgm:t>
+        <a:bodyPr/>
+        <a:lstStyle/>
+        <a:p>
+          <a:r>
+            <a:rPr lang="en-US"/>
+            <a:t>Install</a:t>
+          </a:r>
+        </a:p>
+      </dgm:t>
+    </dgm:pt>
+    <dgm:pt modelId="{F7970AD3-FA03-429C-9439-E3DFF4F8BA41}" type="parTrans" cxnId="{03A20C7B-5BCC-4410-AB9C-4AD952BD59B4}">
+      <dgm:prSet/>
+      <dgm:spPr/>
+      <dgm:t>
+        <a:bodyPr/>
+        <a:lstStyle/>
+        <a:p>
+          <a:endParaRPr lang="en-US"/>
+        </a:p>
+      </dgm:t>
+    </dgm:pt>
+    <dgm:pt modelId="{CD58DA75-1719-4073-AD87-75866831EA1F}" type="sibTrans" cxnId="{03A20C7B-5BCC-4410-AB9C-4AD952BD59B4}">
+      <dgm:prSet/>
+      <dgm:spPr/>
+      <dgm:t>
+        <a:bodyPr/>
+        <a:lstStyle/>
+        <a:p>
+          <a:endParaRPr lang="en-US"/>
+        </a:p>
+      </dgm:t>
+    </dgm:pt>
+    <dgm:pt modelId="{3B84C16A-2D18-4F41-A591-ED5737931F89}">
+      <dgm:prSet/>
+      <dgm:spPr/>
+      <dgm:t>
+        <a:bodyPr/>
+        <a:lstStyle/>
+        <a:p>
+          <a:r>
+            <a:rPr lang="en-US" dirty="0"/>
+            <a:t>Install </a:t>
+          </a:r>
+          <a:r>
+            <a:rPr lang="en-US" dirty="0" err="1"/>
+            <a:t>Imutils</a:t>
+          </a:r>
+          <a:r>
+            <a:rPr lang="en-US" dirty="0"/>
+            <a:t> Library(used to start a </a:t>
+          </a:r>
+          <a:r>
+            <a:rPr lang="en-US" dirty="0" err="1"/>
+            <a:t>videostream</a:t>
+          </a:r>
+          <a:r>
+            <a:rPr lang="en-US" dirty="0"/>
+            <a:t>) </a:t>
+          </a:r>
+        </a:p>
+      </dgm:t>
+    </dgm:pt>
+    <dgm:pt modelId="{167EA1A0-B281-497B-B06B-EF5A3C54D230}" type="parTrans" cxnId="{069AECDB-B4A9-437E-874C-A7C2DA18E007}">
+      <dgm:prSet/>
+      <dgm:spPr/>
+      <dgm:t>
+        <a:bodyPr/>
+        <a:lstStyle/>
+        <a:p>
+          <a:endParaRPr lang="en-US"/>
+        </a:p>
+      </dgm:t>
+    </dgm:pt>
+    <dgm:pt modelId="{73165B21-69AE-4E14-B0B5-4857D2905CF6}" type="sibTrans" cxnId="{069AECDB-B4A9-437E-874C-A7C2DA18E007}">
+      <dgm:prSet/>
+      <dgm:spPr/>
+      <dgm:t>
+        <a:bodyPr/>
+        <a:lstStyle/>
+        <a:p>
+          <a:endParaRPr lang="en-US"/>
+        </a:p>
+      </dgm:t>
+    </dgm:pt>
+    <dgm:pt modelId="{2AA1E3A4-91F2-494B-8F20-4ACBDEE50CFE}">
+      <dgm:prSet/>
+      <dgm:spPr/>
+      <dgm:t>
+        <a:bodyPr/>
+        <a:lstStyle/>
+        <a:p>
+          <a:r>
+            <a:rPr lang="en-US"/>
+            <a:t>Install</a:t>
+          </a:r>
+        </a:p>
+      </dgm:t>
+    </dgm:pt>
+    <dgm:pt modelId="{A47EE45D-CD72-484D-B986-122C17E86250}" type="parTrans" cxnId="{CDD1F12B-369A-480E-A3C1-94449675B1E3}">
+      <dgm:prSet/>
+      <dgm:spPr/>
+      <dgm:t>
+        <a:bodyPr/>
+        <a:lstStyle/>
+        <a:p>
+          <a:endParaRPr lang="en-US"/>
+        </a:p>
+      </dgm:t>
+    </dgm:pt>
+    <dgm:pt modelId="{E211FAD6-62B1-4694-8DE6-B5ADF281F4BD}" type="sibTrans" cxnId="{CDD1F12B-369A-480E-A3C1-94449675B1E3}">
+      <dgm:prSet/>
+      <dgm:spPr/>
+      <dgm:t>
+        <a:bodyPr/>
+        <a:lstStyle/>
+        <a:p>
+          <a:endParaRPr lang="en-US"/>
+        </a:p>
+      </dgm:t>
+    </dgm:pt>
+    <dgm:pt modelId="{7AB2234A-03E6-43A1-8F56-208AFA84CEDF}">
+      <dgm:prSet/>
+      <dgm:spPr/>
+      <dgm:t>
+        <a:bodyPr/>
+        <a:lstStyle/>
+        <a:p>
+          <a:r>
+            <a:rPr lang="en-US" dirty="0"/>
+            <a:t>Install Open CV(it is an widely used library for image processing)</a:t>
+          </a:r>
+        </a:p>
+      </dgm:t>
+    </dgm:pt>
+    <dgm:pt modelId="{315835C2-7E1C-42E6-B28A-FFC1F09715E0}" type="parTrans" cxnId="{AA2A5389-B4B8-443D-8ECA-5B86D5EB951C}">
+      <dgm:prSet/>
+      <dgm:spPr/>
+      <dgm:t>
+        <a:bodyPr/>
+        <a:lstStyle/>
+        <a:p>
+          <a:endParaRPr lang="en-US"/>
+        </a:p>
+      </dgm:t>
+    </dgm:pt>
+    <dgm:pt modelId="{81992A46-DCF3-4697-AA0F-A72CBFDEC1FF}" type="sibTrans" cxnId="{AA2A5389-B4B8-443D-8ECA-5B86D5EB951C}">
+      <dgm:prSet/>
+      <dgm:spPr/>
+      <dgm:t>
+        <a:bodyPr/>
+        <a:lstStyle/>
+        <a:p>
+          <a:endParaRPr lang="en-US"/>
+        </a:p>
+      </dgm:t>
+    </dgm:pt>
+    <dgm:pt modelId="{5FB45A37-6401-5C48-B017-FBBFFD6151C3}" type="pres">
+      <dgm:prSet presAssocID="{535BA57C-3EE7-40E2-B005-9BB5EA2C61BA}" presName="Name0" presStyleCnt="0">
+        <dgm:presLayoutVars>
+          <dgm:dir/>
+          <dgm:animLvl val="lvl"/>
+          <dgm:resizeHandles val="exact"/>
+        </dgm:presLayoutVars>
+      </dgm:prSet>
+      <dgm:spPr/>
+    </dgm:pt>
+    <dgm:pt modelId="{04C2B5F9-1831-774A-A0EC-55F3086D5DBF}" type="pres">
+      <dgm:prSet presAssocID="{9BE008AD-0F2D-42E9-9FE2-DE7F4ADA83B1}" presName="composite" presStyleCnt="0"/>
+      <dgm:spPr/>
+    </dgm:pt>
+    <dgm:pt modelId="{4112F9D4-60DC-4547-A2E4-70401877193E}" type="pres">
+      <dgm:prSet presAssocID="{9BE008AD-0F2D-42E9-9FE2-DE7F4ADA83B1}" presName="parTx" presStyleLbl="alignNode1" presStyleIdx="0" presStyleCnt="3">
+        <dgm:presLayoutVars>
+          <dgm:chMax val="0"/>
+          <dgm:chPref val="0"/>
+        </dgm:presLayoutVars>
+      </dgm:prSet>
+      <dgm:spPr/>
+    </dgm:pt>
+    <dgm:pt modelId="{19B4F673-60B3-D945-BD57-D5FBA06764BB}" type="pres">
+      <dgm:prSet presAssocID="{9BE008AD-0F2D-42E9-9FE2-DE7F4ADA83B1}" presName="desTx" presStyleLbl="alignAccFollowNode1" presStyleIdx="0" presStyleCnt="3">
+        <dgm:presLayoutVars/>
+      </dgm:prSet>
+      <dgm:spPr/>
+    </dgm:pt>
+    <dgm:pt modelId="{69DF4EDE-7883-8041-86CD-566894DD2EA1}" type="pres">
+      <dgm:prSet presAssocID="{52A84E5D-91FF-4A1F-BEE4-22446A3EACF8}" presName="space" presStyleCnt="0"/>
+      <dgm:spPr/>
+    </dgm:pt>
+    <dgm:pt modelId="{EEECCC5D-31DF-FD4E-B6BB-07402C6D4C3A}" type="pres">
+      <dgm:prSet presAssocID="{25A4349A-00E0-4E09-95E6-4134D6D1436D}" presName="composite" presStyleCnt="0"/>
+      <dgm:spPr/>
+    </dgm:pt>
+    <dgm:pt modelId="{3CE021B0-561F-7944-8878-1A6D90C437F6}" type="pres">
+      <dgm:prSet presAssocID="{25A4349A-00E0-4E09-95E6-4134D6D1436D}" presName="parTx" presStyleLbl="alignNode1" presStyleIdx="1" presStyleCnt="3">
+        <dgm:presLayoutVars>
+          <dgm:chMax val="0"/>
+          <dgm:chPref val="0"/>
+        </dgm:presLayoutVars>
+      </dgm:prSet>
+      <dgm:spPr/>
+    </dgm:pt>
+    <dgm:pt modelId="{4E92E1B6-86FF-F049-A298-C434DDFCF12A}" type="pres">
+      <dgm:prSet presAssocID="{25A4349A-00E0-4E09-95E6-4134D6D1436D}" presName="desTx" presStyleLbl="alignAccFollowNode1" presStyleIdx="1" presStyleCnt="3" custLinFactNeighborY="-700">
+        <dgm:presLayoutVars/>
+      </dgm:prSet>
+      <dgm:spPr/>
+    </dgm:pt>
+    <dgm:pt modelId="{89E3A7E9-0011-8147-89A7-1A8DBB4A16B0}" type="pres">
+      <dgm:prSet presAssocID="{CD58DA75-1719-4073-AD87-75866831EA1F}" presName="space" presStyleCnt="0"/>
+      <dgm:spPr/>
+    </dgm:pt>
+    <dgm:pt modelId="{967222D8-FCE1-204A-8370-C83DA6E9756C}" type="pres">
+      <dgm:prSet presAssocID="{2AA1E3A4-91F2-494B-8F20-4ACBDEE50CFE}" presName="composite" presStyleCnt="0"/>
+      <dgm:spPr/>
+    </dgm:pt>
+    <dgm:pt modelId="{0FF62A68-B97E-F744-A451-EC11A9D15391}" type="pres">
+      <dgm:prSet presAssocID="{2AA1E3A4-91F2-494B-8F20-4ACBDEE50CFE}" presName="parTx" presStyleLbl="alignNode1" presStyleIdx="2" presStyleCnt="3">
+        <dgm:presLayoutVars>
+          <dgm:chMax val="0"/>
+          <dgm:chPref val="0"/>
+        </dgm:presLayoutVars>
+      </dgm:prSet>
+      <dgm:spPr/>
+    </dgm:pt>
+    <dgm:pt modelId="{3CD6D73A-A374-6E4F-8C57-0D1F8632682B}" type="pres">
+      <dgm:prSet presAssocID="{2AA1E3A4-91F2-494B-8F20-4ACBDEE50CFE}" presName="desTx" presStyleLbl="alignAccFollowNode1" presStyleIdx="2" presStyleCnt="3">
+        <dgm:presLayoutVars/>
+      </dgm:prSet>
+      <dgm:spPr/>
+    </dgm:pt>
+  </dgm:ptLst>
+  <dgm:cxnLst>
+    <dgm:cxn modelId="{D3471702-B8FB-754E-97F8-B82010653996}" type="presOf" srcId="{2AA1E3A4-91F2-494B-8F20-4ACBDEE50CFE}" destId="{0FF62A68-B97E-F744-A451-EC11A9D15391}" srcOrd="0" destOrd="0" presId="urn:microsoft.com/office/officeart/2016/7/layout/ChevronBlockProcess"/>
+    <dgm:cxn modelId="{97C42E21-09BC-2C47-9841-57CD20BDE12A}" type="presOf" srcId="{BB138096-A3C3-41CD-A3F4-9F3610C94E6C}" destId="{19B4F673-60B3-D945-BD57-D5FBA06764BB}" srcOrd="0" destOrd="0" presId="urn:microsoft.com/office/officeart/2016/7/layout/ChevronBlockProcess"/>
+    <dgm:cxn modelId="{CDD1F12B-369A-480E-A3C1-94449675B1E3}" srcId="{535BA57C-3EE7-40E2-B005-9BB5EA2C61BA}" destId="{2AA1E3A4-91F2-494B-8F20-4ACBDEE50CFE}" srcOrd="2" destOrd="0" parTransId="{A47EE45D-CD72-484D-B986-122C17E86250}" sibTransId="{E211FAD6-62B1-4694-8DE6-B5ADF281F4BD}"/>
+    <dgm:cxn modelId="{A5EFB852-21E0-8C49-8926-36966AAE557B}" type="presOf" srcId="{9BE008AD-0F2D-42E9-9FE2-DE7F4ADA83B1}" destId="{4112F9D4-60DC-4547-A2E4-70401877193E}" srcOrd="0" destOrd="0" presId="urn:microsoft.com/office/officeart/2016/7/layout/ChevronBlockProcess"/>
+    <dgm:cxn modelId="{03A20C7B-5BCC-4410-AB9C-4AD952BD59B4}" srcId="{535BA57C-3EE7-40E2-B005-9BB5EA2C61BA}" destId="{25A4349A-00E0-4E09-95E6-4134D6D1436D}" srcOrd="1" destOrd="0" parTransId="{F7970AD3-FA03-429C-9439-E3DFF4F8BA41}" sibTransId="{CD58DA75-1719-4073-AD87-75866831EA1F}"/>
+    <dgm:cxn modelId="{FE6F9F84-BD5C-A14E-A525-D367ABF03BA9}" type="presOf" srcId="{3B84C16A-2D18-4F41-A591-ED5737931F89}" destId="{4E92E1B6-86FF-F049-A298-C434DDFCF12A}" srcOrd="0" destOrd="0" presId="urn:microsoft.com/office/officeart/2016/7/layout/ChevronBlockProcess"/>
+    <dgm:cxn modelId="{AA2A5389-B4B8-443D-8ECA-5B86D5EB951C}" srcId="{2AA1E3A4-91F2-494B-8F20-4ACBDEE50CFE}" destId="{7AB2234A-03E6-43A1-8F56-208AFA84CEDF}" srcOrd="0" destOrd="0" parTransId="{315835C2-7E1C-42E6-B28A-FFC1F09715E0}" sibTransId="{81992A46-DCF3-4697-AA0F-A72CBFDEC1FF}"/>
+    <dgm:cxn modelId="{F15B6799-AC59-42DE-B6ED-2322118F7439}" srcId="{9BE008AD-0F2D-42E9-9FE2-DE7F4ADA83B1}" destId="{BB138096-A3C3-41CD-A3F4-9F3610C94E6C}" srcOrd="0" destOrd="0" parTransId="{1E4CFED2-9010-4A68-8066-99A5E270A2EB}" sibTransId="{155F884F-00ED-4655-B70E-78671C2FC240}"/>
+    <dgm:cxn modelId="{D7BEABA1-40AE-A64B-B8E8-9EA775C2B2BA}" type="presOf" srcId="{25A4349A-00E0-4E09-95E6-4134D6D1436D}" destId="{3CE021B0-561F-7944-8878-1A6D90C437F6}" srcOrd="0" destOrd="0" presId="urn:microsoft.com/office/officeart/2016/7/layout/ChevronBlockProcess"/>
+    <dgm:cxn modelId="{5EEC81AE-B2ED-514C-B596-C3A060A22961}" type="presOf" srcId="{7AB2234A-03E6-43A1-8F56-208AFA84CEDF}" destId="{3CD6D73A-A374-6E4F-8C57-0D1F8632682B}" srcOrd="0" destOrd="0" presId="urn:microsoft.com/office/officeart/2016/7/layout/ChevronBlockProcess"/>
+    <dgm:cxn modelId="{6977C0B6-16B3-498B-903A-4E38A1719F5B}" srcId="{535BA57C-3EE7-40E2-B005-9BB5EA2C61BA}" destId="{9BE008AD-0F2D-42E9-9FE2-DE7F4ADA83B1}" srcOrd="0" destOrd="0" parTransId="{6A028FC7-D551-439F-B168-FB362097CABD}" sibTransId="{52A84E5D-91FF-4A1F-BEE4-22446A3EACF8}"/>
+    <dgm:cxn modelId="{58DFCCD1-0DD1-E749-A3FE-92ABF1F28866}" type="presOf" srcId="{535BA57C-3EE7-40E2-B005-9BB5EA2C61BA}" destId="{5FB45A37-6401-5C48-B017-FBBFFD6151C3}" srcOrd="0" destOrd="0" presId="urn:microsoft.com/office/officeart/2016/7/layout/ChevronBlockProcess"/>
+    <dgm:cxn modelId="{069AECDB-B4A9-437E-874C-A7C2DA18E007}" srcId="{25A4349A-00E0-4E09-95E6-4134D6D1436D}" destId="{3B84C16A-2D18-4F41-A591-ED5737931F89}" srcOrd="0" destOrd="0" parTransId="{167EA1A0-B281-497B-B06B-EF5A3C54D230}" sibTransId="{73165B21-69AE-4E14-B0B5-4857D2905CF6}"/>
+    <dgm:cxn modelId="{85E9DFB1-74DB-064F-B62C-0BFAAF8B66F5}" type="presParOf" srcId="{5FB45A37-6401-5C48-B017-FBBFFD6151C3}" destId="{04C2B5F9-1831-774A-A0EC-55F3086D5DBF}" srcOrd="0" destOrd="0" presId="urn:microsoft.com/office/officeart/2016/7/layout/ChevronBlockProcess"/>
+    <dgm:cxn modelId="{B2B0C4EC-AAA3-4845-A204-8061EB91E9AD}" type="presParOf" srcId="{04C2B5F9-1831-774A-A0EC-55F3086D5DBF}" destId="{4112F9D4-60DC-4547-A2E4-70401877193E}" srcOrd="0" destOrd="0" presId="urn:microsoft.com/office/officeart/2016/7/layout/ChevronBlockProcess"/>
+    <dgm:cxn modelId="{2FB9E054-1053-A04F-B1D5-D018B1B80A62}" type="presParOf" srcId="{04C2B5F9-1831-774A-A0EC-55F3086D5DBF}" destId="{19B4F673-60B3-D945-BD57-D5FBA06764BB}" srcOrd="1" destOrd="0" presId="urn:microsoft.com/office/officeart/2016/7/layout/ChevronBlockProcess"/>
+    <dgm:cxn modelId="{67B94B71-C27D-5742-8623-E99E884A4A93}" type="presParOf" srcId="{5FB45A37-6401-5C48-B017-FBBFFD6151C3}" destId="{69DF4EDE-7883-8041-86CD-566894DD2EA1}" srcOrd="1" destOrd="0" presId="urn:microsoft.com/office/officeart/2016/7/layout/ChevronBlockProcess"/>
+    <dgm:cxn modelId="{24AE448A-FE72-A74F-9F70-D0125DEC4E51}" type="presParOf" srcId="{5FB45A37-6401-5C48-B017-FBBFFD6151C3}" destId="{EEECCC5D-31DF-FD4E-B6BB-07402C6D4C3A}" srcOrd="2" destOrd="0" presId="urn:microsoft.com/office/officeart/2016/7/layout/ChevronBlockProcess"/>
+    <dgm:cxn modelId="{BAB98D7D-08F5-B142-B3C3-6EA14873FE1C}" type="presParOf" srcId="{EEECCC5D-31DF-FD4E-B6BB-07402C6D4C3A}" destId="{3CE021B0-561F-7944-8878-1A6D90C437F6}" srcOrd="0" destOrd="0" presId="urn:microsoft.com/office/officeart/2016/7/layout/ChevronBlockProcess"/>
+    <dgm:cxn modelId="{38487628-1876-0545-A1CC-FF9D8B616CE2}" type="presParOf" srcId="{EEECCC5D-31DF-FD4E-B6BB-07402C6D4C3A}" destId="{4E92E1B6-86FF-F049-A298-C434DDFCF12A}" srcOrd="1" destOrd="0" presId="urn:microsoft.com/office/officeart/2016/7/layout/ChevronBlockProcess"/>
+    <dgm:cxn modelId="{C5E49C56-FB16-FC4D-8B45-6ABF7AF7434E}" type="presParOf" srcId="{5FB45A37-6401-5C48-B017-FBBFFD6151C3}" destId="{89E3A7E9-0011-8147-89A7-1A8DBB4A16B0}" srcOrd="3" destOrd="0" presId="urn:microsoft.com/office/officeart/2016/7/layout/ChevronBlockProcess"/>
+    <dgm:cxn modelId="{F8101F1B-D196-A84A-A9CF-112C98D7BBB9}" type="presParOf" srcId="{5FB45A37-6401-5C48-B017-FBBFFD6151C3}" destId="{967222D8-FCE1-204A-8370-C83DA6E9756C}" srcOrd="4" destOrd="0" presId="urn:microsoft.com/office/officeart/2016/7/layout/ChevronBlockProcess"/>
+    <dgm:cxn modelId="{29B362B5-158C-2742-9611-BA68AF562520}" type="presParOf" srcId="{967222D8-FCE1-204A-8370-C83DA6E9756C}" destId="{0FF62A68-B97E-F744-A451-EC11A9D15391}" srcOrd="0" destOrd="0" presId="urn:microsoft.com/office/officeart/2016/7/layout/ChevronBlockProcess"/>
+    <dgm:cxn modelId="{B7AF69AE-3F45-334C-B320-AD04A883EDA6}" type="presParOf" srcId="{967222D8-FCE1-204A-8370-C83DA6E9756C}" destId="{3CD6D73A-A374-6E4F-8C57-0D1F8632682B}" srcOrd="1" destOrd="0" presId="urn:microsoft.com/office/officeart/2016/7/layout/ChevronBlockProcess"/>
+  </dgm:cxnLst>
+  <dgm:bg/>
+  <dgm:whole/>
+  <dgm:extLst>
+    <a:ext uri="http://schemas.microsoft.com/office/drawing/2008/diagram">
+      <dsp:dataModelExt xmlns:dsp="http://schemas.microsoft.com/office/drawing/2008/diagram" relId="rId6" minVer="http://schemas.openxmlformats.org/drawingml/2006/diagram"/>
+    </a:ext>
+  </dgm:extLst>
+</dgm:dataModel>
+</file>
+
+<file path=ppt/diagrams/data2.xml><?xml version="1.0" encoding="utf-8"?>
+<dgm:dataModel xmlns:dgm="http://schemas.openxmlformats.org/drawingml/2006/diagram" xmlns:a="http://schemas.openxmlformats.org/drawingml/2006/main">
+  <dgm:ptLst>
+    <dgm:pt modelId="{E689262F-86A2-4026-8AC5-C3CCFADB0365}" type="doc">
+      <dgm:prSet loTypeId="urn:microsoft.com/office/officeart/2005/8/layout/hierarchy1" loCatId="hierarchy" qsTypeId="urn:microsoft.com/office/officeart/2005/8/quickstyle/simple1" qsCatId="simple" csTypeId="urn:microsoft.com/office/officeart/2005/8/colors/colorful2" csCatId="colorful" phldr="1"/>
+      <dgm:spPr/>
+      <dgm:t>
+        <a:bodyPr/>
+        <a:lstStyle/>
+        <a:p>
+          <a:endParaRPr lang="en-US"/>
+        </a:p>
+      </dgm:t>
+    </dgm:pt>
+    <dgm:pt modelId="{ABBCB756-8241-4EE4-848E-E86B3A87E86C}">
+      <dgm:prSet/>
+      <dgm:spPr/>
+      <dgm:t>
+        <a:bodyPr/>
+        <a:lstStyle/>
+        <a:p>
+          <a:pPr>
+            <a:defRPr cap="all"/>
+          </a:pPr>
+          <a:r>
+            <a:rPr lang="en-US"/>
+            <a:t>Process the image with the trained model and get the output</a:t>
+          </a:r>
+        </a:p>
+      </dgm:t>
+    </dgm:pt>
+    <dgm:pt modelId="{5FFC5955-2207-45FA-8F72-23B8729AD3D2}" type="parTrans" cxnId="{6EAE54B7-F227-447B-A88A-6ADD49A0BDCB}">
+      <dgm:prSet/>
+      <dgm:spPr/>
+      <dgm:t>
+        <a:bodyPr/>
+        <a:lstStyle/>
+        <a:p>
+          <a:endParaRPr lang="en-US"/>
+        </a:p>
+      </dgm:t>
+    </dgm:pt>
+    <dgm:pt modelId="{CEF0B76E-5AE6-492C-8A9D-B47500158449}" type="sibTrans" cxnId="{6EAE54B7-F227-447B-A88A-6ADD49A0BDCB}">
+      <dgm:prSet/>
+      <dgm:spPr/>
+      <dgm:t>
+        <a:bodyPr/>
+        <a:lstStyle/>
+        <a:p>
+          <a:endParaRPr lang="en-US"/>
+        </a:p>
+      </dgm:t>
+    </dgm:pt>
+    <dgm:pt modelId="{FA5C5C9E-A8E4-4424-A261-A7CDD8F0D58B}">
+      <dgm:prSet/>
+      <dgm:spPr/>
+      <dgm:t>
+        <a:bodyPr/>
+        <a:lstStyle/>
+        <a:p>
+          <a:pPr>
+            <a:defRPr cap="all"/>
+          </a:pPr>
+          <a:r>
+            <a:rPr lang="en-US"/>
+            <a:t>If the output is greater than confidence the create a rectangular box around the face and show the percentage of face matched</a:t>
+          </a:r>
+        </a:p>
+      </dgm:t>
+    </dgm:pt>
+    <dgm:pt modelId="{3194E6DA-04FD-4E69-8984-00861C7E3C25}" type="parTrans" cxnId="{EF3E25C2-E2FE-42A3-9145-0729FFFDDF5C}">
+      <dgm:prSet/>
+      <dgm:spPr/>
+      <dgm:t>
+        <a:bodyPr/>
+        <a:lstStyle/>
+        <a:p>
+          <a:endParaRPr lang="en-US"/>
+        </a:p>
+      </dgm:t>
+    </dgm:pt>
+    <dgm:pt modelId="{DEF8AF0B-C8B6-445F-A372-9CF22F75C746}" type="sibTrans" cxnId="{EF3E25C2-E2FE-42A3-9145-0729FFFDDF5C}">
+      <dgm:prSet/>
+      <dgm:spPr/>
+      <dgm:t>
+        <a:bodyPr/>
+        <a:lstStyle/>
+        <a:p>
+          <a:endParaRPr lang="en-US"/>
+        </a:p>
+      </dgm:t>
+    </dgm:pt>
+    <dgm:pt modelId="{BAE63EF3-95C6-B842-A369-39535E390DE8}" type="pres">
+      <dgm:prSet presAssocID="{E689262F-86A2-4026-8AC5-C3CCFADB0365}" presName="hierChild1" presStyleCnt="0">
+        <dgm:presLayoutVars>
+          <dgm:chPref val="1"/>
+          <dgm:dir/>
+          <dgm:animOne val="branch"/>
+          <dgm:animLvl val="lvl"/>
+          <dgm:resizeHandles/>
+        </dgm:presLayoutVars>
+      </dgm:prSet>
+      <dgm:spPr/>
+    </dgm:pt>
+    <dgm:pt modelId="{65435DDE-7514-EC4B-8BF8-5293BC807F6D}" type="pres">
+      <dgm:prSet presAssocID="{ABBCB756-8241-4EE4-848E-E86B3A87E86C}" presName="hierRoot1" presStyleCnt="0"/>
+      <dgm:spPr/>
+    </dgm:pt>
+    <dgm:pt modelId="{26F96BA5-3E9B-C746-B4C9-8789C8A002CA}" type="pres">
+      <dgm:prSet presAssocID="{ABBCB756-8241-4EE4-848E-E86B3A87E86C}" presName="composite" presStyleCnt="0"/>
+      <dgm:spPr/>
+    </dgm:pt>
+    <dgm:pt modelId="{AD0AC891-CF38-D943-901F-27D0589A5EA2}" type="pres">
+      <dgm:prSet presAssocID="{ABBCB756-8241-4EE4-848E-E86B3A87E86C}" presName="background" presStyleLbl="node0" presStyleIdx="0" presStyleCnt="2"/>
+      <dgm:spPr/>
+    </dgm:pt>
+    <dgm:pt modelId="{BDF2F064-7FBE-0B4E-B610-EF72559B36D8}" type="pres">
+      <dgm:prSet presAssocID="{ABBCB756-8241-4EE4-848E-E86B3A87E86C}" presName="text" presStyleLbl="fgAcc0" presStyleIdx="0" presStyleCnt="2">
+        <dgm:presLayoutVars>
+          <dgm:chPref val="3"/>
+        </dgm:presLayoutVars>
+      </dgm:prSet>
+      <dgm:spPr/>
+    </dgm:pt>
+    <dgm:pt modelId="{4A73E538-8E18-6541-98B1-DA129E8ADE83}" type="pres">
+      <dgm:prSet presAssocID="{ABBCB756-8241-4EE4-848E-E86B3A87E86C}" presName="hierChild2" presStyleCnt="0"/>
+      <dgm:spPr/>
+    </dgm:pt>
+    <dgm:pt modelId="{65487010-E20A-124B-87F6-642754597D40}" type="pres">
+      <dgm:prSet presAssocID="{FA5C5C9E-A8E4-4424-A261-A7CDD8F0D58B}" presName="hierRoot1" presStyleCnt="0"/>
+      <dgm:spPr/>
+    </dgm:pt>
+    <dgm:pt modelId="{07BBE435-A317-204D-B803-2B78A4E76D31}" type="pres">
+      <dgm:prSet presAssocID="{FA5C5C9E-A8E4-4424-A261-A7CDD8F0D58B}" presName="composite" presStyleCnt="0"/>
+      <dgm:spPr/>
+    </dgm:pt>
+    <dgm:pt modelId="{B8F155E9-BE05-B047-86A5-1A518B2F2124}" type="pres">
+      <dgm:prSet presAssocID="{FA5C5C9E-A8E4-4424-A261-A7CDD8F0D58B}" presName="background" presStyleLbl="node0" presStyleIdx="1" presStyleCnt="2"/>
+      <dgm:spPr/>
+    </dgm:pt>
+    <dgm:pt modelId="{3434651C-FC39-F640-9D73-8EFF79A5F61A}" type="pres">
+      <dgm:prSet presAssocID="{FA5C5C9E-A8E4-4424-A261-A7CDD8F0D58B}" presName="text" presStyleLbl="fgAcc0" presStyleIdx="1" presStyleCnt="2">
+        <dgm:presLayoutVars>
+          <dgm:chPref val="3"/>
+        </dgm:presLayoutVars>
+      </dgm:prSet>
+      <dgm:spPr/>
+    </dgm:pt>
+    <dgm:pt modelId="{DB852220-5B3C-244E-8DFD-DAAEFF5FE6F5}" type="pres">
+      <dgm:prSet presAssocID="{FA5C5C9E-A8E4-4424-A261-A7CDD8F0D58B}" presName="hierChild2" presStyleCnt="0"/>
+      <dgm:spPr/>
+    </dgm:pt>
+  </dgm:ptLst>
+  <dgm:cxnLst>
+    <dgm:cxn modelId="{EE2F1F2B-0844-E64A-968D-809F5E121171}" type="presOf" srcId="{FA5C5C9E-A8E4-4424-A261-A7CDD8F0D58B}" destId="{3434651C-FC39-F640-9D73-8EFF79A5F61A}" srcOrd="0" destOrd="0" presId="urn:microsoft.com/office/officeart/2005/8/layout/hierarchy1"/>
+    <dgm:cxn modelId="{01A61F80-D09B-AB47-BB86-4BA0EBF1C2AB}" type="presOf" srcId="{ABBCB756-8241-4EE4-848E-E86B3A87E86C}" destId="{BDF2F064-7FBE-0B4E-B610-EF72559B36D8}" srcOrd="0" destOrd="0" presId="urn:microsoft.com/office/officeart/2005/8/layout/hierarchy1"/>
+    <dgm:cxn modelId="{6EAE54B7-F227-447B-A88A-6ADD49A0BDCB}" srcId="{E689262F-86A2-4026-8AC5-C3CCFADB0365}" destId="{ABBCB756-8241-4EE4-848E-E86B3A87E86C}" srcOrd="0" destOrd="0" parTransId="{5FFC5955-2207-45FA-8F72-23B8729AD3D2}" sibTransId="{CEF0B76E-5AE6-492C-8A9D-B47500158449}"/>
+    <dgm:cxn modelId="{EF3E25C2-E2FE-42A3-9145-0729FFFDDF5C}" srcId="{E689262F-86A2-4026-8AC5-C3CCFADB0365}" destId="{FA5C5C9E-A8E4-4424-A261-A7CDD8F0D58B}" srcOrd="1" destOrd="0" parTransId="{3194E6DA-04FD-4E69-8984-00861C7E3C25}" sibTransId="{DEF8AF0B-C8B6-445F-A372-9CF22F75C746}"/>
+    <dgm:cxn modelId="{918310D9-BED1-374A-BA11-E930BA45D5B9}" type="presOf" srcId="{E689262F-86A2-4026-8AC5-C3CCFADB0365}" destId="{BAE63EF3-95C6-B842-A369-39535E390DE8}" srcOrd="0" destOrd="0" presId="urn:microsoft.com/office/officeart/2005/8/layout/hierarchy1"/>
+    <dgm:cxn modelId="{122DB252-9A79-3D4B-91F5-CE87265962CE}" type="presParOf" srcId="{BAE63EF3-95C6-B842-A369-39535E390DE8}" destId="{65435DDE-7514-EC4B-8BF8-5293BC807F6D}" srcOrd="0" destOrd="0" presId="urn:microsoft.com/office/officeart/2005/8/layout/hierarchy1"/>
+    <dgm:cxn modelId="{6DD6F148-A629-2746-815A-BE962DFF4D42}" type="presParOf" srcId="{65435DDE-7514-EC4B-8BF8-5293BC807F6D}" destId="{26F96BA5-3E9B-C746-B4C9-8789C8A002CA}" srcOrd="0" destOrd="0" presId="urn:microsoft.com/office/officeart/2005/8/layout/hierarchy1"/>
+    <dgm:cxn modelId="{1CB286D2-9F84-A341-982A-D25F93B49821}" type="presParOf" srcId="{26F96BA5-3E9B-C746-B4C9-8789C8A002CA}" destId="{AD0AC891-CF38-D943-901F-27D0589A5EA2}" srcOrd="0" destOrd="0" presId="urn:microsoft.com/office/officeart/2005/8/layout/hierarchy1"/>
+    <dgm:cxn modelId="{E02CEA4F-85D2-EC46-A29B-390D63337DC7}" type="presParOf" srcId="{26F96BA5-3E9B-C746-B4C9-8789C8A002CA}" destId="{BDF2F064-7FBE-0B4E-B610-EF72559B36D8}" srcOrd="1" destOrd="0" presId="urn:microsoft.com/office/officeart/2005/8/layout/hierarchy1"/>
+    <dgm:cxn modelId="{DDF9978D-D72A-2743-8BCF-C2BEF38C2E34}" type="presParOf" srcId="{65435DDE-7514-EC4B-8BF8-5293BC807F6D}" destId="{4A73E538-8E18-6541-98B1-DA129E8ADE83}" srcOrd="1" destOrd="0" presId="urn:microsoft.com/office/officeart/2005/8/layout/hierarchy1"/>
+    <dgm:cxn modelId="{F486F6E5-A455-4E40-BC90-A158C950E22B}" type="presParOf" srcId="{BAE63EF3-95C6-B842-A369-39535E390DE8}" destId="{65487010-E20A-124B-87F6-642754597D40}" srcOrd="1" destOrd="0" presId="urn:microsoft.com/office/officeart/2005/8/layout/hierarchy1"/>
+    <dgm:cxn modelId="{7D702279-8E4B-0C43-9D44-826E9F35DF3E}" type="presParOf" srcId="{65487010-E20A-124B-87F6-642754597D40}" destId="{07BBE435-A317-204D-B803-2B78A4E76D31}" srcOrd="0" destOrd="0" presId="urn:microsoft.com/office/officeart/2005/8/layout/hierarchy1"/>
+    <dgm:cxn modelId="{DF4DAA2E-54F7-3A47-B02F-62C54D998166}" type="presParOf" srcId="{07BBE435-A317-204D-B803-2B78A4E76D31}" destId="{B8F155E9-BE05-B047-86A5-1A518B2F2124}" srcOrd="0" destOrd="0" presId="urn:microsoft.com/office/officeart/2005/8/layout/hierarchy1"/>
+    <dgm:cxn modelId="{4299DF95-4607-A64D-BAFE-6A41D3947186}" type="presParOf" srcId="{07BBE435-A317-204D-B803-2B78A4E76D31}" destId="{3434651C-FC39-F640-9D73-8EFF79A5F61A}" srcOrd="1" destOrd="0" presId="urn:microsoft.com/office/officeart/2005/8/layout/hierarchy1"/>
+    <dgm:cxn modelId="{5095A382-75F3-C648-AB35-0E29FFC62E03}" type="presParOf" srcId="{65487010-E20A-124B-87F6-642754597D40}" destId="{DB852220-5B3C-244E-8DFD-DAAEFF5FE6F5}" srcOrd="1" destOrd="0" presId="urn:microsoft.com/office/officeart/2005/8/layout/hierarchy1"/>
+  </dgm:cxnLst>
+  <dgm:bg/>
+  <dgm:whole/>
+  <dgm:extLst>
+    <a:ext uri="http://schemas.microsoft.com/office/drawing/2008/diagram">
+      <dsp:dataModelExt xmlns:dsp="http://schemas.microsoft.com/office/drawing/2008/diagram" relId="rId6" minVer="http://schemas.openxmlformats.org/drawingml/2006/diagram"/>
+    </a:ext>
+  </dgm:extLst>
+</dgm:dataModel>
+</file>
+
+<file path=ppt/diagrams/drawing1.xml><?xml version="1.0" encoding="utf-8"?>
+<dsp:drawing xmlns:dgm="http://schemas.openxmlformats.org/drawingml/2006/diagram" xmlns:dsp="http://schemas.microsoft.com/office/drawing/2008/diagram" xmlns:a="http://schemas.openxmlformats.org/drawingml/2006/main">
+  <dsp:spTree>
+    <dsp:nvGrpSpPr>
+      <dsp:cNvPr id="0" name=""/>
+      <dsp:cNvGrpSpPr/>
+    </dsp:nvGrpSpPr>
+    <dsp:grpSpPr/>
+    <dsp:sp modelId="{4112F9D4-60DC-4547-A2E4-70401877193E}">
+      <dsp:nvSpPr>
+        <dsp:cNvPr id="0" name=""/>
+        <dsp:cNvSpPr/>
+      </dsp:nvSpPr>
+      <dsp:spPr>
+        <a:xfrm>
+          <a:off x="8816" y="310978"/>
+          <a:ext cx="3489094" cy="1046728"/>
+        </a:xfrm>
+        <a:prstGeom prst="chevron">
+          <a:avLst>
+            <a:gd name="adj" fmla="val 30000"/>
+          </a:avLst>
+        </a:prstGeom>
+        <a:solidFill>
+          <a:schemeClr val="accent1">
+            <a:hueOff val="0"/>
+            <a:satOff val="0"/>
+            <a:lumOff val="0"/>
+            <a:alphaOff val="0"/>
+          </a:schemeClr>
+        </a:solidFill>
+        <a:ln w="12700" cap="flat" cmpd="sng" algn="ctr">
+          <a:solidFill>
+            <a:schemeClr val="accent1">
+              <a:hueOff val="0"/>
+              <a:satOff val="0"/>
+              <a:lumOff val="0"/>
+              <a:alphaOff val="0"/>
+            </a:schemeClr>
+          </a:solidFill>
+          <a:prstDash val="solid"/>
+          <a:miter lim="800000"/>
+        </a:ln>
+        <a:effectLst/>
+      </dsp:spPr>
+      <dsp:style>
+        <a:lnRef idx="2">
+          <a:scrgbClr r="0" g="0" b="0"/>
+        </a:lnRef>
+        <a:fillRef idx="1">
+          <a:scrgbClr r="0" g="0" b="0"/>
+        </a:fillRef>
+        <a:effectRef idx="0">
+          <a:scrgbClr r="0" g="0" b="0"/>
+        </a:effectRef>
+        <a:fontRef idx="minor">
+          <a:schemeClr val="lt1"/>
+        </a:fontRef>
+      </dsp:style>
+      <dsp:txBody>
+        <a:bodyPr spcFirstLastPara="0" vert="horz" wrap="square" lIns="129242" tIns="129242" rIns="129242" bIns="129242" numCol="1" spcCol="1270" anchor="ctr" anchorCtr="0">
+          <a:noAutofit/>
+        </a:bodyPr>
+        <a:lstStyle/>
+        <a:p>
+          <a:pPr marL="0" lvl="0" indent="0" algn="ctr" defTabSz="1244600">
+            <a:lnSpc>
+              <a:spcPct val="90000"/>
+            </a:lnSpc>
+            <a:spcBef>
+              <a:spcPct val="0"/>
+            </a:spcBef>
+            <a:spcAft>
+              <a:spcPct val="35000"/>
+            </a:spcAft>
+            <a:buNone/>
+          </a:pPr>
+          <a:r>
+            <a:rPr lang="en-US" sz="2800" kern="1200"/>
+            <a:t>Install</a:t>
+          </a:r>
+        </a:p>
+      </dsp:txBody>
+      <dsp:txXfrm>
+        <a:off x="322834" y="310978"/>
+        <a:ext cx="2861058" cy="1046728"/>
+      </dsp:txXfrm>
+    </dsp:sp>
+    <dsp:sp modelId="{19B4F673-60B3-D945-BD57-D5FBA06764BB}">
+      <dsp:nvSpPr>
+        <dsp:cNvPr id="0" name=""/>
+        <dsp:cNvSpPr/>
+      </dsp:nvSpPr>
+      <dsp:spPr>
+        <a:xfrm>
+          <a:off x="8816" y="1357706"/>
+          <a:ext cx="3175075" cy="1593103"/>
+        </a:xfrm>
+        <a:prstGeom prst="rect">
+          <a:avLst/>
+        </a:prstGeom>
+        <a:solidFill>
+          <a:schemeClr val="accent1">
+            <a:alpha val="90000"/>
+            <a:tint val="40000"/>
+            <a:hueOff val="0"/>
+            <a:satOff val="0"/>
+            <a:lumOff val="0"/>
+            <a:alphaOff val="0"/>
+          </a:schemeClr>
+        </a:solidFill>
+        <a:ln w="12700" cap="flat" cmpd="sng" algn="ctr">
+          <a:solidFill>
+            <a:schemeClr val="accent1">
+              <a:alpha val="90000"/>
+              <a:tint val="40000"/>
+              <a:hueOff val="0"/>
+              <a:satOff val="0"/>
+              <a:lumOff val="0"/>
+              <a:alphaOff val="0"/>
+            </a:schemeClr>
+          </a:solidFill>
+          <a:prstDash val="solid"/>
+          <a:miter lim="800000"/>
+        </a:ln>
+        <a:effectLst/>
+      </dsp:spPr>
+      <dsp:style>
+        <a:lnRef idx="2">
+          <a:scrgbClr r="0" g="0" b="0"/>
+        </a:lnRef>
+        <a:fillRef idx="1">
+          <a:scrgbClr r="0" g="0" b="0"/>
+        </a:fillRef>
+        <a:effectRef idx="0">
+          <a:scrgbClr r="0" g="0" b="0"/>
+        </a:effectRef>
+        <a:fontRef idx="minor"/>
+      </dsp:style>
+      <dsp:txBody>
+        <a:bodyPr spcFirstLastPara="0" vert="horz" wrap="square" lIns="250902" tIns="250902" rIns="250902" bIns="501803" numCol="1" spcCol="1270" anchor="t" anchorCtr="0">
+          <a:noAutofit/>
+        </a:bodyPr>
+        <a:lstStyle/>
+        <a:p>
+          <a:pPr marL="0" lvl="0" indent="0" algn="l" defTabSz="889000">
+            <a:lnSpc>
+              <a:spcPct val="90000"/>
+            </a:lnSpc>
+            <a:spcBef>
+              <a:spcPct val="0"/>
+            </a:spcBef>
+            <a:spcAft>
+              <a:spcPct val="35000"/>
+            </a:spcAft>
+            <a:buNone/>
+          </a:pPr>
+          <a:r>
+            <a:rPr lang="en-US" sz="2000" kern="1200" dirty="0"/>
+            <a:t>Install </a:t>
+          </a:r>
+          <a:r>
+            <a:rPr lang="en-US" sz="2000" kern="1200" dirty="0" err="1"/>
+            <a:t>Numpy</a:t>
+          </a:r>
+          <a:r>
+            <a:rPr lang="en-US" sz="2000" kern="1200" dirty="0"/>
+            <a:t> </a:t>
+          </a:r>
+          <a:r>
+            <a:rPr lang="en-US" sz="2000" kern="1200" dirty="0" err="1"/>
+            <a:t>Libary</a:t>
+          </a:r>
+          <a:r>
+            <a:rPr lang="en-US" sz="2000" kern="1200" dirty="0"/>
+            <a:t> (helps in mathematical computation)</a:t>
+          </a:r>
+        </a:p>
+      </dsp:txBody>
+      <dsp:txXfrm>
+        <a:off x="8816" y="1357706"/>
+        <a:ext cx="3175075" cy="1593103"/>
+      </dsp:txXfrm>
+    </dsp:sp>
+    <dsp:sp modelId="{3CE021B0-561F-7944-8878-1A6D90C437F6}">
+      <dsp:nvSpPr>
+        <dsp:cNvPr id="0" name=""/>
+        <dsp:cNvSpPr/>
+      </dsp:nvSpPr>
+      <dsp:spPr>
+        <a:xfrm>
+          <a:off x="3446055" y="310978"/>
+          <a:ext cx="3489094" cy="1046728"/>
+        </a:xfrm>
+        <a:prstGeom prst="chevron">
+          <a:avLst>
+            <a:gd name="adj" fmla="val 30000"/>
+          </a:avLst>
+        </a:prstGeom>
+        <a:solidFill>
+          <a:schemeClr val="accent1">
+            <a:hueOff val="0"/>
+            <a:satOff val="0"/>
+            <a:lumOff val="0"/>
+            <a:alphaOff val="0"/>
+          </a:schemeClr>
+        </a:solidFill>
+        <a:ln w="12700" cap="flat" cmpd="sng" algn="ctr">
+          <a:solidFill>
+            <a:schemeClr val="accent1">
+              <a:hueOff val="0"/>
+              <a:satOff val="0"/>
+              <a:lumOff val="0"/>
+              <a:alphaOff val="0"/>
+            </a:schemeClr>
+          </a:solidFill>
+          <a:prstDash val="solid"/>
+          <a:miter lim="800000"/>
+        </a:ln>
+        <a:effectLst/>
+      </dsp:spPr>
+      <dsp:style>
+        <a:lnRef idx="2">
+          <a:scrgbClr r="0" g="0" b="0"/>
+        </a:lnRef>
+        <a:fillRef idx="1">
+          <a:scrgbClr r="0" g="0" b="0"/>
+        </a:fillRef>
+        <a:effectRef idx="0">
+          <a:scrgbClr r="0" g="0" b="0"/>
+        </a:effectRef>
+        <a:fontRef idx="minor">
+          <a:schemeClr val="lt1"/>
+        </a:fontRef>
+      </dsp:style>
+      <dsp:txBody>
+        <a:bodyPr spcFirstLastPara="0" vert="horz" wrap="square" lIns="129242" tIns="129242" rIns="129242" bIns="129242" numCol="1" spcCol="1270" anchor="ctr" anchorCtr="0">
+          <a:noAutofit/>
+        </a:bodyPr>
+        <a:lstStyle/>
+        <a:p>
+          <a:pPr marL="0" lvl="0" indent="0" algn="ctr" defTabSz="1244600">
+            <a:lnSpc>
+              <a:spcPct val="90000"/>
+            </a:lnSpc>
+            <a:spcBef>
+              <a:spcPct val="0"/>
+            </a:spcBef>
+            <a:spcAft>
+              <a:spcPct val="35000"/>
+            </a:spcAft>
+            <a:buNone/>
+          </a:pPr>
+          <a:r>
+            <a:rPr lang="en-US" sz="2800" kern="1200"/>
+            <a:t>Install</a:t>
+          </a:r>
+        </a:p>
+      </dsp:txBody>
+      <dsp:txXfrm>
+        <a:off x="3760073" y="310978"/>
+        <a:ext cx="2861058" cy="1046728"/>
+      </dsp:txXfrm>
+    </dsp:sp>
+    <dsp:sp modelId="{4E92E1B6-86FF-F049-A298-C434DDFCF12A}">
+      <dsp:nvSpPr>
+        <dsp:cNvPr id="0" name=""/>
+        <dsp:cNvSpPr/>
+      </dsp:nvSpPr>
+      <dsp:spPr>
+        <a:xfrm>
+          <a:off x="3446055" y="1346554"/>
+          <a:ext cx="3175075" cy="1593103"/>
+        </a:xfrm>
+        <a:prstGeom prst="rect">
+          <a:avLst/>
+        </a:prstGeom>
+        <a:solidFill>
+          <a:schemeClr val="accent1">
+            <a:alpha val="90000"/>
+            <a:tint val="40000"/>
+            <a:hueOff val="0"/>
+            <a:satOff val="0"/>
+            <a:lumOff val="0"/>
+            <a:alphaOff val="0"/>
+          </a:schemeClr>
+        </a:solidFill>
+        <a:ln w="12700" cap="flat" cmpd="sng" algn="ctr">
+          <a:solidFill>
+            <a:schemeClr val="accent1">
+              <a:alpha val="90000"/>
+              <a:tint val="40000"/>
+              <a:hueOff val="0"/>
+              <a:satOff val="0"/>
+              <a:lumOff val="0"/>
+              <a:alphaOff val="0"/>
+            </a:schemeClr>
+          </a:solidFill>
+          <a:prstDash val="solid"/>
+          <a:miter lim="800000"/>
+        </a:ln>
+        <a:effectLst/>
+      </dsp:spPr>
+      <dsp:style>
+        <a:lnRef idx="2">
+          <a:scrgbClr r="0" g="0" b="0"/>
+        </a:lnRef>
+        <a:fillRef idx="1">
+          <a:scrgbClr r="0" g="0" b="0"/>
+        </a:fillRef>
+        <a:effectRef idx="0">
+          <a:scrgbClr r="0" g="0" b="0"/>
+        </a:effectRef>
+        <a:fontRef idx="minor"/>
+      </dsp:style>
+      <dsp:txBody>
+        <a:bodyPr spcFirstLastPara="0" vert="horz" wrap="square" lIns="250902" tIns="250902" rIns="250902" bIns="501803" numCol="1" spcCol="1270" anchor="t" anchorCtr="0">
+          <a:noAutofit/>
+        </a:bodyPr>
+        <a:lstStyle/>
+        <a:p>
+          <a:pPr marL="0" lvl="0" indent="0" algn="l" defTabSz="889000">
+            <a:lnSpc>
+              <a:spcPct val="90000"/>
+            </a:lnSpc>
+            <a:spcBef>
+              <a:spcPct val="0"/>
+            </a:spcBef>
+            <a:spcAft>
+              <a:spcPct val="35000"/>
+            </a:spcAft>
+            <a:buNone/>
+          </a:pPr>
+          <a:r>
+            <a:rPr lang="en-US" sz="2000" kern="1200" dirty="0"/>
+            <a:t>Install </a:t>
+          </a:r>
+          <a:r>
+            <a:rPr lang="en-US" sz="2000" kern="1200" dirty="0" err="1"/>
+            <a:t>Imutils</a:t>
+          </a:r>
+          <a:r>
+            <a:rPr lang="en-US" sz="2000" kern="1200" dirty="0"/>
+            <a:t> Library(used to start a </a:t>
+          </a:r>
+          <a:r>
+            <a:rPr lang="en-US" sz="2000" kern="1200" dirty="0" err="1"/>
+            <a:t>videostream</a:t>
+          </a:r>
+          <a:r>
+            <a:rPr lang="en-US" sz="2000" kern="1200" dirty="0"/>
+            <a:t>) </a:t>
+          </a:r>
+        </a:p>
+      </dsp:txBody>
+      <dsp:txXfrm>
+        <a:off x="3446055" y="1346554"/>
+        <a:ext cx="3175075" cy="1593103"/>
+      </dsp:txXfrm>
+    </dsp:sp>
+    <dsp:sp modelId="{0FF62A68-B97E-F744-A451-EC11A9D15391}">
+      <dsp:nvSpPr>
+        <dsp:cNvPr id="0" name=""/>
+        <dsp:cNvSpPr/>
+      </dsp:nvSpPr>
+      <dsp:spPr>
+        <a:xfrm>
+          <a:off x="6883294" y="310978"/>
+          <a:ext cx="3489094" cy="1046728"/>
+        </a:xfrm>
+        <a:prstGeom prst="chevron">
+          <a:avLst>
+            <a:gd name="adj" fmla="val 30000"/>
+          </a:avLst>
+        </a:prstGeom>
+        <a:solidFill>
+          <a:schemeClr val="accent1">
+            <a:hueOff val="0"/>
+            <a:satOff val="0"/>
+            <a:lumOff val="0"/>
+            <a:alphaOff val="0"/>
+          </a:schemeClr>
+        </a:solidFill>
+        <a:ln w="12700" cap="flat" cmpd="sng" algn="ctr">
+          <a:solidFill>
+            <a:schemeClr val="accent1">
+              <a:hueOff val="0"/>
+              <a:satOff val="0"/>
+              <a:lumOff val="0"/>
+              <a:alphaOff val="0"/>
+            </a:schemeClr>
+          </a:solidFill>
+          <a:prstDash val="solid"/>
+          <a:miter lim="800000"/>
+        </a:ln>
+        <a:effectLst/>
+      </dsp:spPr>
+      <dsp:style>
+        <a:lnRef idx="2">
+          <a:scrgbClr r="0" g="0" b="0"/>
+        </a:lnRef>
+        <a:fillRef idx="1">
+          <a:scrgbClr r="0" g="0" b="0"/>
+        </a:fillRef>
+        <a:effectRef idx="0">
+          <a:scrgbClr r="0" g="0" b="0"/>
+        </a:effectRef>
+        <a:fontRef idx="minor">
+          <a:schemeClr val="lt1"/>
+        </a:fontRef>
+      </dsp:style>
+      <dsp:txBody>
+        <a:bodyPr spcFirstLastPara="0" vert="horz" wrap="square" lIns="129242" tIns="129242" rIns="129242" bIns="129242" numCol="1" spcCol="1270" anchor="ctr" anchorCtr="0">
+          <a:noAutofit/>
+        </a:bodyPr>
+        <a:lstStyle/>
+        <a:p>
+          <a:pPr marL="0" lvl="0" indent="0" algn="ctr" defTabSz="1244600">
+            <a:lnSpc>
+              <a:spcPct val="90000"/>
+            </a:lnSpc>
+            <a:spcBef>
+              <a:spcPct val="0"/>
+            </a:spcBef>
+            <a:spcAft>
+              <a:spcPct val="35000"/>
+            </a:spcAft>
+            <a:buNone/>
+          </a:pPr>
+          <a:r>
+            <a:rPr lang="en-US" sz="2800" kern="1200"/>
+            <a:t>Install</a:t>
+          </a:r>
+        </a:p>
+      </dsp:txBody>
+      <dsp:txXfrm>
+        <a:off x="7197312" y="310978"/>
+        <a:ext cx="2861058" cy="1046728"/>
+      </dsp:txXfrm>
+    </dsp:sp>
+    <dsp:sp modelId="{3CD6D73A-A374-6E4F-8C57-0D1F8632682B}">
+      <dsp:nvSpPr>
+        <dsp:cNvPr id="0" name=""/>
+        <dsp:cNvSpPr/>
+      </dsp:nvSpPr>
+      <dsp:spPr>
+        <a:xfrm>
+          <a:off x="6883294" y="1357706"/>
+          <a:ext cx="3175075" cy="1593103"/>
+        </a:xfrm>
+        <a:prstGeom prst="rect">
+          <a:avLst/>
+        </a:prstGeom>
+        <a:solidFill>
+          <a:schemeClr val="accent1">
+            <a:alpha val="90000"/>
+            <a:tint val="40000"/>
+            <a:hueOff val="0"/>
+            <a:satOff val="0"/>
+            <a:lumOff val="0"/>
+            <a:alphaOff val="0"/>
+          </a:schemeClr>
+        </a:solidFill>
+        <a:ln w="12700" cap="flat" cmpd="sng" algn="ctr">
+          <a:solidFill>
+            <a:schemeClr val="accent1">
+              <a:alpha val="90000"/>
+              <a:tint val="40000"/>
+              <a:hueOff val="0"/>
+              <a:satOff val="0"/>
+              <a:lumOff val="0"/>
+              <a:alphaOff val="0"/>
+            </a:schemeClr>
+          </a:solidFill>
+          <a:prstDash val="solid"/>
+          <a:miter lim="800000"/>
+        </a:ln>
+        <a:effectLst/>
+      </dsp:spPr>
+      <dsp:style>
+        <a:lnRef idx="2">
+          <a:scrgbClr r="0" g="0" b="0"/>
+        </a:lnRef>
+        <a:fillRef idx="1">
+          <a:scrgbClr r="0" g="0" b="0"/>
+        </a:fillRef>
+        <a:effectRef idx="0">
+          <a:scrgbClr r="0" g="0" b="0"/>
+        </a:effectRef>
+        <a:fontRef idx="minor"/>
+      </dsp:style>
+      <dsp:txBody>
+        <a:bodyPr spcFirstLastPara="0" vert="horz" wrap="square" lIns="250902" tIns="250902" rIns="250902" bIns="501803" numCol="1" spcCol="1270" anchor="t" anchorCtr="0">
+          <a:noAutofit/>
+        </a:bodyPr>
+        <a:lstStyle/>
+        <a:p>
+          <a:pPr marL="0" lvl="0" indent="0" algn="l" defTabSz="889000">
+            <a:lnSpc>
+              <a:spcPct val="90000"/>
+            </a:lnSpc>
+            <a:spcBef>
+              <a:spcPct val="0"/>
+            </a:spcBef>
+            <a:spcAft>
+              <a:spcPct val="35000"/>
+            </a:spcAft>
+            <a:buNone/>
+          </a:pPr>
+          <a:r>
+            <a:rPr lang="en-US" sz="2000" kern="1200" dirty="0"/>
+            <a:t>Install Open CV(it is an widely used library for image processing)</a:t>
+          </a:r>
+        </a:p>
+      </dsp:txBody>
+      <dsp:txXfrm>
+        <a:off x="6883294" y="1357706"/>
+        <a:ext cx="3175075" cy="1593103"/>
+      </dsp:txXfrm>
+    </dsp:sp>
+  </dsp:spTree>
+</dsp:drawing>
+</file>
+
+<file path=ppt/diagrams/drawing2.xml><?xml version="1.0" encoding="utf-8"?>
+<dsp:drawing xmlns:dgm="http://schemas.openxmlformats.org/drawingml/2006/diagram" xmlns:dsp="http://schemas.microsoft.com/office/drawing/2008/diagram" xmlns:a="http://schemas.openxmlformats.org/drawingml/2006/main">
+  <dsp:spTree>
+    <dsp:nvGrpSpPr>
+      <dsp:cNvPr id="0" name=""/>
+      <dsp:cNvGrpSpPr/>
+    </dsp:nvGrpSpPr>
+    <dsp:grpSpPr/>
+    <dsp:sp modelId="{AD0AC891-CF38-D943-901F-27D0589A5EA2}">
+      <dsp:nvSpPr>
+        <dsp:cNvPr id="0" name=""/>
+        <dsp:cNvSpPr/>
+      </dsp:nvSpPr>
+      <dsp:spPr>
+        <a:xfrm>
+          <a:off x="1209" y="469433"/>
+          <a:ext cx="4244392" cy="2695188"/>
+        </a:xfrm>
+        <a:prstGeom prst="roundRect">
+          <a:avLst>
+            <a:gd name="adj" fmla="val 10000"/>
+          </a:avLst>
+        </a:prstGeom>
+        <a:solidFill>
+          <a:schemeClr val="accent1">
+            <a:hueOff val="0"/>
+            <a:satOff val="0"/>
+            <a:lumOff val="0"/>
+            <a:alphaOff val="0"/>
+          </a:schemeClr>
+        </a:solidFill>
+        <a:ln w="12700" cap="flat" cmpd="sng" algn="ctr">
+          <a:solidFill>
+            <a:schemeClr val="lt1">
+              <a:hueOff val="0"/>
+              <a:satOff val="0"/>
+              <a:lumOff val="0"/>
+              <a:alphaOff val="0"/>
+            </a:schemeClr>
+          </a:solidFill>
+          <a:prstDash val="solid"/>
+          <a:miter lim="800000"/>
+        </a:ln>
+        <a:effectLst/>
+      </dsp:spPr>
+      <dsp:style>
+        <a:lnRef idx="2">
+          <a:scrgbClr r="0" g="0" b="0"/>
+        </a:lnRef>
+        <a:fillRef idx="1">
+          <a:scrgbClr r="0" g="0" b="0"/>
+        </a:fillRef>
+        <a:effectRef idx="0">
+          <a:scrgbClr r="0" g="0" b="0"/>
+        </a:effectRef>
+        <a:fontRef idx="minor">
+          <a:schemeClr val="lt1"/>
+        </a:fontRef>
+      </dsp:style>
+    </dsp:sp>
+    <dsp:sp modelId="{BDF2F064-7FBE-0B4E-B610-EF72559B36D8}">
+      <dsp:nvSpPr>
+        <dsp:cNvPr id="0" name=""/>
+        <dsp:cNvSpPr/>
+      </dsp:nvSpPr>
+      <dsp:spPr>
+        <a:xfrm>
+          <a:off x="472808" y="917452"/>
+          <a:ext cx="4244392" cy="2695188"/>
+        </a:xfrm>
+        <a:prstGeom prst="roundRect">
+          <a:avLst>
+            <a:gd name="adj" fmla="val 10000"/>
+          </a:avLst>
+        </a:prstGeom>
+        <a:solidFill>
+          <a:schemeClr val="lt1">
+            <a:alpha val="90000"/>
+            <a:hueOff val="0"/>
+            <a:satOff val="0"/>
+            <a:lumOff val="0"/>
+            <a:alphaOff val="0"/>
+          </a:schemeClr>
+        </a:solidFill>
+        <a:ln w="12700" cap="flat" cmpd="sng" algn="ctr">
+          <a:solidFill>
+            <a:schemeClr val="accent1">
+              <a:hueOff val="0"/>
+              <a:satOff val="0"/>
+              <a:lumOff val="0"/>
+              <a:alphaOff val="0"/>
+            </a:schemeClr>
+          </a:solidFill>
+          <a:prstDash val="solid"/>
+          <a:miter lim="800000"/>
+        </a:ln>
+        <a:effectLst/>
+      </dsp:spPr>
+      <dsp:style>
+        <a:lnRef idx="2">
+          <a:scrgbClr r="0" g="0" b="0"/>
+        </a:lnRef>
+        <a:fillRef idx="1">
+          <a:scrgbClr r="0" g="0" b="0"/>
+        </a:fillRef>
+        <a:effectRef idx="0">
+          <a:scrgbClr r="0" g="0" b="0"/>
+        </a:effectRef>
+        <a:fontRef idx="minor"/>
+      </dsp:style>
+      <dsp:txBody>
+        <a:bodyPr spcFirstLastPara="0" vert="horz" wrap="square" lIns="91440" tIns="91440" rIns="91440" bIns="91440" numCol="1" spcCol="1270" anchor="ctr" anchorCtr="0">
+          <a:noAutofit/>
+        </a:bodyPr>
+        <a:lstStyle/>
+        <a:p>
+          <a:pPr marL="0" lvl="0" indent="0" algn="ctr" defTabSz="1066800">
+            <a:lnSpc>
+              <a:spcPct val="90000"/>
+            </a:lnSpc>
+            <a:spcBef>
+              <a:spcPct val="0"/>
+            </a:spcBef>
+            <a:spcAft>
+              <a:spcPct val="35000"/>
+            </a:spcAft>
+            <a:buNone/>
+            <a:defRPr cap="all"/>
+          </a:pPr>
+          <a:r>
+            <a:rPr lang="en-US" sz="2400" kern="1200"/>
+            <a:t>Process the image with the trained model and get the output</a:t>
+          </a:r>
+        </a:p>
+      </dsp:txBody>
+      <dsp:txXfrm>
+        <a:off x="551747" y="996391"/>
+        <a:ext cx="4086514" cy="2537310"/>
+      </dsp:txXfrm>
+    </dsp:sp>
+    <dsp:sp modelId="{B8F155E9-BE05-B047-86A5-1A518B2F2124}">
+      <dsp:nvSpPr>
+        <dsp:cNvPr id="0" name=""/>
+        <dsp:cNvSpPr/>
+      </dsp:nvSpPr>
+      <dsp:spPr>
+        <a:xfrm>
+          <a:off x="5188799" y="469433"/>
+          <a:ext cx="4244392" cy="2695188"/>
+        </a:xfrm>
+        <a:prstGeom prst="roundRect">
+          <a:avLst>
+            <a:gd name="adj" fmla="val 10000"/>
+          </a:avLst>
+        </a:prstGeom>
+        <a:solidFill>
+          <a:schemeClr val="accent1">
+            <a:hueOff val="0"/>
+            <a:satOff val="0"/>
+            <a:lumOff val="0"/>
+            <a:alphaOff val="0"/>
+          </a:schemeClr>
+        </a:solidFill>
+        <a:ln w="12700" cap="flat" cmpd="sng" algn="ctr">
+          <a:solidFill>
+            <a:schemeClr val="lt1">
+              <a:hueOff val="0"/>
+              <a:satOff val="0"/>
+              <a:lumOff val="0"/>
+              <a:alphaOff val="0"/>
+            </a:schemeClr>
+          </a:solidFill>
+          <a:prstDash val="solid"/>
+          <a:miter lim="800000"/>
+        </a:ln>
+        <a:effectLst/>
+      </dsp:spPr>
+      <dsp:style>
+        <a:lnRef idx="2">
+          <a:scrgbClr r="0" g="0" b="0"/>
+        </a:lnRef>
+        <a:fillRef idx="1">
+          <a:scrgbClr r="0" g="0" b="0"/>
+        </a:fillRef>
+        <a:effectRef idx="0">
+          <a:scrgbClr r="0" g="0" b="0"/>
+        </a:effectRef>
+        <a:fontRef idx="minor">
+          <a:schemeClr val="lt1"/>
+        </a:fontRef>
+      </dsp:style>
+    </dsp:sp>
+    <dsp:sp modelId="{3434651C-FC39-F640-9D73-8EFF79A5F61A}">
+      <dsp:nvSpPr>
+        <dsp:cNvPr id="0" name=""/>
+        <dsp:cNvSpPr/>
+      </dsp:nvSpPr>
+      <dsp:spPr>
+        <a:xfrm>
+          <a:off x="5660398" y="917452"/>
+          <a:ext cx="4244392" cy="2695188"/>
+        </a:xfrm>
+        <a:prstGeom prst="roundRect">
+          <a:avLst>
+            <a:gd name="adj" fmla="val 10000"/>
+          </a:avLst>
+        </a:prstGeom>
+        <a:solidFill>
+          <a:schemeClr val="lt1">
+            <a:alpha val="90000"/>
+            <a:hueOff val="0"/>
+            <a:satOff val="0"/>
+            <a:lumOff val="0"/>
+            <a:alphaOff val="0"/>
+          </a:schemeClr>
+        </a:solidFill>
+        <a:ln w="12700" cap="flat" cmpd="sng" algn="ctr">
+          <a:solidFill>
+            <a:schemeClr val="accent1">
+              <a:hueOff val="0"/>
+              <a:satOff val="0"/>
+              <a:lumOff val="0"/>
+              <a:alphaOff val="0"/>
+            </a:schemeClr>
+          </a:solidFill>
+          <a:prstDash val="solid"/>
+          <a:miter lim="800000"/>
+        </a:ln>
+        <a:effectLst/>
+      </dsp:spPr>
+      <dsp:style>
+        <a:lnRef idx="2">
+          <a:scrgbClr r="0" g="0" b="0"/>
+        </a:lnRef>
+        <a:fillRef idx="1">
+          <a:scrgbClr r="0" g="0" b="0"/>
+        </a:fillRef>
+        <a:effectRef idx="0">
+          <a:scrgbClr r="0" g="0" b="0"/>
+        </a:effectRef>
+        <a:fontRef idx="minor"/>
+      </dsp:style>
+      <dsp:txBody>
+        <a:bodyPr spcFirstLastPara="0" vert="horz" wrap="square" lIns="91440" tIns="91440" rIns="91440" bIns="91440" numCol="1" spcCol="1270" anchor="ctr" anchorCtr="0">
+          <a:noAutofit/>
+        </a:bodyPr>
+        <a:lstStyle/>
+        <a:p>
+          <a:pPr marL="0" lvl="0" indent="0" algn="ctr" defTabSz="1066800">
+            <a:lnSpc>
+              <a:spcPct val="90000"/>
+            </a:lnSpc>
+            <a:spcBef>
+              <a:spcPct val="0"/>
+            </a:spcBef>
+            <a:spcAft>
+              <a:spcPct val="35000"/>
+            </a:spcAft>
+            <a:buNone/>
+            <a:defRPr cap="all"/>
+          </a:pPr>
+          <a:r>
+            <a:rPr lang="en-US" sz="2400" kern="1200"/>
+            <a:t>If the output is greater than confidence the create a rectangular box around the face and show the percentage of face matched</a:t>
+          </a:r>
+        </a:p>
+      </dsp:txBody>
+      <dsp:txXfrm>
+        <a:off x="5739337" y="996391"/>
+        <a:ext cx="4086514" cy="2537310"/>
+      </dsp:txXfrm>
+    </dsp:sp>
+  </dsp:spTree>
+</dsp:drawing>
+</file>
+
+<file path=ppt/diagrams/layout1.xml><?xml version="1.0" encoding="utf-8"?>
+<dgm:layoutDef xmlns:dgm="http://schemas.openxmlformats.org/drawingml/2006/diagram" xmlns:a="http://schemas.openxmlformats.org/drawingml/2006/main" uniqueId="urn:microsoft.com/office/officeart/2016/7/layout/ChevronBlockProcess">
+  <dgm:title val="Chevron Block Process"/>
+  <dgm:desc val="Use to show a progression; a timeline; sequential steps in a task, process, or workflow; or to emphasize movement or direction. Level 1 text appears inside an arrow shape while Level 2 text appears below the arrow shapes."/>
+  <dgm:catLst>
+    <dgm:cat type="process" pri="500"/>
+  </dgm:catLst>
+  <dgm:sampData useDef="1">
+    <dgm:dataModel>
+      <dgm:ptLst/>
+      <dgm:bg/>
+      <dgm:whole/>
+    </dgm:dataModel>
+  </dgm:sampData>
+  <dgm:styleData>
+    <dgm:dataModel>
+      <dgm:ptLst>
+        <dgm:pt modelId="0" type="doc"/>
+        <dgm:pt modelId="1"/>
+        <dgm:pt modelId="2"/>
+      </dgm:ptLst>
+      <dgm:cxnLst>
+        <dgm:cxn modelId="3" srcId="0" destId="1" srcOrd="0" destOrd="0"/>
+        <dgm:cxn modelId="4" srcId="0" destId="2" srcOrd="1" destOrd="0"/>
+      </dgm:cxnLst>
+      <dgm:bg/>
+      <dgm:whole/>
+    </dgm:dataModel>
+  </dgm:styleData>
+  <dgm:clrData>
+    <dgm:dataModel>
+      <dgm:ptLst>
+        <dgm:pt modelId="0" type="doc"/>
+        <dgm:pt modelId="1"/>
+        <dgm:pt modelId="2"/>
+        <dgm:pt modelId="3"/>
+        <dgm:pt modelId="4"/>
+      </dgm:ptLst>
+      <dgm:cxnLst>
+        <dgm:cxn modelId="5" srcId="0" destId="1" srcOrd="0" destOrd="0"/>
+        <dgm:cxn modelId="6" srcId="0" destId="2" srcOrd="1" destOrd="0"/>
+        <dgm:cxn modelId="7" srcId="0" destId="3" srcOrd="2" destOrd="0"/>
+        <dgm:cxn modelId="8" srcId="0" destId="4" srcOrd="3" destOrd="0"/>
+      </dgm:cxnLst>
+      <dgm:bg/>
+      <dgm:whole/>
+    </dgm:dataModel>
+  </dgm:clrData>
+  <dgm:layoutNode name="Name0">
+    <dgm:varLst>
+      <dgm:dir/>
+      <dgm:animLvl val="lvl"/>
+      <dgm:resizeHandles val="exact"/>
+    </dgm:varLst>
+    <dgm:choose name="Name1">
+      <dgm:if name="Name2" func="var" arg="dir" op="equ" val="norm">
+        <dgm:alg type="lin"/>
+      </dgm:if>
+      <dgm:else name="Name3">
+        <dgm:alg type="lin">
+          <dgm:param type="linDir" val="fromR"/>
+        </dgm:alg>
+      </dgm:else>
+    </dgm:choose>
+    <dgm:shape xmlns:r="http://schemas.openxmlformats.org/officeDocument/2006/relationships" r:blip="">
+      <dgm:adjLst/>
+    </dgm:shape>
+    <dgm:presOf/>
+    <dgm:constrLst>
+      <dgm:constr type="h" for="ch" forName="composite" refType="h" fact="0.6"/>
+      <dgm:constr type="h" for="des" forName="composite" op="equ"/>
+      <dgm:constr type="w" for="ch" forName="composite" refType="w"/>
+      <dgm:constr type="w" for="des" forName="parTx"/>
+      <dgm:constr type="h" for="des" forName="parTx" op="equ"/>
+      <dgm:constr type="w" for="des" forName="desTx"/>
+      <dgm:constr type="primFontSz" for="des" forName="parTx" val="28"/>
+      <dgm:constr type="primFontSz" for="des" forName="desTx" refType="primFontSz" refFor="des" refForName="parTx" op="lte" fact="0.75"/>
+      <dgm:constr type="h" for="des" forName="desTx" op="equ"/>
+      <dgm:constr type="w" for="ch" forName="space" refType="w" op="equ" fact="-0.005"/>
+    </dgm:constrLst>
+    <dgm:ruleLst>
+      <dgm:rule type="w" for="ch" forName="composite" val="0" fact="NaN" max="NaN"/>
+    </dgm:ruleLst>
+    <dgm:forEach name="Name6" axis="ch" ptType="node">
+      <dgm:layoutNode name="composite">
+        <dgm:alg type="composite"/>
+        <dgm:shape xmlns:r="http://schemas.openxmlformats.org/officeDocument/2006/relationships" r:blip="">
+          <dgm:adjLst/>
+        </dgm:shape>
+        <dgm:presOf/>
+        <dgm:choose name="Name7">
+          <dgm:if name="Name8" func="var" arg="dir" op="equ" val="norm">
+            <dgm:constrLst>
+              <dgm:constr type="l" for="ch" forName="parTx"/>
+              <dgm:constr type="w" for="ch" forName="parTx" refType="w"/>
+              <dgm:constr type="t" for="ch" forName="parTx"/>
+              <dgm:constr type="l" for="ch" forName="desTx"/>
+              <dgm:constr type="w" for="ch" forName="desTx" refType="w" refFor="ch" refForName="parTx" fact="0.91"/>
+              <dgm:constr type="t" for="ch" forName="desTx" refType="h" refFor="ch" refForName="parTx"/>
+            </dgm:constrLst>
+          </dgm:if>
+          <dgm:else name="Name9">
+            <dgm:constrLst>
+              <dgm:constr type="l" for="ch" forName="parTx"/>
+              <dgm:constr type="w" for="ch" forName="parTx" refType="w"/>
+              <dgm:constr type="t" for="ch" forName="parTx"/>
+              <dgm:constr type="l" for="ch" forName="desTx" refType="w" fact="0.09"/>
+              <dgm:constr type="w" for="ch" forName="desTx" refType="w" refFor="ch" refForName="parTx" fact="0.91"/>
+              <dgm:constr type="t" for="ch" forName="desTx" refType="h" refFor="ch" refForName="parTx"/>
+            </dgm:constrLst>
+          </dgm:else>
+        </dgm:choose>
+        <dgm:ruleLst>
+          <dgm:rule type="h" val="INF" fact="NaN" max="NaN"/>
+        </dgm:ruleLst>
+        <dgm:layoutNode name="parTx" styleLbl="alignNode1">
+          <dgm:varLst>
+            <dgm:chMax val="0"/>
+            <dgm:chPref val="0"/>
+          </dgm:varLst>
+          <dgm:alg type="tx"/>
+          <dgm:choose name="Name10">
+            <dgm:if name="Name11" func="var" arg="dir" op="equ" val="norm">
+              <dgm:shape xmlns:r="http://schemas.openxmlformats.org/officeDocument/2006/relationships" type="chevron" r:blip="">
+                <dgm:adjLst>
+                  <dgm:adj idx="1" val="0.3"/>
+                </dgm:adjLst>
+              </dgm:shape>
+            </dgm:if>
+            <dgm:else name="Name12">
+              <dgm:shape xmlns:r="http://schemas.openxmlformats.org/officeDocument/2006/relationships" rot="180" type="chevron" r:blip="">
+                <dgm:adjLst/>
+              </dgm:shape>
+            </dgm:else>
+          </dgm:choose>
+          <dgm:presOf axis="self" ptType="node"/>
+          <dgm:choose name="Name13">
+            <dgm:if name="Name14" func="var" arg="dir" op="equ" val="norm">
+              <dgm:constrLst>
+                <dgm:constr type="h" refType="w" op="lte" fact="0.3"/>
+                <dgm:constr type="h"/>
+                <dgm:constr type="tMarg" refType="w" fact="0.105"/>
+                <dgm:constr type="bMarg" refType="w" fact="0.105"/>
+                <dgm:constr type="lMarg" refType="w" fact="0.105"/>
+                <dgm:constr type="rMarg" refType="w" fact="0.105"/>
+              </dgm:constrLst>
+            </dgm:if>
+            <dgm:else name="Name15">
+              <dgm:constrLst>
+                <dgm:constr type="h" refType="w" op="lte" fact="0.3"/>
+                <dgm:constr type="h"/>
+                <dgm:constr type="tMarg" refType="w" fact="0.105"/>
+                <dgm:constr type="bMarg" refType="w" fact="0.105"/>
+                <dgm:constr type="lMarg" refType="w" fact="0.105"/>
+                <dgm:constr type="rMarg" refType="w" fact="0.105"/>
+              </dgm:constrLst>
+            </dgm:else>
+          </dgm:choose>
+          <dgm:ruleLst>
+            <dgm:rule type="h" val="INF" fact="NaN" max="NaN"/>
+            <dgm:rule type="primFontSz" val="14" fact="NaN" max="NaN"/>
+          </dgm:ruleLst>
+        </dgm:layoutNode>
+        <dgm:layoutNode name="desTx" styleLbl="alignAccFollowNode1">
+          <dgm:varLst/>
+          <dgm:alg type="tx">
+            <dgm:param type="stBulletLvl" val="0"/>
+            <dgm:param type="txAnchorVert" val="t"/>
+            <dgm:param type="parTxLTRAlign" val="l"/>
+            <dgm:param type="shpTxLTRAlignCh" val="l"/>
+            <dgm:param type="parTxRTLAlign" val="r"/>
+            <dgm:param type="shpTxRTLAlignCh" val="r"/>
+          </dgm:alg>
+          <dgm:shape xmlns:r="http://schemas.openxmlformats.org/officeDocument/2006/relationships" type="rect" r:blip="">
+            <dgm:adjLst/>
+          </dgm:shape>
+          <dgm:presOf axis="des" ptType="node"/>
+          <dgm:constrLst>
+            <dgm:constr type="primFontSz" val="20"/>
+            <dgm:constr type="tMarg" refType="w" fact="0.224"/>
+            <dgm:constr type="bMarg" refType="w" fact="0.448"/>
+            <dgm:constr type="lMarg" refType="w" fact="0.224"/>
+            <dgm:constr type="rMarg" refType="w" fact="0.224"/>
+          </dgm:constrLst>
+          <dgm:ruleLst>
+            <dgm:rule type="h" val="INF" fact="NaN" max="NaN"/>
+            <dgm:rule type="primFontSz" val="11" fact="NaN" max="NaN"/>
+          </dgm:ruleLst>
+        </dgm:layoutNode>
+      </dgm:layoutNode>
+      <dgm:forEach name="Name19" axis="followSib" ptType="sibTrans" cnt="1">
+        <dgm:layoutNode name="space">
+          <dgm:alg type="sp"/>
+          <dgm:shape xmlns:r="http://schemas.openxmlformats.org/officeDocument/2006/relationships" r:blip="">
+            <dgm:adjLst/>
+          </dgm:shape>
+          <dgm:presOf/>
+          <dgm:constrLst/>
+          <dgm:ruleLst/>
+        </dgm:layoutNode>
+      </dgm:forEach>
+    </dgm:forEach>
+  </dgm:layoutNode>
+</dgm:layoutDef>
+</file>
+
+<file path=ppt/diagrams/layout2.xml><?xml version="1.0" encoding="utf-8"?>
+<dgm:layoutDef xmlns:dgm="http://schemas.openxmlformats.org/drawingml/2006/diagram" xmlns:a="http://schemas.openxmlformats.org/drawingml/2006/main" uniqueId="urn:microsoft.com/office/officeart/2005/8/layout/hierarchy1">
+  <dgm:title val=""/>
+  <dgm:desc val=""/>
+  <dgm:catLst>
+    <dgm:cat type="hierarchy" pri="2000"/>
+  </dgm:catLst>
+  <dgm:sampData>
+    <dgm:dataModel>
+      <dgm:ptLst>
+        <dgm:pt modelId="0" type="doc"/>
+        <dgm:pt modelId="1">
+          <dgm:prSet phldr="1"/>
+        </dgm:pt>
+        <dgm:pt modelId="2">
+          <dgm:prSet phldr="1"/>
+        </dgm:pt>
+        <dgm:pt modelId="21">
+          <dgm:prSet phldr="1"/>
+        </dgm:pt>
+        <dgm:pt modelId="22">
+          <dgm:prSet phldr="1"/>
+        </dgm:pt>
+        <dgm:pt modelId="3">
+          <dgm:prSet phldr="1"/>
+        </dgm:pt>
+        <dgm:pt modelId="31">
+          <dgm:prSet phldr="1"/>
+        </dgm:pt>
+      </dgm:ptLst>
+      <dgm:cxnLst>
+        <dgm:cxn modelId="4" srcId="0" destId="1" srcOrd="0" destOrd="0"/>
+        <dgm:cxn modelId="5" srcId="1" destId="2" srcOrd="0" destOrd="0"/>
+        <dgm:cxn modelId="6" srcId="1" destId="3" srcOrd="1" destOrd="0"/>
+        <dgm:cxn modelId="23" srcId="2" destId="21" srcOrd="0" destOrd="0"/>
+        <dgm:cxn modelId="24" srcId="2" destId="22" srcOrd="1" destOrd="0"/>
+        <dgm:cxn modelId="33" srcId="3" destId="31" srcOrd="0" destOrd="0"/>
+      </dgm:cxnLst>
+      <dgm:bg/>
+      <dgm:whole/>
+    </dgm:dataModel>
+  </dgm:sampData>
+  <dgm:styleData>
+    <dgm:dataModel>
+      <dgm:ptLst>
+        <dgm:pt modelId="0" type="doc"/>
+        <dgm:pt modelId="1"/>
+        <dgm:pt modelId="11"/>
+        <dgm:pt modelId="12"/>
+      </dgm:ptLst>
+      <dgm:cxnLst>
+        <dgm:cxn modelId="2" srcId="0" destId="1" srcOrd="0" destOrd="0"/>
+        <dgm:cxn modelId="13" srcId="1" destId="11" srcOrd="0" destOrd="0"/>
+        <dgm:cxn modelId="14" srcId="1" destId="12" srcOrd="1" destOrd="0"/>
+      </dgm:cxnLst>
+      <dgm:bg/>
+      <dgm:whole/>
+    </dgm:dataModel>
+  </dgm:styleData>
+  <dgm:clrData>
+    <dgm:dataModel>
+      <dgm:ptLst>
+        <dgm:pt modelId="0" type="doc"/>
+        <dgm:pt modelId="1"/>
+        <dgm:pt modelId="2"/>
+        <dgm:pt modelId="21"/>
+        <dgm:pt modelId="211"/>
+        <dgm:pt modelId="3"/>
+        <dgm:pt modelId="31"/>
+        <dgm:pt modelId="311"/>
+      </dgm:ptLst>
+      <dgm:cxnLst>
+        <dgm:cxn modelId="4" srcId="0" destId="1" srcOrd="0" destOrd="0"/>
+        <dgm:cxn modelId="5" srcId="1" destId="2" srcOrd="0" destOrd="0"/>
+        <dgm:cxn modelId="6" srcId="1" destId="3" srcOrd="1" destOrd="0"/>
+        <dgm:cxn modelId="23" srcId="2" destId="21" srcOrd="0" destOrd="0"/>
+        <dgm:cxn modelId="24" srcId="21" destId="211" srcOrd="0" destOrd="0"/>
+        <dgm:cxn modelId="33" srcId="3" destId="31" srcOrd="0" destOrd="0"/>
+        <dgm:cxn modelId="34" srcId="31" destId="311" srcOrd="0" destOrd="0"/>
+      </dgm:cxnLst>
+      <dgm:bg/>
+      <dgm:whole/>
+    </dgm:dataModel>
+  </dgm:clrData>
+  <dgm:layoutNode name="hierChild1">
+    <dgm:varLst>
+      <dgm:chPref val="1"/>
+      <dgm:dir/>
+      <dgm:animOne val="branch"/>
+      <dgm:animLvl val="lvl"/>
+      <dgm:resizeHandles/>
+    </dgm:varLst>
+    <dgm:choose name="Name0">
+      <dgm:if name="Name1" func="var" arg="dir" op="equ" val="norm">
+        <dgm:alg type="hierChild">
+          <dgm:param type="linDir" val="fromL"/>
+        </dgm:alg>
+      </dgm:if>
+      <dgm:else name="Name2">
+        <dgm:alg type="hierChild">
+          <dgm:param type="linDir" val="fromR"/>
+        </dgm:alg>
+      </dgm:else>
+    </dgm:choose>
+    <dgm:shape xmlns:r="http://schemas.openxmlformats.org/officeDocument/2006/relationships" r:blip="">
+      <dgm:adjLst/>
+    </dgm:shape>
+    <dgm:presOf/>
+    <dgm:constrLst>
+      <dgm:constr type="primFontSz" for="des" ptType="node" op="equ" val="65"/>
+      <dgm:constr type="w" for="des" forName="composite" refType="w"/>
+      <dgm:constr type="h" for="des" forName="composite" refType="w" refFor="des" refForName="composite" fact="0.667"/>
+      <dgm:constr type="w" for="des" forName="composite2" refType="w" refFor="des" refForName="composite"/>
+      <dgm:constr type="h" for="des" forName="composite2" refType="h" refFor="des" refForName="composite"/>
+      <dgm:constr type="w" for="des" forName="composite3" refType="w" refFor="des" refForName="composite"/>
+      <dgm:constr type="h" for="des" forName="composite3" refType="h" refFor="des" refForName="composite"/>
+      <dgm:constr type="w" for="des" forName="composite4" refType="w" refFor="des" refForName="composite"/>
+      <dgm:constr type="h" for="des" forName="composite4" refType="h" refFor="des" refForName="composite"/>
+      <dgm:constr type="w" for="des" forName="composite5" refType="w" refFor="des" refForName="composite"/>
+      <dgm:constr type="h" for="des" forName="composite5" refType="h" refFor="des" refForName="composite"/>
+      <dgm:constr type="sibSp" refType="w" refFor="des" refForName="composite" fact="0.1"/>
+      <dgm:constr type="sibSp" for="des" forName="hierChild2" refType="sibSp"/>
+      <dgm:constr type="sibSp" for="des" forName="hierChild3" refType="sibSp"/>
+      <dgm:constr type="sibSp" for="des" forName="hierChild4" refType="sibSp"/>
+      <dgm:constr type="sibSp" for="des" forName="hierChild5" refType="sibSp"/>
+      <dgm:constr type="sibSp" for="des" forName="hierChild6" refType="sibSp"/>
+      <dgm:constr type="sp" for="des" forName="hierRoot1" refType="h" refFor="des" refForName="composite" fact="0.25"/>
+      <dgm:constr type="sp" for="des" forName="hierRoot2" refType="sp" refFor="des" refForName="hierRoot1"/>
+      <dgm:constr type="sp" for="des" forName="hierRoot3" refType="sp" refFor="des" refForName="hierRoot1"/>
+      <dgm:constr type="sp" for="des" forName="hierRoot4" refType="sp" refFor="des" refForName="hierRoot1"/>
+      <dgm:constr type="sp" for="des" forName="hierRoot5" refType="sp" refFor="des" refForName="hierRoot1"/>
+    </dgm:constrLst>
+    <dgm:ruleLst/>
+    <dgm:forEach name="Name3" axis="ch">
+      <dgm:forEach name="Name4" axis="self" ptType="node">
+        <dgm:layoutNode name="hierRoot1">
+          <dgm:alg type="hierRoot"/>
+          <dgm:shape xmlns:r="http://schemas.openxmlformats.org/officeDocument/2006/relationships" r:blip="">
+            <dgm:adjLst/>
+          </dgm:shape>
+          <dgm:presOf/>
+          <dgm:constrLst>
+            <dgm:constr type="bendDist" for="des" ptType="parTrans" refType="sp" fact="0.5"/>
+          </dgm:constrLst>
+          <dgm:ruleLst/>
+          <dgm:layoutNode name="composite">
+            <dgm:alg type="composite"/>
+            <dgm:shape xmlns:r="http://schemas.openxmlformats.org/officeDocument/2006/relationships" r:blip="">
+              <dgm:adjLst/>
+            </dgm:shape>
+            <dgm:presOf/>
+            <dgm:constrLst>
+              <dgm:constr type="w" for="ch" forName="background" refType="w" fact="0.9"/>
+              <dgm:constr type="h" for="ch" forName="background" refType="w" refFor="ch" refForName="background" fact="0.635"/>
+              <dgm:constr type="t" for="ch" forName="background"/>
+              <dgm:constr type="l" for="ch" forName="background"/>
+              <dgm:constr type="w" for="ch" forName="text" refType="w" fact="0.9"/>
+              <dgm:constr type="h" for="ch" forName="text" refType="w" refFor="ch" refForName="text" fact="0.635"/>
+              <dgm:constr type="t" for="ch" forName="text" refType="w" fact="0.095"/>
+              <dgm:constr type="l" for="ch" forName="text" refType="w" fact="0.1"/>
+            </dgm:constrLst>
+            <dgm:ruleLst/>
+            <dgm:layoutNode name="background" styleLbl="node0" moveWith="text">
+              <dgm:alg type="sp"/>
+              <dgm:shape xmlns:r="http://schemas.openxmlformats.org/officeDocument/2006/relationships" type="roundRect" r:blip="">
+                <dgm:adjLst>
+                  <dgm:adj idx="1" val="0.1"/>
+                </dgm:adjLst>
+              </dgm:shape>
+              <dgm:presOf/>
+              <dgm:constrLst/>
+              <dgm:ruleLst/>
+            </dgm:layoutNode>
+            <dgm:layoutNode name="text" styleLbl="fgAcc0">
+              <dgm:varLst>
+                <dgm:chPref val="3"/>
+              </dgm:varLst>
+              <dgm:alg type="tx"/>
+              <dgm:shape xmlns:r="http://schemas.openxmlformats.org/officeDocument/2006/relationships" type="roundRect" r:blip="">
+                <dgm:adjLst>
+                  <dgm:adj idx="1" val="0.1"/>
+                </dgm:adjLst>
+              </dgm:shape>
+              <dgm:presOf axis="self"/>
+              <dgm:constrLst>
+                <dgm:constr type="tMarg" refType="primFontSz" fact="0.3"/>
+                <dgm:constr type="bMarg" refType="primFontSz" fact="0.3"/>
+                <dgm:constr type="lMarg" refType="primFontSz" fact="0.3"/>
+                <dgm:constr type="rMarg" refType="primFontSz" fact="0.3"/>
+              </dgm:constrLst>
+              <dgm:ruleLst>
+                <dgm:rule type="primFontSz" val="5" fact="NaN" max="NaN"/>
+              </dgm:ruleLst>
+            </dgm:layoutNode>
+          </dgm:layoutNode>
+          <dgm:layoutNode name="hierChild2">
+            <dgm:choose name="Name5">
+              <dgm:if name="Name6" func="var" arg="dir" op="equ" val="norm">
+                <dgm:alg type="hierChild">
+                  <dgm:param type="linDir" val="fromL"/>
+                </dgm:alg>
+              </dgm:if>
+              <dgm:else name="Name7">
+                <dgm:alg type="hierChild">
+                  <dgm:param type="linDir" val="fromR"/>
+                </dgm:alg>
+              </dgm:else>
+            </dgm:choose>
+            <dgm:shape xmlns:r="http://schemas.openxmlformats.org/officeDocument/2006/relationships" r:blip="">
+              <dgm:adjLst/>
+            </dgm:shape>
+            <dgm:presOf/>
+            <dgm:constrLst/>
+            <dgm:ruleLst/>
+            <dgm:forEach name="Name8" axis="ch">
+              <dgm:forEach name="Name9" axis="self" ptType="parTrans" cnt="1">
+                <dgm:layoutNode name="Name10">
+                  <dgm:alg type="conn">
+                    <dgm:param type="dim" val="1D"/>
+                    <dgm:param type="endSty" val="noArr"/>
+                    <dgm:param type="connRout" val="bend"/>
+                    <dgm:param type="bendPt" val="end"/>
+                    <dgm:param type="begPts" val="bCtr"/>
+                    <dgm:param type="endPts" val="tCtr"/>
+                    <dgm:param type="srcNode" val="background"/>
+                    <dgm:param type="dstNode" val="background2"/>
+                  </dgm:alg>
+                  <dgm:shape xmlns:r="http://schemas.openxmlformats.org/officeDocument/2006/relationships" type="conn" r:blip="" zOrderOff="-999">
+                    <dgm:adjLst/>
+                  </dgm:shape>
+                  <dgm:presOf axis="self"/>
+                  <dgm:constrLst>
+                    <dgm:constr type="begPad"/>
+                    <dgm:constr type="endPad"/>
+                  </dgm:constrLst>
+                  <dgm:ruleLst/>
+                </dgm:layoutNode>
+              </dgm:forEach>
+              <dgm:forEach name="Name11" axis="self" ptType="node">
+                <dgm:layoutNode name="hierRoot2">
+                  <dgm:alg type="hierRoot"/>
+                  <dgm:shape xmlns:r="http://schemas.openxmlformats.org/officeDocument/2006/relationships" r:blip="">
+                    <dgm:adjLst/>
+                  </dgm:shape>
+                  <dgm:presOf/>
+                  <dgm:constrLst>
+                    <dgm:constr type="bendDist" for="des" ptType="parTrans" refType="sp" fact="0.5"/>
+                  </dgm:constrLst>
+                  <dgm:ruleLst/>
+                  <dgm:layoutNode name="composite2">
+                    <dgm:alg type="composite"/>
+                    <dgm:shape xmlns:r="http://schemas.openxmlformats.org/officeDocument/2006/relationships" r:blip="">
+                      <dgm:adjLst/>
+                    </dgm:shape>
+                    <dgm:presOf/>
+                    <dgm:constrLst>
+                      <dgm:constr type="w" for="ch" forName="background2" refType="w" fact="0.9"/>
+                      <dgm:constr type="h" for="ch" forName="background2" refType="w" refFor="ch" refForName="background2" fact="0.635"/>
+                      <dgm:constr type="t" for="ch" forName="background2"/>
+                      <dgm:constr type="l" for="ch" forName="background2"/>
+                      <dgm:constr type="w" for="ch" forName="text2" refType="w" fact="0.9"/>
+                      <dgm:constr type="h" for="ch" forName="text2" refType="w" refFor="ch" refForName="text2" fact="0.635"/>
+                      <dgm:constr type="t" for="ch" forName="text2" refType="w" fact="0.095"/>
+                      <dgm:constr type="l" for="ch" forName="text2" refType="w" fact="0.1"/>
+                    </dgm:constrLst>
+                    <dgm:ruleLst/>
+                    <dgm:layoutNode name="background2" moveWith="text2">
+                      <dgm:alg type="sp"/>
+                      <dgm:shape xmlns:r="http://schemas.openxmlformats.org/officeDocument/2006/relationships" type="roundRect" r:blip="">
+                        <dgm:adjLst>
+                          <dgm:adj idx="1" val="0.1"/>
+                        </dgm:adjLst>
+                      </dgm:shape>
+                      <dgm:presOf/>
+                      <dgm:constrLst/>
+                      <dgm:ruleLst/>
+                    </dgm:layoutNode>
+                    <dgm:layoutNode name="text2" styleLbl="fgAcc2">
+                      <dgm:varLst>
+                        <dgm:chPref val="3"/>
+                      </dgm:varLst>
+                      <dgm:alg type="tx"/>
+                      <dgm:shape xmlns:r="http://schemas.openxmlformats.org/officeDocument/2006/relationships" type="roundRect" r:blip="">
+                        <dgm:adjLst>
+                          <dgm:adj idx="1" val="0.1"/>
+                        </dgm:adjLst>
+                      </dgm:shape>
+                      <dgm:presOf axis="self"/>
+                      <dgm:constrLst>
+                        <dgm:constr type="tMarg" refType="primFontSz" fact="0.3"/>
+                        <dgm:constr type="bMarg" refType="primFontSz" fact="0.3"/>
+                        <dgm:constr type="lMarg" refType="primFontSz" fact="0.3"/>
+                        <dgm:constr type="rMarg" refType="primFontSz" fact="0.3"/>
+                      </dgm:constrLst>
+                      <dgm:ruleLst>
+                        <dgm:rule type="primFontSz" val="5" fact="NaN" max="NaN"/>
+                      </dgm:ruleLst>
+                    </dgm:layoutNode>
+                  </dgm:layoutNode>
+                  <dgm:layoutNode name="hierChild3">
+                    <dgm:choose name="Name12">
+                      <dgm:if name="Name13" func="var" arg="dir" op="equ" val="norm">
+                        <dgm:alg type="hierChild">
+                          <dgm:param type="linDir" val="fromL"/>
+                        </dgm:alg>
+                      </dgm:if>
+                      <dgm:else name="Name14">
+                        <dgm:alg type="hierChild">
+                          <dgm:param type="linDir" val="fromR"/>
+                        </dgm:alg>
+                      </dgm:else>
+                    </dgm:choose>
+                    <dgm:shape xmlns:r="http://schemas.openxmlformats.org/officeDocument/2006/relationships" r:blip="">
+                      <dgm:adjLst/>
+                    </dgm:shape>
+                    <dgm:presOf/>
+                    <dgm:constrLst/>
+                    <dgm:ruleLst/>
+                    <dgm:forEach name="Name15" axis="ch">
+                      <dgm:forEach name="Name16" axis="self" ptType="parTrans" cnt="1">
+                        <dgm:layoutNode name="Name17">
+                          <dgm:alg type="conn">
+                            <dgm:param type="dim" val="1D"/>
+                            <dgm:param type="endSty" val="noArr"/>
+                            <dgm:param type="connRout" val="bend"/>
+                            <dgm:param type="bendPt" val="end"/>
+                            <dgm:param type="begPts" val="bCtr"/>
+                            <dgm:param type="endPts" val="tCtr"/>
+                            <dgm:param type="srcNode" val="background2"/>
+                            <dgm:param type="dstNode" val="background3"/>
+                          </dgm:alg>
+                          <dgm:shape xmlns:r="http://schemas.openxmlformats.org/officeDocument/2006/relationships" type="conn" r:blip="" zOrderOff="-999">
+                            <dgm:adjLst/>
+                          </dgm:shape>
+                          <dgm:presOf axis="self"/>
+                          <dgm:constrLst>
+                            <dgm:constr type="begPad"/>
+                            <dgm:constr type="endPad"/>
+                          </dgm:constrLst>
+                          <dgm:ruleLst/>
+                        </dgm:layoutNode>
+                      </dgm:forEach>
+                      <dgm:forEach name="Name18" axis="self" ptType="node">
+                        <dgm:layoutNode name="hierRoot3">
+                          <dgm:alg type="hierRoot"/>
+                          <dgm:shape xmlns:r="http://schemas.openxmlformats.org/officeDocument/2006/relationships" r:blip="">
+                            <dgm:adjLst/>
+                          </dgm:shape>
+                          <dgm:presOf/>
+                          <dgm:constrLst>
+                            <dgm:constr type="bendDist" for="des" ptType="parTrans" refType="sp" fact="0.5"/>
+                          </dgm:constrLst>
+                          <dgm:ruleLst/>
+                          <dgm:layoutNode name="composite3">
+                            <dgm:alg type="composite"/>
+                            <dgm:shape xmlns:r="http://schemas.openxmlformats.org/officeDocument/2006/relationships" r:blip="">
+                              <dgm:adjLst/>
+                            </dgm:shape>
+                            <dgm:presOf/>
+                            <dgm:constrLst>
+                              <dgm:constr type="w" for="ch" forName="background3" refType="w" fact="0.9"/>
+                              <dgm:constr type="h" for="ch" forName="background3" refType="w" refFor="ch" refForName="background3" fact="0.635"/>
+                              <dgm:constr type="t" for="ch" forName="background3"/>
+                              <dgm:constr type="l" for="ch" forName="background3"/>
+                              <dgm:constr type="w" for="ch" forName="text3" refType="w" fact="0.9"/>
+                              <dgm:constr type="h" for="ch" forName="text3" refType="w" refFor="ch" refForName="text3" fact="0.635"/>
+                              <dgm:constr type="t" for="ch" forName="text3" refType="w" fact="0.095"/>
+                              <dgm:constr type="l" for="ch" forName="text3" refType="w" fact="0.1"/>
+                            </dgm:constrLst>
+                            <dgm:ruleLst/>
+                            <dgm:layoutNode name="background3" moveWith="text3">
+                              <dgm:alg type="sp"/>
+                              <dgm:shape xmlns:r="http://schemas.openxmlformats.org/officeDocument/2006/relationships" type="roundRect" r:blip="">
+                                <dgm:adjLst>
+                                  <dgm:adj idx="1" val="0.1"/>
+                                </dgm:adjLst>
+                              </dgm:shape>
+                              <dgm:presOf/>
+                              <dgm:constrLst/>
+                              <dgm:ruleLst/>
+                            </dgm:layoutNode>
+                            <dgm:layoutNode name="text3" styleLbl="fgAcc3">
+                              <dgm:varLst>
+                                <dgm:chPref val="3"/>
+                              </dgm:varLst>
+                              <dgm:alg type="tx"/>
+                              <dgm:shape xmlns:r="http://schemas.openxmlformats.org/officeDocument/2006/relationships" type="roundRect" r:blip="">
+                                <dgm:adjLst>
+                                  <dgm:adj idx="1" val="0.1"/>
+                                </dgm:adjLst>
+                              </dgm:shape>
+                              <dgm:presOf axis="self"/>
+                              <dgm:constrLst>
+                                <dgm:constr type="tMarg" refType="primFontSz" fact="0.3"/>
+                                <dgm:constr type="bMarg" refType="primFontSz" fact="0.3"/>
+                                <dgm:constr type="lMarg" refType="primFontSz" fact="0.3"/>
+                                <dgm:constr type="rMarg" refType="primFontSz" fact="0.3"/>
+                              </dgm:constrLst>
+                              <dgm:ruleLst>
+                                <dgm:rule type="primFontSz" val="5" fact="NaN" max="NaN"/>
+                              </dgm:ruleLst>
+                            </dgm:layoutNode>
+                          </dgm:layoutNode>
+                          <dgm:layoutNode name="hierChild4">
+                            <dgm:choose name="Name19">
+                              <dgm:if name="Name20" func="var" arg="dir" op="equ" val="norm">
+                                <dgm:alg type="hierChild">
+                                  <dgm:param type="linDir" val="fromL"/>
+                                </dgm:alg>
+                              </dgm:if>
+                              <dgm:else name="Name21">
+                                <dgm:alg type="hierChild">
+                                  <dgm:param type="linDir" val="fromR"/>
+                                </dgm:alg>
+                              </dgm:else>
+                            </dgm:choose>
+                            <dgm:shape xmlns:r="http://schemas.openxmlformats.org/officeDocument/2006/relationships" r:blip="">
+                              <dgm:adjLst/>
+                            </dgm:shape>
+                            <dgm:presOf/>
+                            <dgm:constrLst/>
+                            <dgm:ruleLst/>
+                            <dgm:forEach name="repeat" axis="ch">
+                              <dgm:forEach name="Name22" axis="self" ptType="parTrans" cnt="1">
+                                <dgm:layoutNode name="Name23">
+                                  <dgm:choose name="Name24">
+                                    <dgm:if name="Name25" axis="self" func="depth" op="lte" val="4">
+                                      <dgm:alg type="conn">
+                                        <dgm:param type="dim" val="1D"/>
+                                        <dgm:param type="endSty" val="noArr"/>
+                                        <dgm:param type="connRout" val="bend"/>
+                                        <dgm:param type="bendPt" val="end"/>
+                                        <dgm:param type="begPts" val="bCtr"/>
+                                        <dgm:param type="endPts" val="tCtr"/>
+                                        <dgm:param type="srcNode" val="background3"/>
+                                        <dgm:param type="dstNode" val="background4"/>
+                                      </dgm:alg>
+                                    </dgm:if>
+                                    <dgm:else name="Name26">
+                                      <dgm:alg type="conn">
+                                        <dgm:param type="dim" val="1D"/>
+                                        <dgm:param type="endSty" val="noArr"/>
+                                        <dgm:param type="connRout" val="bend"/>
+                                        <dgm:param type="bendPt" val="end"/>
+                                        <dgm:param type="begPts" val="bCtr"/>
+                                        <dgm:param type="endPts" val="tCtr"/>
+                                        <dgm:param type="srcNode" val="background4"/>
+                                        <dgm:param type="dstNode" val="background4"/>
+                                      </dgm:alg>
+                                    </dgm:else>
+                                  </dgm:choose>
+                                  <dgm:shape xmlns:r="http://schemas.openxmlformats.org/officeDocument/2006/relationships" type="conn" r:blip="" zOrderOff="-999">
+                                    <dgm:adjLst/>
+                                  </dgm:shape>
+                                  <dgm:presOf axis="self"/>
+                                  <dgm:constrLst>
+                                    <dgm:constr type="begPad"/>
+                                    <dgm:constr type="endPad"/>
+                                  </dgm:constrLst>
+                                  <dgm:ruleLst/>
+                                </dgm:layoutNode>
+                              </dgm:forEach>
+                              <dgm:forEach name="Name27" axis="self" ptType="node">
+                                <dgm:layoutNode name="hierRoot4">
+                                  <dgm:alg type="hierRoot"/>
+                                  <dgm:shape xmlns:r="http://schemas.openxmlformats.org/officeDocument/2006/relationships" r:blip="">
+                                    <dgm:adjLst/>
+                                  </dgm:shape>
+                                  <dgm:presOf/>
+                                  <dgm:constrLst>
+                                    <dgm:constr type="bendDist" for="des" ptType="parTrans" refType="sp" fact="0.5"/>
+                                  </dgm:constrLst>
+                                  <dgm:ruleLst/>
+                                  <dgm:layoutNode name="composite4">
+                                    <dgm:alg type="composite"/>
+                                    <dgm:shape xmlns:r="http://schemas.openxmlformats.org/officeDocument/2006/relationships" r:blip="">
+                                      <dgm:adjLst/>
+                                    </dgm:shape>
+                                    <dgm:presOf/>
+                                    <dgm:constrLst>
+                                      <dgm:constr type="w" for="ch" forName="background4" refType="w" fact="0.9"/>
+                                      <dgm:constr type="h" for="ch" forName="background4" refType="w" refFor="ch" refForName="background4" fact="0.635"/>
+                                      <dgm:constr type="t" for="ch" forName="background4"/>
+                                      <dgm:constr type="l" for="ch" forName="background4"/>
+                                      <dgm:constr type="w" for="ch" forName="text4" refType="w" fact="0.9"/>
+                                      <dgm:constr type="h" for="ch" forName="text4" refType="w" refFor="ch" refForName="text4" fact="0.635"/>
+                                      <dgm:constr type="t" for="ch" forName="text4" refType="w" fact="0.095"/>
+                                      <dgm:constr type="l" for="ch" forName="text4" refType="w" fact="0.1"/>
+                                    </dgm:constrLst>
+                                    <dgm:ruleLst/>
+                                    <dgm:layoutNode name="background4" moveWith="text4">
+                                      <dgm:alg type="sp"/>
+                                      <dgm:shape xmlns:r="http://schemas.openxmlformats.org/officeDocument/2006/relationships" type="roundRect" r:blip="">
+                                        <dgm:adjLst>
+                                          <dgm:adj idx="1" val="0.1"/>
+                                        </dgm:adjLst>
+                                      </dgm:shape>
+                                      <dgm:presOf/>
+                                      <dgm:constrLst/>
+                                      <dgm:ruleLst/>
+                                    </dgm:layoutNode>
+                                    <dgm:layoutNode name="text4" styleLbl="fgAcc4">
+                                      <dgm:varLst>
+                                        <dgm:chPref val="3"/>
+                                      </dgm:varLst>
+                                      <dgm:alg type="tx"/>
+                                      <dgm:shape xmlns:r="http://schemas.openxmlformats.org/officeDocument/2006/relationships" type="roundRect" r:blip="">
+                                        <dgm:adjLst>
+                                          <dgm:adj idx="1" val="0.1"/>
+                                        </dgm:adjLst>
+                                      </dgm:shape>
+                                      <dgm:presOf axis="self"/>
+                                      <dgm:constrLst>
+                                        <dgm:constr type="tMarg" refType="primFontSz" fact="0.3"/>
+                                        <dgm:constr type="bMarg" refType="primFontSz" fact="0.3"/>
+                                        <dgm:constr type="lMarg" refType="primFontSz" fact="0.3"/>
+                                        <dgm:constr type="rMarg" refType="primFontSz" fact="0.3"/>
+                                      </dgm:constrLst>
+                                      <dgm:ruleLst>
+                                        <dgm:rule type="primFontSz" val="5" fact="NaN" max="NaN"/>
+                                      </dgm:ruleLst>
+                                    </dgm:layoutNode>
+                                  </dgm:layoutNode>
+                                  <dgm:layoutNode name="hierChild5">
+                                    <dgm:choose name="Name28">
+                                      <dgm:if name="Name29" func="var" arg="dir" op="equ" val="norm">
+                                        <dgm:alg type="hierChild">
+                                          <dgm:param type="linDir" val="fromL"/>
+                                        </dgm:alg>
+                                      </dgm:if>
+                                      <dgm:else name="Name30">
+                                        <dgm:alg type="hierChild">
+                                          <dgm:param type="linDir" val="fromR"/>
+                                        </dgm:alg>
+                                      </dgm:else>
+                                    </dgm:choose>
+                                    <dgm:shape xmlns:r="http://schemas.openxmlformats.org/officeDocument/2006/relationships" r:blip="">
+                                      <dgm:adjLst/>
+                                    </dgm:shape>
+                                    <dgm:presOf/>
+                                    <dgm:constrLst/>
+                                    <dgm:ruleLst/>
+                                    <dgm:forEach name="Name31" ref="repeat"/>
+                                  </dgm:layoutNode>
+                                </dgm:layoutNode>
+                              </dgm:forEach>
+                            </dgm:forEach>
+                          </dgm:layoutNode>
+                        </dgm:layoutNode>
+                      </dgm:forEach>
+                    </dgm:forEach>
+                  </dgm:layoutNode>
+                </dgm:layoutNode>
+              </dgm:forEach>
+            </dgm:forEach>
+          </dgm:layoutNode>
+        </dgm:layoutNode>
+      </dgm:forEach>
+    </dgm:forEach>
+  </dgm:layoutNode>
+</dgm:layoutDef>
+</file>
+
+<file path=ppt/diagrams/quickStyle1.xml><?xml version="1.0" encoding="utf-8"?>
+<dgm:styleDef xmlns:dgm="http://schemas.openxmlformats.org/drawingml/2006/diagram" xmlns:a="http://schemas.openxmlformats.org/drawingml/2006/main" uniqueId="urn:microsoft.com/office/officeart/2005/8/quickstyle/simple1">
+  <dgm:title val=""/>
+  <dgm:desc val=""/>
+  <dgm:catLst>
+    <dgm:cat type="simple" pri="10100"/>
+  </dgm:catLst>
+  <dgm:scene3d>
+    <a:camera prst="orthographicFront"/>
+    <a:lightRig rig="threePt" dir="t"/>
+  </dgm:scene3d>
+  <dgm:styleLbl name="node0">
+    <dgm:scene3d>
+      <a:camera prst="orthographicFront"/>
+      <a:lightRig rig="threePt" dir="t"/>
+    </dgm:scene3d>
+    <dgm:sp3d/>
+    <dgm:txPr/>
+    <dgm:style>
+      <a:lnRef idx="2">
+        <a:scrgbClr r="0" g="0" b="0"/>
+      </a:lnRef>
+      <a:fillRef idx="1">
+        <a:scrgbClr r="0" g="0" b="0"/>
+      </a:fillRef>
+      <a:effectRef idx="0">
+        <a:scrgbClr r="0" g="0" b="0"/>
+      </a:effectRef>
+      <a:fontRef idx="minor">
+        <a:schemeClr val="lt1"/>
+      </a:fontRef>
+    </dgm:style>
+  </dgm:styleLbl>
+  <dgm:styleLbl name="lnNode1">
+    <dgm:scene3d>
+      <a:camera prst="orthographicFront"/>
+      <a:lightRig rig="threePt" dir="t"/>
+    </dgm:scene3d>
+    <dgm:sp3d/>
+    <dgm:txPr/>
+    <dgm:style>
+      <a:lnRef idx="2">
+        <a:scrgbClr r="0" g="0" b="0"/>
+      </a:lnRef>
+      <a:fillRef idx="1">
+        <a:scrgbClr r="0" g="0" b="0"/>
+      </a:fillRef>
+      <a:effectRef idx="0">
+        <a:scrgbClr r="0" g="0" b="0"/>
+      </a:effectRef>
+      <a:fontRef idx="minor">
+        <a:schemeClr val="lt1"/>
+      </a:fontRef>
+    </dgm:style>
+  </dgm:styleLbl>
+  <dgm:styleLbl name="vennNode1">
+    <dgm:scene3d>
+      <a:camera prst="orthographicFront"/>
+      <a:lightRig rig="threePt" dir="t"/>
+    </dgm:scene3d>
+    <dgm:sp3d/>
+    <dgm:txPr/>
+    <dgm:style>
+      <a:lnRef idx="2">
+        <a:scrgbClr r="0" g="0" b="0"/>
+      </a:lnRef>
+      <a:fillRef idx="1">
+        <a:scrgbClr r="0" g="0" b="0"/>
+      </a:fillRef>
+      <a:effectRef idx="0">
+        <a:scrgbClr r="0" g="0" b="0"/>
+      </a:effectRef>
+      <a:fontRef idx="minor">
+        <a:schemeClr val="tx1"/>
+      </a:fontRef>
+    </dgm:style>
+  </dgm:styleLbl>
+  <dgm:styleLbl name="alignNode1">
+    <dgm:scene3d>
+      <a:camera prst="orthographicFront"/>
+      <a:lightRig rig="threePt" dir="t"/>
+    </dgm:scene3d>
+    <dgm:sp3d/>
+    <dgm:txPr/>
+    <dgm:style>
+      <a:lnRef idx="2">
+        <a:scrgbClr r="0" g="0" b="0"/>
+      </a:lnRef>
+      <a:fillRef idx="1">
+        <a:scrgbClr r="0" g="0" b="0"/>
+      </a:fillRef>
+      <a:effectRef idx="0">
+        <a:scrgbClr r="0" g="0" b="0"/>
+      </a:effectRef>
+      <a:fontRef idx="minor">
+        <a:schemeClr val="lt1"/>
+      </a:fontRef>
+    </dgm:style>
+  </dgm:styleLbl>
+  <dgm:styleLbl name="node1">
+    <dgm:scene3d>
+      <a:camera prst="orthographicFront"/>
+      <a:lightRig rig="threePt" dir="t"/>
+    </dgm:scene3d>
+    <dgm:sp3d/>
+    <dgm:txPr/>
+    <dgm:style>
+      <a:lnRef idx="2">
+        <a:scrgbClr r="0" g="0" b="0"/>
+      </a:lnRef>
+      <a:fillRef idx="1">
+        <a:scrgbClr r="0" g="0" b="0"/>
+      </a:fillRef>
+      <a:effectRef idx="0">
+        <a:scrgbClr r="0" g="0" b="0"/>
+      </a:effectRef>
+      <a:fontRef idx="minor">
+        <a:schemeClr val="lt1"/>
+      </a:fontRef>
+    </dgm:style>
+  </dgm:styleLbl>
+  <dgm:styleLbl name="node2">
+    <dgm:scene3d>
+      <a:camera prst="orthographicFront"/>
+      <a:lightRig rig="threePt" dir="t"/>
+    </dgm:scene3d>
+    <dgm:sp3d/>
+    <dgm:txPr/>
+    <dgm:style>
+      <a:lnRef idx="2">
+        <a:scrgbClr r="0" g="0" b="0"/>
+      </a:lnRef>
+      <a:fillRef idx="1">
+        <a:scrgbClr r="0" g="0" b="0"/>
+      </a:fillRef>
+      <a:effectRef idx="0">
+        <a:scrgbClr r="0" g="0" b="0"/>
+      </a:effectRef>
+      <a:fontRef idx="minor">
+        <a:schemeClr val="lt1"/>
+      </a:fontRef>
+    </dgm:style>
+  </dgm:styleLbl>
+  <dgm:styleLbl name="node3">
+    <dgm:scene3d>
+      <a:camera prst="orthographicFront"/>
+      <a:lightRig rig="threePt" dir="t"/>
+    </dgm:scene3d>
+    <dgm:sp3d/>
+    <dgm:txPr/>
+    <dgm:style>
+      <a:lnRef idx="2">
+        <a:scrgbClr r="0" g="0" b="0"/>
+      </a:lnRef>
+      <a:fillRef idx="1">
+        <a:scrgbClr r="0" g="0" b="0"/>
+      </a:fillRef>
+      <a:effectRef idx="0">
+        <a:scrgbClr r="0" g="0" b="0"/>
+      </a:effectRef>
+      <a:fontRef idx="minor">
+        <a:schemeClr val="lt1"/>
+      </a:fontRef>
+    </dgm:style>
+  </dgm:styleLbl>
+  <dgm:styleLbl name="node4">
+    <dgm:scene3d>
+      <a:camera prst="orthographicFront"/>
+      <a:lightRig rig="threePt" dir="t"/>
+    </dgm:scene3d>
+    <dgm:sp3d/>
+    <dgm:txPr/>
+    <dgm:style>
+      <a:lnRef idx="2">
+        <a:scrgbClr r="0" g="0" b="0"/>
+      </a:lnRef>
+      <a:fillRef idx="1">
+        <a:scrgbClr r="0" g="0" b="0"/>
+      </a:fillRef>
+      <a:effectRef idx="0">
+        <a:scrgbClr r="0" g="0" b="0"/>
+      </a:effectRef>
+      <a:fontRef idx="minor">
+        <a:schemeClr val="lt1"/>
+      </a:fontRef>
+    </dgm:style>
+  </dgm:styleLbl>
+  <dgm:styleLbl name="fgImgPlace1">
+    <dgm:scene3d>
+      <a:camera prst="orthographicFront"/>
+      <a:lightRig rig="threePt" dir="t"/>
+    </dgm:scene3d>
+    <dgm:sp3d/>
+    <dgm:txPr/>
+    <dgm:style>
+      <a:lnRef idx="2">
+        <a:scrgbClr r="0" g="0" b="0"/>
+      </a:lnRef>
+      <a:fillRef idx="1">
+        <a:scrgbClr r="0" g="0" b="0"/>
+      </a:fillRef>
+      <a:effectRef idx="0">
+        <a:scrgbClr r="0" g="0" b="0"/>
+      </a:effectRef>
+      <a:fontRef idx="minor"/>
+    </dgm:style>
+  </dgm:styleLbl>
+  <dgm:styleLbl name="alignImgPlace1">
+    <dgm:scene3d>
+      <a:camera prst="orthographicFront"/>
+      <a:lightRig rig="threePt" dir="t"/>
+    </dgm:scene3d>
+    <dgm:sp3d/>
+    <dgm:txPr/>
+    <dgm:style>
+      <a:lnRef idx="2">
+        <a:scrgbClr r="0" g="0" b="0"/>
+      </a:lnRef>
+      <a:fillRef idx="1">
+        <a:scrgbClr r="0" g="0" b="0"/>
+      </a:fillRef>
+      <a:effectRef idx="0">
+        <a:scrgbClr r="0" g="0" b="0"/>
+      </a:effectRef>
+      <a:fontRef idx="minor"/>
+    </dgm:style>
+  </dgm:styleLbl>
+  <dgm:styleLbl name="bgImgPlace1">
+    <dgm:scene3d>
+      <a:camera prst="orthographicFront"/>
+      <a:lightRig rig="threePt" dir="t"/>
+    </dgm:scene3d>
+    <dgm:sp3d/>
+    <dgm:txPr/>
+    <dgm:style>
+      <a:lnRef idx="2">
+        <a:scrgbClr r="0" g="0" b="0"/>
+      </a:lnRef>
+      <a:fillRef idx="1">
+        <a:scrgbClr r="0" g="0" b="0"/>
+      </a:fillRef>
+      <a:effectRef idx="0">
+        <a:scrgbClr r="0" g="0" b="0"/>
+      </a:effectRef>
+      <a:fontRef idx="minor"/>
+    </dgm:style>
+  </dgm:styleLbl>
+  <dgm:styleLbl name="sibTrans2D1">
+    <dgm:scene3d>
+      <a:camera prst="orthographicFront"/>
+      <a:lightRig rig="threePt" dir="t"/>
+    </dgm:scene3d>
+    <dgm:sp3d/>
+    <dgm:txPr/>
+    <dgm:style>
+      <a:lnRef idx="0">
+        <a:scrgbClr r="0" g="0" b="0"/>
+      </a:lnRef>
+      <a:fillRef idx="1">
+        <a:scrgbClr r="0" g="0" b="0"/>
+      </a:fillRef>
+      <a:effectRef idx="0">
+        <a:scrgbClr r="0" g="0" b="0"/>
+      </a:effectRef>
+      <a:fontRef idx="minor">
+        <a:schemeClr val="lt1"/>
+      </a:fontRef>
+    </dgm:style>
+  </dgm:styleLbl>
+  <dgm:styleLbl name="fgSibTrans2D1">
+    <dgm:scene3d>
+      <a:camera prst="orthographicFront"/>
+      <a:lightRig rig="threePt" dir="t"/>
+    </dgm:scene3d>
+    <dgm:sp3d/>
+    <dgm:txPr/>
+    <dgm:style>
+      <a:lnRef idx="0">
+        <a:scrgbClr r="0" g="0" b="0"/>
+      </a:lnRef>
+      <a:fillRef idx="1">
+        <a:scrgbClr r="0" g="0" b="0"/>
+      </a:fillRef>
+      <a:effectRef idx="0">
+        <a:scrgbClr r="0" g="0" b="0"/>
+      </a:effectRef>
+      <a:fontRef idx="minor">
+        <a:schemeClr val="lt1"/>
+      </a:fontRef>
+    </dgm:style>
+  </dgm:styleLbl>
+  <dgm:styleLbl name="bgSibTrans2D1">
+    <dgm:scene3d>
+      <a:camera prst="orthographicFront"/>
+      <a:lightRig rig="threePt" dir="t"/>
+    </dgm:scene3d>
+    <dgm:sp3d/>
+    <dgm:txPr/>
+    <dgm:style>
+      <a:lnRef idx="0">
+        <a:scrgbClr r="0" g="0" b="0"/>
+      </a:lnRef>
+      <a:fillRef idx="1">
+        <a:scrgbClr r="0" g="0" b="0"/>
+      </a:fillRef>
+      <a:effectRef idx="0">
+        <a:scrgbClr r="0" g="0" b="0"/>
+      </a:effectRef>
+      <a:fontRef idx="minor">
+        <a:schemeClr val="lt1"/>
+      </a:fontRef>
+    </dgm:style>
+  </dgm:styleLbl>
+  <dgm:styleLbl name="sibTrans1D1">
+    <dgm:scene3d>
+      <a:camera prst="orthographicFront"/>
+      <a:lightRig rig="threePt" dir="t"/>
+    </dgm:scene3d>
+    <dgm:sp3d/>
+    <dgm:txPr/>
+    <dgm:style>
+      <a:lnRef idx="1">
+        <a:scrgbClr r="0" g="0" b="0"/>
+      </a:lnRef>
+      <a:fillRef idx="0">
+        <a:scrgbClr r="0" g="0" b="0"/>
+      </a:fillRef>
+      <a:effectRef idx="0">
+        <a:scrgbClr r="0" g="0" b="0"/>
+      </a:effectRef>
+      <a:fontRef idx="minor"/>
+    </dgm:style>
+  </dgm:styleLbl>
+  <dgm:styleLbl name="callout">
+    <dgm:scene3d>
+      <a:camera prst="orthographicFront"/>
+      <a:lightRig rig="threePt" dir="t"/>
+    </dgm:scene3d>
+    <dgm:sp3d/>
+    <dgm:txPr/>
+    <dgm:style>
+      <a:lnRef idx="2">
+        <a:scrgbClr r="0" g="0" b="0"/>
+      </a:lnRef>
+      <a:fillRef idx="1">
+        <a:scrgbClr r="0" g="0" b="0"/>
+      </a:fillRef>
+      <a:effectRef idx="0">
+        <a:scrgbClr r="0" g="0" b="0"/>
+      </a:effectRef>
+      <a:fontRef idx="minor"/>
+    </dgm:style>
+  </dgm:styleLbl>
+  <dgm:styleLbl name="asst0">
+    <dgm:scene3d>
+      <a:camera prst="orthographicFront"/>
+      <a:lightRig rig="threePt" dir="t"/>
+    </dgm:scene3d>
+    <dgm:sp3d/>
+    <dgm:txPr/>
+    <dgm:style>
+      <a:lnRef idx="2">
+        <a:scrgbClr r="0" g="0" b="0"/>
+      </a:lnRef>
+      <a:fillRef idx="1">
+        <a:scrgbClr r="0" g="0" b="0"/>
+      </a:fillRef>
+      <a:effectRef idx="0">
+        <a:scrgbClr r="0" g="0" b="0"/>
+      </a:effectRef>
+      <a:fontRef idx="minor">
+        <a:schemeClr val="lt1"/>
+      </a:fontRef>
+    </dgm:style>
+  </dgm:styleLbl>
+  <dgm:styleLbl name="asst1">
+    <dgm:scene3d>
+      <a:camera prst="orthographicFront"/>
+      <a:lightRig rig="threePt" dir="t"/>
+    </dgm:scene3d>
+    <dgm:sp3d/>
+    <dgm:txPr/>
+    <dgm:style>
+      <a:lnRef idx="2">
+        <a:scrgbClr r="0" g="0" b="0"/>
+      </a:lnRef>
+      <a:fillRef idx="1">
+        <a:scrgbClr r="0" g="0" b="0"/>
+      </a:fillRef>
+      <a:effectRef idx="0">
+        <a:scrgbClr r="0" g="0" b="0"/>
+      </a:effectRef>
+      <a:fontRef idx="minor">
+        <a:schemeClr val="lt1"/>
+      </a:fontRef>
+    </dgm:style>
+  </dgm:styleLbl>
+  <dgm:styleLbl name="asst2">
+    <dgm:scene3d>
+      <a:camera prst="orthographicFront"/>
+      <a:lightRig rig="threePt" dir="t"/>
+    </dgm:scene3d>
+    <dgm:sp3d/>
+    <dgm:txPr/>
+    <dgm:style>
+      <a:lnRef idx="2">
+        <a:scrgbClr r="0" g="0" b="0"/>
+      </a:lnRef>
+      <a:fillRef idx="1">
+        <a:scrgbClr r="0" g="0" b="0"/>
+      </a:fillRef>
+      <a:effectRef idx="0">
+        <a:scrgbClr r="0" g="0" b="0"/>
+      </a:effectRef>
+      <a:fontRef idx="minor">
+        <a:schemeClr val="lt1"/>
+      </a:fontRef>
+    </dgm:style>
+  </dgm:styleLbl>
+  <dgm:styleLbl name="asst3">
+    <dgm:scene3d>
+      <a:camera prst="orthographicFront"/>
+      <a:lightRig rig="threePt" dir="t"/>
+    </dgm:scene3d>
+    <dgm:sp3d/>
+    <dgm:txPr/>
+    <dgm:style>
+      <a:lnRef idx="2">
+        <a:scrgbClr r="0" g="0" b="0"/>
+      </a:lnRef>
+      <a:fillRef idx="1">
+        <a:scrgbClr r="0" g="0" b="0"/>
+      </a:fillRef>
+      <a:effectRef idx="0">
+        <a:scrgbClr r="0" g="0" b="0"/>
+      </a:effectRef>
+      <a:fontRef idx="minor">
+        <a:schemeClr val="lt1"/>
+      </a:fontRef>
+    </dgm:style>
+  </dgm:styleLbl>
+  <dgm:styleLbl name="asst4">
+    <dgm:scene3d>
+      <a:camera prst="orthographicFront"/>
+      <a:lightRig rig="threePt" dir="t"/>
+    </dgm:scene3d>
+    <dgm:sp3d/>
+    <dgm:txPr/>
+    <dgm:style>
+      <a:lnRef idx="2">
+        <a:scrgbClr r="0" g="0" b="0"/>
+      </a:lnRef>
+      <a:fillRef idx="1">
+        <a:scrgbClr r="0" g="0" b="0"/>
+      </a:fillRef>
+      <a:effectRef idx="0">
+        <a:scrgbClr r="0" g="0" b="0"/>
+      </a:effectRef>
+      <a:fontRef idx="minor">
+        <a:schemeClr val="lt1"/>
+      </a:fontRef>
+    </dgm:style>
+  </dgm:styleLbl>
+  <dgm:styleLbl name="parChTrans2D1">
+    <dgm:scene3d>
+      <a:camera prst="orthographicFront"/>
+      <a:lightRig rig="threePt" dir="t"/>
+    </dgm:scene3d>
+    <dgm:sp3d/>
+    <dgm:txPr/>
+    <dgm:style>
+      <a:lnRef idx="2">
+        <a:scrgbClr r="0" g="0" b="0"/>
+      </a:lnRef>
+      <a:fillRef idx="1">
+        <a:scrgbClr r="0" g="0" b="0"/>
+      </a:fillRef>
+      <a:effectRef idx="0">
+        <a:scrgbClr r="0" g="0" b="0"/>
+      </a:effectRef>
+      <a:fontRef idx="minor">
+        <a:schemeClr val="lt1"/>
+      </a:fontRef>
+    </dgm:style>
+  </dgm:styleLbl>
+  <dgm:styleLbl name="parChTrans2D2">
+    <dgm:scene3d>
+      <a:camera prst="orthographicFront"/>
+      <a:lightRig rig="threePt" dir="t"/>
+    </dgm:scene3d>
+    <dgm:sp3d/>
+    <dgm:txPr/>
+    <dgm:style>
+      <a:lnRef idx="2">
+        <a:scrgbClr r="0" g="0" b="0"/>
+      </a:lnRef>
+      <a:fillRef idx="1">
+        <a:scrgbClr r="0" g="0" b="0"/>
+      </a:fillRef>
+      <a:effectRef idx="0">
+        <a:scrgbClr r="0" g="0" b="0"/>
+      </a:effectRef>
+      <a:fontRef idx="minor">
+        <a:schemeClr val="lt1"/>
+      </a:fontRef>
+    </dgm:style>
+  </dgm:styleLbl>
+  <dgm:styleLbl name="parChTrans2D3">
+    <dgm:scene3d>
+      <a:camera prst="orthographicFront"/>
+      <a:lightRig rig="threePt" dir="t"/>
+    </dgm:scene3d>
+    <dgm:sp3d/>
+    <dgm:txPr/>
+    <dgm:style>
+      <a:lnRef idx="2">
+        <a:scrgbClr r="0" g="0" b="0"/>
+      </a:lnRef>
+      <a:fillRef idx="1">
+        <a:scrgbClr r="0" g="0" b="0"/>
+      </a:fillRef>
+      <a:effectRef idx="0">
+        <a:scrgbClr r="0" g="0" b="0"/>
+      </a:effectRef>
+      <a:fontRef idx="minor">
+        <a:schemeClr val="lt1"/>
+      </a:fontRef>
+    </dgm:style>
+  </dgm:styleLbl>
+  <dgm:styleLbl name="parChTrans2D4">
+    <dgm:scene3d>
+      <a:camera prst="orthographicFront"/>
+      <a:lightRig rig="threePt" dir="t"/>
+    </dgm:scene3d>
+    <dgm:sp3d/>
+    <dgm:txPr/>
+    <dgm:style>
+      <a:lnRef idx="2">
+        <a:scrgbClr r="0" g="0" b="0"/>
+      </a:lnRef>
+      <a:fillRef idx="1">
+        <a:scrgbClr r="0" g="0" b="0"/>
+      </a:fillRef>
+      <a:effectRef idx="0">
+        <a:scrgbClr r="0" g="0" b="0"/>
+      </a:effectRef>
+      <a:fontRef idx="minor">
+        <a:schemeClr val="lt1"/>
+      </a:fontRef>
+    </dgm:style>
+  </dgm:styleLbl>
+  <dgm:styleLbl name="parChTrans1D1">
+    <dgm:scene3d>
+      <a:camera prst="orthographicFront"/>
+      <a:lightRig rig="threePt" dir="t"/>
+    </dgm:scene3d>
+    <dgm:sp3d/>
+    <dgm:txPr/>
+    <dgm:style>
+      <a:lnRef idx="2">
+        <a:scrgbClr r="0" g="0" b="0"/>
+      </a:lnRef>
+      <a:fillRef idx="0">
+        <a:scrgbClr r="0" g="0" b="0"/>
+      </a:fillRef>
+      <a:effectRef idx="0">
+        <a:scrgbClr r="0" g="0" b="0"/>
+      </a:effectRef>
+      <a:fontRef idx="minor"/>
+    </dgm:style>
+  </dgm:styleLbl>
+  <dgm:styleLbl name="parChTrans1D2">
+    <dgm:scene3d>
+      <a:camera prst="orthographicFront"/>
+      <a:lightRig rig="threePt" dir="t"/>
+    </dgm:scene3d>
+    <dgm:sp3d/>
+    <dgm:txPr/>
+    <dgm:style>
+      <a:lnRef idx="2">
+        <a:scrgbClr r="0" g="0" b="0"/>
+      </a:lnRef>
+      <a:fillRef idx="0">
+        <a:scrgbClr r="0" g="0" b="0"/>
+      </a:fillRef>
+      <a:effectRef idx="0">
+        <a:scrgbClr r="0" g="0" b="0"/>
+      </a:effectRef>
+      <a:fontRef idx="minor"/>
+    </dgm:style>
+  </dgm:styleLbl>
+  <dgm:styleLbl name="parChTrans1D3">
+    <dgm:scene3d>
+      <a:camera prst="orthographicFront"/>
+      <a:lightRig rig="threePt" dir="t"/>
+    </dgm:scene3d>
+    <dgm:sp3d/>
+    <dgm:txPr/>
+    <dgm:style>
+      <a:lnRef idx="2">
+        <a:scrgbClr r="0" g="0" b="0"/>
+      </a:lnRef>
+      <a:fillRef idx="0">
+        <a:scrgbClr r="0" g="0" b="0"/>
+      </a:fillRef>
+      <a:effectRef idx="0">
+        <a:scrgbClr r="0" g="0" b="0"/>
+      </a:effectRef>
+      <a:fontRef idx="minor"/>
+    </dgm:style>
+  </dgm:styleLbl>
+  <dgm:styleLbl name="parChTrans1D4">
+    <dgm:scene3d>
+      <a:camera prst="orthographicFront"/>
+      <a:lightRig rig="threePt" dir="t"/>
+    </dgm:scene3d>
+    <dgm:sp3d/>
+    <dgm:txPr/>
+    <dgm:style>
+      <a:lnRef idx="2">
+        <a:scrgbClr r="0" g="0" b="0"/>
+      </a:lnRef>
+      <a:fillRef idx="0">
+        <a:scrgbClr r="0" g="0" b="0"/>
+      </a:fillRef>
+      <a:effectRef idx="0">
+        <a:scrgbClr r="0" g="0" b="0"/>
+      </a:effectRef>
+      <a:fontRef idx="minor"/>
+    </dgm:style>
+  </dgm:styleLbl>
+  <dgm:styleLbl name="fgAcc1">
+    <dgm:scene3d>
+      <a:camera prst="orthographicFront"/>
+      <a:lightRig rig="threePt" dir="t"/>
+    </dgm:scene3d>
+    <dgm:sp3d/>
+    <dgm:txPr/>
+    <dgm:style>
+      <a:lnRef idx="2">
+        <a:scrgbClr r="0" g="0" b="0"/>
+      </a:lnRef>
+      <a:fillRef idx="1">
+        <a:scrgbClr r="0" g="0" b="0"/>
+      </a:fillRef>
+      <a:effectRef idx="0">
+        <a:scrgbClr r="0" g="0" b="0"/>
+      </a:effectRef>
+      <a:fontRef idx="minor"/>
+    </dgm:style>
+  </dgm:styleLbl>
+  <dgm:styleLbl name="conFgAcc1">
+    <dgm:scene3d>
+      <a:camera prst="orthographicFront"/>
+      <a:lightRig rig="threePt" dir="t"/>
+    </dgm:scene3d>
+    <dgm:sp3d/>
+    <dgm:txPr/>
+    <dgm:style>
+      <a:lnRef idx="2">
+        <a:scrgbClr r="0" g="0" b="0"/>
+      </a:lnRef>
+      <a:fillRef idx="1">
+        <a:scrgbClr r="0" g="0" b="0"/>
+      </a:fillRef>
+      <a:effectRef idx="0">
+        <a:scrgbClr r="0" g="0" b="0"/>
+      </a:effectRef>
+      <a:fontRef idx="minor"/>
+    </dgm:style>
+  </dgm:styleLbl>
+  <dgm:styleLbl name="alignAcc1">
+    <dgm:scene3d>
+      <a:camera prst="orthographicFront"/>
+      <a:lightRig rig="threePt" dir="t"/>
+    </dgm:scene3d>
+    <dgm:sp3d/>
+    <dgm:txPr/>
+    <dgm:style>
+      <a:lnRef idx="2">
+        <a:scrgbClr r="0" g="0" b="0"/>
+      </a:lnRef>
+      <a:fillRef idx="1">
+        <a:scrgbClr r="0" g="0" b="0"/>
+      </a:fillRef>
+      <a:effectRef idx="0">
+        <a:scrgbClr r="0" g="0" b="0"/>
+      </a:effectRef>
+      <a:fontRef idx="minor"/>
+    </dgm:style>
+  </dgm:styleLbl>
+  <dgm:styleLbl name="trAlignAcc1">
+    <dgm:scene3d>
+      <a:camera prst="orthographicFront"/>
+      <a:lightRig rig="threePt" dir="t"/>
+    </dgm:scene3d>
+    <dgm:sp3d/>
+    <dgm:txPr/>
+    <dgm:style>
+      <a:lnRef idx="1">
+        <a:scrgbClr r="0" g="0" b="0"/>
+      </a:lnRef>
+      <a:fillRef idx="1">
+        <a:scrgbClr r="0" g="0" b="0"/>
+      </a:fillRef>
+      <a:effectRef idx="0">
+        <a:scrgbClr r="0" g="0" b="0"/>
+      </a:effectRef>
+      <a:fontRef idx="minor"/>
+    </dgm:style>
+  </dgm:styleLbl>
+  <dgm:styleLbl name="bgAcc1">
+    <dgm:scene3d>
+      <a:camera prst="orthographicFront"/>
+      <a:lightRig rig="threePt" dir="t"/>
+    </dgm:scene3d>
+    <dgm:sp3d/>
+    <dgm:txPr/>
+    <dgm:style>
+      <a:lnRef idx="2">
+        <a:scrgbClr r="0" g="0" b="0"/>
+      </a:lnRef>
+      <a:fillRef idx="1">
+        <a:scrgbClr r="0" g="0" b="0"/>
+      </a:fillRef>
+      <a:effectRef idx="0">
+        <a:scrgbClr r="0" g="0" b="0"/>
+      </a:effectRef>
+      <a:fontRef idx="minor"/>
+    </dgm:style>
+  </dgm:styleLbl>
+  <dgm:styleLbl name="solidFgAcc1">
+    <dgm:scene3d>
+      <a:camera prst="orthographicFront"/>
+      <a:lightRig rig="threePt" dir="t"/>
+    </dgm:scene3d>
+    <dgm:sp3d/>
+    <dgm:txPr/>
+    <dgm:style>
+      <a:lnRef idx="2">
+        <a:scrgbClr r="0" g="0" b="0"/>
+      </a:lnRef>
+      <a:fillRef idx="1">
+        <a:scrgbClr r="0" g="0" b="0"/>
+      </a:fillRef>
+      <a:effectRef idx="0">
+        <a:scrgbClr r="0" g="0" b="0"/>
+      </a:effectRef>
+      <a:fontRef idx="minor"/>
+    </dgm:style>
+  </dgm:styleLbl>
+  <dgm:styleLbl name="solidAlignAcc1">
+    <dgm:scene3d>
+      <a:camera prst="orthographicFront"/>
+      <a:lightRig rig="threePt" dir="t"/>
+    </dgm:scene3d>
+    <dgm:sp3d/>
+    <dgm:txPr/>
+    <dgm:style>
+      <a:lnRef idx="2">
+        <a:scrgbClr r="0" g="0" b="0"/>
+      </a:lnRef>
+      <a:fillRef idx="1">
+        <a:scrgbClr r="0" g="0" b="0"/>
+      </a:fillRef>
+      <a:effectRef idx="0">
+        <a:scrgbClr r="0" g="0" b="0"/>
+      </a:effectRef>
+      <a:fontRef idx="minor"/>
+    </dgm:style>
+  </dgm:styleLbl>
+  <dgm:styleLbl name="solidBgAcc1">
+    <dgm:scene3d>
+      <a:camera prst="orthographicFront"/>
+      <a:lightRig rig="threePt" dir="t"/>
+    </dgm:scene3d>
+    <dgm:sp3d/>
+    <dgm:txPr/>
+    <dgm:style>
+      <a:lnRef idx="2">
+        <a:scrgbClr r="0" g="0" b="0"/>
+      </a:lnRef>
+      <a:fillRef idx="1">
+        <a:scrgbClr r="0" g="0" b="0"/>
+      </a:fillRef>
+      <a:effectRef idx="0">
+        <a:scrgbClr r="0" g="0" b="0"/>
+      </a:effectRef>
+      <a:fontRef idx="minor"/>
+    </dgm:style>
+  </dgm:styleLbl>
+  <dgm:styleLbl name="fgAccFollowNode1">
+    <dgm:scene3d>
+      <a:camera prst="orthographicFront"/>
+      <a:lightRig rig="threePt" dir="t"/>
+    </dgm:scene3d>
+    <dgm:sp3d/>
+    <dgm:txPr/>
+    <dgm:style>
+      <a:lnRef idx="2">
+        <a:scrgbClr r="0" g="0" b="0"/>
+      </a:lnRef>
+      <a:fillRef idx="1">
+        <a:scrgbClr r="0" g="0" b="0"/>
+      </a:fillRef>
+      <a:effectRef idx="0">
+        <a:scrgbClr r="0" g="0" b="0"/>
+      </a:effectRef>
+      <a:fontRef idx="minor"/>
+    </dgm:style>
+  </dgm:styleLbl>
+  <dgm:styleLbl name="alignAccFollowNode1">
+    <dgm:scene3d>
+      <a:camera prst="orthographicFront"/>
+      <a:lightRig rig="threePt" dir="t"/>
+    </dgm:scene3d>
+    <dgm:sp3d/>
+    <dgm:txPr/>
+    <dgm:style>
+      <a:lnRef idx="2">
+        <a:scrgbClr r="0" g="0" b="0"/>
+      </a:lnRef>
+      <a:fillRef idx="1">
+        <a:scrgbClr r="0" g="0" b="0"/>
+      </a:fillRef>
+      <a:effectRef idx="0">
+        <a:scrgbClr r="0" g="0" b="0"/>
+      </a:effectRef>
+      <a:fontRef idx="minor"/>
+    </dgm:style>
+  </dgm:styleLbl>
+  <dgm:styleLbl name="bgAccFollowNode1">
+    <dgm:scene3d>
+      <a:camera prst="orthographicFront"/>
+      <a:lightRig rig="threePt" dir="t"/>
+    </dgm:scene3d>
+    <dgm:sp3d/>
+    <dgm:txPr/>
+    <dgm:style>
+      <a:lnRef idx="2">
+        <a:scrgbClr r="0" g="0" b="0"/>
+      </a:lnRef>
+      <a:fillRef idx="1">
+        <a:scrgbClr r="0" g="0" b="0"/>
+      </a:fillRef>
+      <a:effectRef idx="0">
+        <a:scrgbClr r="0" g="0" b="0"/>
+      </a:effectRef>
+      <a:fontRef idx="minor"/>
+    </dgm:style>
+  </dgm:styleLbl>
+  <dgm:styleLbl name="fgAcc0">
+    <dgm:scene3d>
+      <a:camera prst="orthographicFront"/>
+      <a:lightRig rig="threePt" dir="t"/>
+    </dgm:scene3d>
+    <dgm:sp3d/>
+    <dgm:txPr/>
+    <dgm:style>
+      <a:lnRef idx="2">
+        <a:scrgbClr r="0" g="0" b="0"/>
+      </a:lnRef>
+      <a:fillRef idx="1">
+        <a:scrgbClr r="0" g="0" b="0"/>
+      </a:fillRef>
+      <a:effectRef idx="0">
+        <a:scrgbClr r="0" g="0" b="0"/>
+      </a:effectRef>
+      <a:fontRef idx="minor"/>
+    </dgm:style>
+  </dgm:styleLbl>
+  <dgm:styleLbl name="fgAcc2">
+    <dgm:scene3d>
+      <a:camera prst="orthographicFront"/>
+      <a:lightRig rig="threePt" dir="t"/>
+    </dgm:scene3d>
+    <dgm:sp3d/>
+    <dgm:txPr/>
+    <dgm:style>
+      <a:lnRef idx="2">
+        <a:scrgbClr r="0" g="0" b="0"/>
+      </a:lnRef>
+      <a:fillRef idx="1">
+        <a:scrgbClr r="0" g="0" b="0"/>
+      </a:fillRef>
+      <a:effectRef idx="0">
+        <a:scrgbClr r="0" g="0" b="0"/>
+      </a:effectRef>
+      <a:fontRef idx="minor"/>
+    </dgm:style>
+  </dgm:styleLbl>
+  <dgm:styleLbl name="fgAcc3">
+    <dgm:scene3d>
+      <a:camera prst="orthographicFront"/>
+      <a:lightRig rig="threePt" dir="t"/>
+    </dgm:scene3d>
+    <dgm:sp3d/>
+    <dgm:txPr/>
+    <dgm:style>
+      <a:lnRef idx="2">
+        <a:scrgbClr r="0" g="0" b="0"/>
+      </a:lnRef>
+      <a:fillRef idx="1">
+        <a:scrgbClr r="0" g="0" b="0"/>
+      </a:fillRef>
+      <a:effectRef idx="0">
+        <a:scrgbClr r="0" g="0" b="0"/>
+      </a:effectRef>
+      <a:fontRef idx="minor"/>
+    </dgm:style>
+  </dgm:styleLbl>
+  <dgm:styleLbl name="fgAcc4">
+    <dgm:scene3d>
+      <a:camera prst="orthographicFront"/>
+      <a:lightRig rig="threePt" dir="t"/>
+    </dgm:scene3d>
+    <dgm:sp3d/>
+    <dgm:txPr/>
+    <dgm:style>
+      <a:lnRef idx="2">
+        <a:scrgbClr r="0" g="0" b="0"/>
+      </a:lnRef>
+      <a:fillRef idx="1">
+        <a:scrgbClr r="0" g="0" b="0"/>
+      </a:fillRef>
+      <a:effectRef idx="0">
+        <a:scrgbClr r="0" g="0" b="0"/>
+      </a:effectRef>
+      <a:fontRef idx="minor"/>
+    </dgm:style>
+  </dgm:styleLbl>
+  <dgm:styleLbl name="bgShp">
+    <dgm:scene3d>
+      <a:camera prst="orthographicFront"/>
+      <a:lightRig rig="threePt" dir="t"/>
+    </dgm:scene3d>
+    <dgm:sp3d/>
+    <dgm:txPr/>
+    <dgm:style>
+      <a:lnRef idx="0">
+        <a:scrgbClr r="0" g="0" b="0"/>
+      </a:lnRef>
+      <a:fillRef idx="1">
+        <a:scrgbClr r="0" g="0" b="0"/>
+      </a:fillRef>
+      <a:effectRef idx="0">
+        <a:scrgbClr r="0" g="0" b="0"/>
+      </a:effectRef>
+      <a:fontRef idx="minor"/>
+    </dgm:style>
+  </dgm:styleLbl>
+  <dgm:styleLbl name="dkBgShp">
+    <dgm:scene3d>
+      <a:camera prst="orthographicFront"/>
+      <a:lightRig rig="threePt" dir="t"/>
+    </dgm:scene3d>
+    <dgm:sp3d/>
+    <dgm:txPr/>
+    <dgm:style>
+      <a:lnRef idx="0">
+        <a:scrgbClr r="0" g="0" b="0"/>
+      </a:lnRef>
+      <a:fillRef idx="1">
+        <a:scrgbClr r="0" g="0" b="0"/>
+      </a:fillRef>
+      <a:effectRef idx="0">
+        <a:scrgbClr r="0" g="0" b="0"/>
+      </a:effectRef>
+      <a:fontRef idx="minor"/>
+    </dgm:style>
+  </dgm:styleLbl>
+  <dgm:styleLbl name="trBgShp">
+    <dgm:scene3d>
+      <a:camera prst="orthographicFront"/>
+      <a:lightRig rig="threePt" dir="t"/>
+    </dgm:scene3d>
+    <dgm:sp3d/>
+    <dgm:txPr/>
+    <dgm:style>
+      <a:lnRef idx="0">
+        <a:scrgbClr r="0" g="0" b="0"/>
+      </a:lnRef>
+      <a:fillRef idx="1">
+        <a:scrgbClr r="0" g="0" b="0"/>
+      </a:fillRef>
+      <a:effectRef idx="0">
+        <a:scrgbClr r="0" g="0" b="0"/>
+      </a:effectRef>
+      <a:fontRef idx="minor"/>
+    </dgm:style>
+  </dgm:styleLbl>
+  <dgm:styleLbl name="fgShp">
+    <dgm:scene3d>
+      <a:camera prst="orthographicFront"/>
+      <a:lightRig rig="threePt" dir="t"/>
+    </dgm:scene3d>
+    <dgm:sp3d/>
+    <dgm:txPr/>
+    <dgm:style>
+      <a:lnRef idx="2">
+        <a:scrgbClr r="0" g="0" b="0"/>
+      </a:lnRef>
+      <a:fillRef idx="1">
+        <a:scrgbClr r="0" g="0" b="0"/>
+      </a:fillRef>
+      <a:effectRef idx="0">
+        <a:scrgbClr r="0" g="0" b="0"/>
+      </a:effectRef>
+      <a:fontRef idx="minor"/>
+    </dgm:style>
+  </dgm:styleLbl>
+  <dgm:styleLbl name="revTx">
+    <dgm:scene3d>
+      <a:camera prst="orthographicFront"/>
+      <a:lightRig rig="threePt" dir="t"/>
+    </dgm:scene3d>
+    <dgm:sp3d/>
+    <dgm:txPr/>
+    <dgm:style>
+      <a:lnRef idx="0">
+        <a:scrgbClr r="0" g="0" b="0"/>
+      </a:lnRef>
+      <a:fillRef idx="0">
+        <a:scrgbClr r="0" g="0" b="0"/>
+      </a:fillRef>
+      <a:effectRef idx="0">
+        <a:scrgbClr r="0" g="0" b="0"/>
+      </a:effectRef>
+      <a:fontRef idx="minor"/>
+    </dgm:style>
+  </dgm:styleLbl>
+</dgm:styleDef>
+</file>
+
+<file path=ppt/diagrams/quickStyle2.xml><?xml version="1.0" encoding="utf-8"?>
+<dgm:styleDef xmlns:dgm="http://schemas.openxmlformats.org/drawingml/2006/diagram" xmlns:a="http://schemas.openxmlformats.org/drawingml/2006/main" uniqueId="urn:microsoft.com/office/officeart/2005/8/quickstyle/simple1">
+  <dgm:title val=""/>
+  <dgm:desc val=""/>
+  <dgm:catLst>
+    <dgm:cat type="simple" pri="10100"/>
+  </dgm:catLst>
+  <dgm:scene3d>
+    <a:camera prst="orthographicFront"/>
+    <a:lightRig rig="threePt" dir="t"/>
+  </dgm:scene3d>
+  <dgm:styleLbl name="node0">
+    <dgm:scene3d>
+      <a:camera prst="orthographicFront"/>
+      <a:lightRig rig="threePt" dir="t"/>
+    </dgm:scene3d>
+    <dgm:sp3d/>
+    <dgm:txPr/>
+    <dgm:style>
+      <a:lnRef idx="2">
+        <a:scrgbClr r="0" g="0" b="0"/>
+      </a:lnRef>
+      <a:fillRef idx="1">
+        <a:scrgbClr r="0" g="0" b="0"/>
+      </a:fillRef>
+      <a:effectRef idx="0">
+        <a:scrgbClr r="0" g="0" b="0"/>
+      </a:effectRef>
+      <a:fontRef idx="minor">
+        <a:schemeClr val="lt1"/>
+      </a:fontRef>
+    </dgm:style>
+  </dgm:styleLbl>
+  <dgm:styleLbl name="lnNode1">
+    <dgm:scene3d>
+      <a:camera prst="orthographicFront"/>
+      <a:lightRig rig="threePt" dir="t"/>
+    </dgm:scene3d>
+    <dgm:sp3d/>
+    <dgm:txPr/>
+    <dgm:style>
+      <a:lnRef idx="2">
+        <a:scrgbClr r="0" g="0" b="0"/>
+      </a:lnRef>
+      <a:fillRef idx="1">
+        <a:scrgbClr r="0" g="0" b="0"/>
+      </a:fillRef>
+      <a:effectRef idx="0">
+        <a:scrgbClr r="0" g="0" b="0"/>
+      </a:effectRef>
+      <a:fontRef idx="minor">
+        <a:schemeClr val="lt1"/>
+      </a:fontRef>
+    </dgm:style>
+  </dgm:styleLbl>
+  <dgm:styleLbl name="vennNode1">
+    <dgm:scene3d>
+      <a:camera prst="orthographicFront"/>
+      <a:lightRig rig="threePt" dir="t"/>
+    </dgm:scene3d>
+    <dgm:sp3d/>
+    <dgm:txPr/>
+    <dgm:style>
+      <a:lnRef idx="2">
+        <a:scrgbClr r="0" g="0" b="0"/>
+      </a:lnRef>
+      <a:fillRef idx="1">
+        <a:scrgbClr r="0" g="0" b="0"/>
+      </a:fillRef>
+      <a:effectRef idx="0">
+        <a:scrgbClr r="0" g="0" b="0"/>
+      </a:effectRef>
+      <a:fontRef idx="minor">
+        <a:schemeClr val="tx1"/>
+      </a:fontRef>
+    </dgm:style>
+  </dgm:styleLbl>
+  <dgm:styleLbl name="alignNode1">
+    <dgm:scene3d>
+      <a:camera prst="orthographicFront"/>
+      <a:lightRig rig="threePt" dir="t"/>
+    </dgm:scene3d>
+    <dgm:sp3d/>
+    <dgm:txPr/>
+    <dgm:style>
+      <a:lnRef idx="2">
+        <a:scrgbClr r="0" g="0" b="0"/>
+      </a:lnRef>
+      <a:fillRef idx="1">
+        <a:scrgbClr r="0" g="0" b="0"/>
+      </a:fillRef>
+      <a:effectRef idx="0">
+        <a:scrgbClr r="0" g="0" b="0"/>
+      </a:effectRef>
+      <a:fontRef idx="minor">
+        <a:schemeClr val="lt1"/>
+      </a:fontRef>
+    </dgm:style>
+  </dgm:styleLbl>
+  <dgm:styleLbl name="node1">
+    <dgm:scene3d>
+      <a:camera prst="orthographicFront"/>
+      <a:lightRig rig="threePt" dir="t"/>
+    </dgm:scene3d>
+    <dgm:sp3d/>
+    <dgm:txPr/>
+    <dgm:style>
+      <a:lnRef idx="2">
+        <a:scrgbClr r="0" g="0" b="0"/>
+      </a:lnRef>
+      <a:fillRef idx="1">
+        <a:scrgbClr r="0" g="0" b="0"/>
+      </a:fillRef>
+      <a:effectRef idx="0">
+        <a:scrgbClr r="0" g="0" b="0"/>
+      </a:effectRef>
+      <a:fontRef idx="minor">
+        <a:schemeClr val="lt1"/>
+      </a:fontRef>
+    </dgm:style>
+  </dgm:styleLbl>
+  <dgm:styleLbl name="node2">
+    <dgm:scene3d>
+      <a:camera prst="orthographicFront"/>
+      <a:lightRig rig="threePt" dir="t"/>
+    </dgm:scene3d>
+    <dgm:sp3d/>
+    <dgm:txPr/>
+    <dgm:style>
+      <a:lnRef idx="2">
+        <a:scrgbClr r="0" g="0" b="0"/>
+      </a:lnRef>
+      <a:fillRef idx="1">
+        <a:scrgbClr r="0" g="0" b="0"/>
+      </a:fillRef>
+      <a:effectRef idx="0">
+        <a:scrgbClr r="0" g="0" b="0"/>
+      </a:effectRef>
+      <a:fontRef idx="minor">
+        <a:schemeClr val="lt1"/>
+      </a:fontRef>
+    </dgm:style>
+  </dgm:styleLbl>
+  <dgm:styleLbl name="node3">
+    <dgm:scene3d>
+      <a:camera prst="orthographicFront"/>
+      <a:lightRig rig="threePt" dir="t"/>
+    </dgm:scene3d>
+    <dgm:sp3d/>
+    <dgm:txPr/>
+    <dgm:style>
+      <a:lnRef idx="2">
+        <a:scrgbClr r="0" g="0" b="0"/>
+      </a:lnRef>
+      <a:fillRef idx="1">
+        <a:scrgbClr r="0" g="0" b="0"/>
+      </a:fillRef>
+      <a:effectRef idx="0">
+        <a:scrgbClr r="0" g="0" b="0"/>
+      </a:effectRef>
+      <a:fontRef idx="minor">
+        <a:schemeClr val="lt1"/>
+      </a:fontRef>
+    </dgm:style>
+  </dgm:styleLbl>
+  <dgm:styleLbl name="node4">
+    <dgm:scene3d>
+      <a:camera prst="orthographicFront"/>
+      <a:lightRig rig="threePt" dir="t"/>
+    </dgm:scene3d>
+    <dgm:sp3d/>
+    <dgm:txPr/>
+    <dgm:style>
+      <a:lnRef idx="2">
+        <a:scrgbClr r="0" g="0" b="0"/>
+      </a:lnRef>
+      <a:fillRef idx="1">
+        <a:scrgbClr r="0" g="0" b="0"/>
+      </a:fillRef>
+      <a:effectRef idx="0">
+        <a:scrgbClr r="0" g="0" b="0"/>
+      </a:effectRef>
+      <a:fontRef idx="minor">
+        <a:schemeClr val="lt1"/>
+      </a:fontRef>
+    </dgm:style>
+  </dgm:styleLbl>
+  <dgm:styleLbl name="fgImgPlace1">
+    <dgm:scene3d>
+      <a:camera prst="orthographicFront"/>
+      <a:lightRig rig="threePt" dir="t"/>
+    </dgm:scene3d>
+    <dgm:sp3d/>
+    <dgm:txPr/>
+    <dgm:style>
+      <a:lnRef idx="2">
+        <a:scrgbClr r="0" g="0" b="0"/>
+      </a:lnRef>
+      <a:fillRef idx="1">
+        <a:scrgbClr r="0" g="0" b="0"/>
+      </a:fillRef>
+      <a:effectRef idx="0">
+        <a:scrgbClr r="0" g="0" b="0"/>
+      </a:effectRef>
+      <a:fontRef idx="minor"/>
+    </dgm:style>
+  </dgm:styleLbl>
+  <dgm:styleLbl name="alignImgPlace1">
+    <dgm:scene3d>
+      <a:camera prst="orthographicFront"/>
+      <a:lightRig rig="threePt" dir="t"/>
+    </dgm:scene3d>
+    <dgm:sp3d/>
+    <dgm:txPr/>
+    <dgm:style>
+      <a:lnRef idx="2">
+        <a:scrgbClr r="0" g="0" b="0"/>
+      </a:lnRef>
+      <a:fillRef idx="1">
+        <a:scrgbClr r="0" g="0" b="0"/>
+      </a:fillRef>
+      <a:effectRef idx="0">
+        <a:scrgbClr r="0" g="0" b="0"/>
+      </a:effectRef>
+      <a:fontRef idx="minor"/>
+    </dgm:style>
+  </dgm:styleLbl>
+  <dgm:styleLbl name="bgImgPlace1">
+    <dgm:scene3d>
+      <a:camera prst="orthographicFront"/>
+      <a:lightRig rig="threePt" dir="t"/>
+    </dgm:scene3d>
+    <dgm:sp3d/>
+    <dgm:txPr/>
+    <dgm:style>
+      <a:lnRef idx="2">
+        <a:scrgbClr r="0" g="0" b="0"/>
+      </a:lnRef>
+      <a:fillRef idx="1">
+        <a:scrgbClr r="0" g="0" b="0"/>
+      </a:fillRef>
+      <a:effectRef idx="0">
+        <a:scrgbClr r="0" g="0" b="0"/>
+      </a:effectRef>
+      <a:fontRef idx="minor"/>
+    </dgm:style>
+  </dgm:styleLbl>
+  <dgm:styleLbl name="sibTrans2D1">
+    <dgm:scene3d>
+      <a:camera prst="orthographicFront"/>
+      <a:lightRig rig="threePt" dir="t"/>
+    </dgm:scene3d>
+    <dgm:sp3d/>
+    <dgm:txPr/>
+    <dgm:style>
+      <a:lnRef idx="0">
+        <a:scrgbClr r="0" g="0" b="0"/>
+      </a:lnRef>
+      <a:fillRef idx="1">
+        <a:scrgbClr r="0" g="0" b="0"/>
+      </a:fillRef>
+      <a:effectRef idx="0">
+        <a:scrgbClr r="0" g="0" b="0"/>
+      </a:effectRef>
+      <a:fontRef idx="minor">
+        <a:schemeClr val="lt1"/>
+      </a:fontRef>
+    </dgm:style>
+  </dgm:styleLbl>
+  <dgm:styleLbl name="fgSibTrans2D1">
+    <dgm:scene3d>
+      <a:camera prst="orthographicFront"/>
+      <a:lightRig rig="threePt" dir="t"/>
+    </dgm:scene3d>
+    <dgm:sp3d/>
+    <dgm:txPr/>
+    <dgm:style>
+      <a:lnRef idx="0">
+        <a:scrgbClr r="0" g="0" b="0"/>
+      </a:lnRef>
+      <a:fillRef idx="1">
+        <a:scrgbClr r="0" g="0" b="0"/>
+      </a:fillRef>
+      <a:effectRef idx="0">
+        <a:scrgbClr r="0" g="0" b="0"/>
+      </a:effectRef>
+      <a:fontRef idx="minor">
+        <a:schemeClr val="lt1"/>
+      </a:fontRef>
+    </dgm:style>
+  </dgm:styleLbl>
+  <dgm:styleLbl name="bgSibTrans2D1">
+    <dgm:scene3d>
+      <a:camera prst="orthographicFront"/>
+      <a:lightRig rig="threePt" dir="t"/>
+    </dgm:scene3d>
+    <dgm:sp3d/>
+    <dgm:txPr/>
+    <dgm:style>
+      <a:lnRef idx="0">
+        <a:scrgbClr r="0" g="0" b="0"/>
+      </a:lnRef>
+      <a:fillRef idx="1">
+        <a:scrgbClr r="0" g="0" b="0"/>
+      </a:fillRef>
+      <a:effectRef idx="0">
+        <a:scrgbClr r="0" g="0" b="0"/>
+      </a:effectRef>
+      <a:fontRef idx="minor">
+        <a:schemeClr val="lt1"/>
+      </a:fontRef>
+    </dgm:style>
+  </dgm:styleLbl>
+  <dgm:styleLbl name="sibTrans1D1">
+    <dgm:scene3d>
+      <a:camera prst="orthographicFront"/>
+      <a:lightRig rig="threePt" dir="t"/>
+    </dgm:scene3d>
+    <dgm:sp3d/>
+    <dgm:txPr/>
+    <dgm:style>
+      <a:lnRef idx="1">
+        <a:scrgbClr r="0" g="0" b="0"/>
+      </a:lnRef>
+      <a:fillRef idx="0">
+        <a:scrgbClr r="0" g="0" b="0"/>
+      </a:fillRef>
+      <a:effectRef idx="0">
+        <a:scrgbClr r="0" g="0" b="0"/>
+      </a:effectRef>
+      <a:fontRef idx="minor"/>
+    </dgm:style>
+  </dgm:styleLbl>
+  <dgm:styleLbl name="callout">
+    <dgm:scene3d>
+      <a:camera prst="orthographicFront"/>
+      <a:lightRig rig="threePt" dir="t"/>
+    </dgm:scene3d>
+    <dgm:sp3d/>
+    <dgm:txPr/>
+    <dgm:style>
+      <a:lnRef idx="2">
+        <a:scrgbClr r="0" g="0" b="0"/>
+      </a:lnRef>
+      <a:fillRef idx="1">
+        <a:scrgbClr r="0" g="0" b="0"/>
+      </a:fillRef>
+      <a:effectRef idx="0">
+        <a:scrgbClr r="0" g="0" b="0"/>
+      </a:effectRef>
+      <a:fontRef idx="minor"/>
+    </dgm:style>
+  </dgm:styleLbl>
+  <dgm:styleLbl name="asst0">
+    <dgm:scene3d>
+      <a:camera prst="orthographicFront"/>
+      <a:lightRig rig="threePt" dir="t"/>
+    </dgm:scene3d>
+    <dgm:sp3d/>
+    <dgm:txPr/>
+    <dgm:style>
+      <a:lnRef idx="2">
+        <a:scrgbClr r="0" g="0" b="0"/>
+      </a:lnRef>
+      <a:fillRef idx="1">
+        <a:scrgbClr r="0" g="0" b="0"/>
+      </a:fillRef>
+      <a:effectRef idx="0">
+        <a:scrgbClr r="0" g="0" b="0"/>
+      </a:effectRef>
+      <a:fontRef idx="minor">
+        <a:schemeClr val="lt1"/>
+      </a:fontRef>
+    </dgm:style>
+  </dgm:styleLbl>
+  <dgm:styleLbl name="asst1">
+    <dgm:scene3d>
+      <a:camera prst="orthographicFront"/>
+      <a:lightRig rig="threePt" dir="t"/>
+    </dgm:scene3d>
+    <dgm:sp3d/>
+    <dgm:txPr/>
+    <dgm:style>
+      <a:lnRef idx="2">
+        <a:scrgbClr r="0" g="0" b="0"/>
+      </a:lnRef>
+      <a:fillRef idx="1">
+        <a:scrgbClr r="0" g="0" b="0"/>
+      </a:fillRef>
+      <a:effectRef idx="0">
+        <a:scrgbClr r="0" g="0" b="0"/>
+      </a:effectRef>
+      <a:fontRef idx="minor">
+        <a:schemeClr val="lt1"/>
+      </a:fontRef>
+    </dgm:style>
+  </dgm:styleLbl>
+  <dgm:styleLbl name="asst2">
+    <dgm:scene3d>
+      <a:camera prst="orthographicFront"/>
+      <a:lightRig rig="threePt" dir="t"/>
+    </dgm:scene3d>
+    <dgm:sp3d/>
+    <dgm:txPr/>
+    <dgm:style>
+      <a:lnRef idx="2">
+        <a:scrgbClr r="0" g="0" b="0"/>
+      </a:lnRef>
+      <a:fillRef idx="1">
+        <a:scrgbClr r="0" g="0" b="0"/>
+      </a:fillRef>
+      <a:effectRef idx="0">
+        <a:scrgbClr r="0" g="0" b="0"/>
+      </a:effectRef>
+      <a:fontRef idx="minor">
+        <a:schemeClr val="lt1"/>
+      </a:fontRef>
+    </dgm:style>
+  </dgm:styleLbl>
+  <dgm:styleLbl name="asst3">
+    <dgm:scene3d>
+      <a:camera prst="orthographicFront"/>
+      <a:lightRig rig="threePt" dir="t"/>
+    </dgm:scene3d>
+    <dgm:sp3d/>
+    <dgm:txPr/>
+    <dgm:style>
+      <a:lnRef idx="2">
+        <a:scrgbClr r="0" g="0" b="0"/>
+      </a:lnRef>
+      <a:fillRef idx="1">
+        <a:scrgbClr r="0" g="0" b="0"/>
+      </a:fillRef>
+      <a:effectRef idx="0">
+        <a:scrgbClr r="0" g="0" b="0"/>
+      </a:effectRef>
+      <a:fontRef idx="minor">
+        <a:schemeClr val="lt1"/>
+      </a:fontRef>
+    </dgm:style>
+  </dgm:styleLbl>
+  <dgm:styleLbl name="asst4">
+    <dgm:scene3d>
+      <a:camera prst="orthographicFront"/>
+      <a:lightRig rig="threePt" dir="t"/>
+    </dgm:scene3d>
+    <dgm:sp3d/>
+    <dgm:txPr/>
+    <dgm:style>
+      <a:lnRef idx="2">
+        <a:scrgbClr r="0" g="0" b="0"/>
+      </a:lnRef>
+      <a:fillRef idx="1">
+        <a:scrgbClr r="0" g="0" b="0"/>
+      </a:fillRef>
+      <a:effectRef idx="0">
+        <a:scrgbClr r="0" g="0" b="0"/>
+      </a:effectRef>
+      <a:fontRef idx="minor">
+        <a:schemeClr val="lt1"/>
+      </a:fontRef>
+    </dgm:style>
+  </dgm:styleLbl>
+  <dgm:styleLbl name="parChTrans2D1">
+    <dgm:scene3d>
+      <a:camera prst="orthographicFront"/>
+      <a:lightRig rig="threePt" dir="t"/>
+    </dgm:scene3d>
+    <dgm:sp3d/>
+    <dgm:txPr/>
+    <dgm:style>
+      <a:lnRef idx="2">
+        <a:scrgbClr r="0" g="0" b="0"/>
+      </a:lnRef>
+      <a:fillRef idx="1">
+        <a:scrgbClr r="0" g="0" b="0"/>
+      </a:fillRef>
+      <a:effectRef idx="0">
+        <a:scrgbClr r="0" g="0" b="0"/>
+      </a:effectRef>
+      <a:fontRef idx="minor">
+        <a:schemeClr val="lt1"/>
+      </a:fontRef>
+    </dgm:style>
+  </dgm:styleLbl>
+  <dgm:styleLbl name="parChTrans2D2">
+    <dgm:scene3d>
+      <a:camera prst="orthographicFront"/>
+      <a:lightRig rig="threePt" dir="t"/>
+    </dgm:scene3d>
+    <dgm:sp3d/>
+    <dgm:txPr/>
+    <dgm:style>
+      <a:lnRef idx="2">
+        <a:scrgbClr r="0" g="0" b="0"/>
+      </a:lnRef>
+      <a:fillRef idx="1">
+        <a:scrgbClr r="0" g="0" b="0"/>
+      </a:fillRef>
+      <a:effectRef idx="0">
+        <a:scrgbClr r="0" g="0" b="0"/>
+      </a:effectRef>
+      <a:fontRef idx="minor">
+        <a:schemeClr val="lt1"/>
+      </a:fontRef>
+    </dgm:style>
+  </dgm:styleLbl>
+  <dgm:styleLbl name="parChTrans2D3">
+    <dgm:scene3d>
+      <a:camera prst="orthographicFront"/>
+      <a:lightRig rig="threePt" dir="t"/>
+    </dgm:scene3d>
+    <dgm:sp3d/>
+    <dgm:txPr/>
+    <dgm:style>
+      <a:lnRef idx="2">
+        <a:scrgbClr r="0" g="0" b="0"/>
+      </a:lnRef>
+      <a:fillRef idx="1">
+        <a:scrgbClr r="0" g="0" b="0"/>
+      </a:fillRef>
+      <a:effectRef idx="0">
+        <a:scrgbClr r="0" g="0" b="0"/>
+      </a:effectRef>
+      <a:fontRef idx="minor">
+        <a:schemeClr val="lt1"/>
+      </a:fontRef>
+    </dgm:style>
+  </dgm:styleLbl>
+  <dgm:styleLbl name="parChTrans2D4">
+    <dgm:scene3d>
+      <a:camera prst="orthographicFront"/>
+      <a:lightRig rig="threePt" dir="t"/>
+    </dgm:scene3d>
+    <dgm:sp3d/>
+    <dgm:txPr/>
+    <dgm:style>
+      <a:lnRef idx="2">
+        <a:scrgbClr r="0" g="0" b="0"/>
+      </a:lnRef>
+      <a:fillRef idx="1">
+        <a:scrgbClr r="0" g="0" b="0"/>
+      </a:fillRef>
+      <a:effectRef idx="0">
+        <a:scrgbClr r="0" g="0" b="0"/>
+      </a:effectRef>
+      <a:fontRef idx="minor">
+        <a:schemeClr val="lt1"/>
+      </a:fontRef>
+    </dgm:style>
+  </dgm:styleLbl>
+  <dgm:styleLbl name="parChTrans1D1">
+    <dgm:scene3d>
+      <a:camera prst="orthographicFront"/>
+      <a:lightRig rig="threePt" dir="t"/>
+    </dgm:scene3d>
+    <dgm:sp3d/>
+    <dgm:txPr/>
+    <dgm:style>
+      <a:lnRef idx="2">
+        <a:scrgbClr r="0" g="0" b="0"/>
+      </a:lnRef>
+      <a:fillRef idx="0">
+        <a:scrgbClr r="0" g="0" b="0"/>
+      </a:fillRef>
+      <a:effectRef idx="0">
+        <a:scrgbClr r="0" g="0" b="0"/>
+      </a:effectRef>
+      <a:fontRef idx="minor"/>
+    </dgm:style>
+  </dgm:styleLbl>
+  <dgm:styleLbl name="parChTrans1D2">
+    <dgm:scene3d>
+      <a:camera prst="orthographicFront"/>
+      <a:lightRig rig="threePt" dir="t"/>
+    </dgm:scene3d>
+    <dgm:sp3d/>
+    <dgm:txPr/>
+    <dgm:style>
+      <a:lnRef idx="2">
+        <a:scrgbClr r="0" g="0" b="0"/>
+      </a:lnRef>
+      <a:fillRef idx="0">
+        <a:scrgbClr r="0" g="0" b="0"/>
+      </a:fillRef>
+      <a:effectRef idx="0">
+        <a:scrgbClr r="0" g="0" b="0"/>
+      </a:effectRef>
+      <a:fontRef idx="minor"/>
+    </dgm:style>
+  </dgm:styleLbl>
+  <dgm:styleLbl name="parChTrans1D3">
+    <dgm:scene3d>
+      <a:camera prst="orthographicFront"/>
+      <a:lightRig rig="threePt" dir="t"/>
+    </dgm:scene3d>
+    <dgm:sp3d/>
+    <dgm:txPr/>
+    <dgm:style>
+      <a:lnRef idx="2">
+        <a:scrgbClr r="0" g="0" b="0"/>
+      </a:lnRef>
+      <a:fillRef idx="0">
+        <a:scrgbClr r="0" g="0" b="0"/>
+      </a:fillRef>
+      <a:effectRef idx="0">
+        <a:scrgbClr r="0" g="0" b="0"/>
+      </a:effectRef>
+      <a:fontRef idx="minor"/>
+    </dgm:style>
+  </dgm:styleLbl>
+  <dgm:styleLbl name="parChTrans1D4">
+    <dgm:scene3d>
+      <a:camera prst="orthographicFront"/>
+      <a:lightRig rig="threePt" dir="t"/>
+    </dgm:scene3d>
+    <dgm:sp3d/>
+    <dgm:txPr/>
+    <dgm:style>
+      <a:lnRef idx="2">
+        <a:scrgbClr r="0" g="0" b="0"/>
+      </a:lnRef>
+      <a:fillRef idx="0">
+        <a:scrgbClr r="0" g="0" b="0"/>
+      </a:fillRef>
+      <a:effectRef idx="0">
+        <a:scrgbClr r="0" g="0" b="0"/>
+      </a:effectRef>
+      <a:fontRef idx="minor"/>
+    </dgm:style>
+  </dgm:styleLbl>
+  <dgm:styleLbl name="fgAcc1">
+    <dgm:scene3d>
+      <a:camera prst="orthographicFront"/>
+      <a:lightRig rig="threePt" dir="t"/>
+    </dgm:scene3d>
+    <dgm:sp3d/>
+    <dgm:txPr/>
+    <dgm:style>
+      <a:lnRef idx="2">
+        <a:scrgbClr r="0" g="0" b="0"/>
+      </a:lnRef>
+      <a:fillRef idx="1">
+        <a:scrgbClr r="0" g="0" b="0"/>
+      </a:fillRef>
+      <a:effectRef idx="0">
+        <a:scrgbClr r="0" g="0" b="0"/>
+      </a:effectRef>
+      <a:fontRef idx="minor"/>
+    </dgm:style>
+  </dgm:styleLbl>
+  <dgm:styleLbl name="conFgAcc1">
+    <dgm:scene3d>
+      <a:camera prst="orthographicFront"/>
+      <a:lightRig rig="threePt" dir="t"/>
+    </dgm:scene3d>
+    <dgm:sp3d/>
+    <dgm:txPr/>
+    <dgm:style>
+      <a:lnRef idx="2">
+        <a:scrgbClr r="0" g="0" b="0"/>
+      </a:lnRef>
+      <a:fillRef idx="1">
+        <a:scrgbClr r="0" g="0" b="0"/>
+      </a:fillRef>
+      <a:effectRef idx="0">
+        <a:scrgbClr r="0" g="0" b="0"/>
+      </a:effectRef>
+      <a:fontRef idx="minor"/>
+    </dgm:style>
+  </dgm:styleLbl>
+  <dgm:styleLbl name="alignAcc1">
+    <dgm:scene3d>
+      <a:camera prst="orthographicFront"/>
+      <a:lightRig rig="threePt" dir="t"/>
+    </dgm:scene3d>
+    <dgm:sp3d/>
+    <dgm:txPr/>
+    <dgm:style>
+      <a:lnRef idx="2">
+        <a:scrgbClr r="0" g="0" b="0"/>
+      </a:lnRef>
+      <a:fillRef idx="1">
+        <a:scrgbClr r="0" g="0" b="0"/>
+      </a:fillRef>
+      <a:effectRef idx="0">
+        <a:scrgbClr r="0" g="0" b="0"/>
+      </a:effectRef>
+      <a:fontRef idx="minor"/>
+    </dgm:style>
+  </dgm:styleLbl>
+  <dgm:styleLbl name="trAlignAcc1">
+    <dgm:scene3d>
+      <a:camera prst="orthographicFront"/>
+      <a:lightRig rig="threePt" dir="t"/>
+    </dgm:scene3d>
+    <dgm:sp3d/>
+    <dgm:txPr/>
+    <dgm:style>
+      <a:lnRef idx="1">
+        <a:scrgbClr r="0" g="0" b="0"/>
+      </a:lnRef>
+      <a:fillRef idx="1">
+        <a:scrgbClr r="0" g="0" b="0"/>
+      </a:fillRef>
+      <a:effectRef idx="0">
+        <a:scrgbClr r="0" g="0" b="0"/>
+      </a:effectRef>
+      <a:fontRef idx="minor"/>
+    </dgm:style>
+  </dgm:styleLbl>
+  <dgm:styleLbl name="bgAcc1">
+    <dgm:scene3d>
+      <a:camera prst="orthographicFront"/>
+      <a:lightRig rig="threePt" dir="t"/>
+    </dgm:scene3d>
+    <dgm:sp3d/>
+    <dgm:txPr/>
+    <dgm:style>
+      <a:lnRef idx="2">
+        <a:scrgbClr r="0" g="0" b="0"/>
+      </a:lnRef>
+      <a:fillRef idx="1">
+        <a:scrgbClr r="0" g="0" b="0"/>
+      </a:fillRef>
+      <a:effectRef idx="0">
+        <a:scrgbClr r="0" g="0" b="0"/>
+      </a:effectRef>
+      <a:fontRef idx="minor"/>
+    </dgm:style>
+  </dgm:styleLbl>
+  <dgm:styleLbl name="solidFgAcc1">
+    <dgm:scene3d>
+      <a:camera prst="orthographicFront"/>
+      <a:lightRig rig="threePt" dir="t"/>
+    </dgm:scene3d>
+    <dgm:sp3d/>
+    <dgm:txPr/>
+    <dgm:style>
+      <a:lnRef idx="2">
+        <a:scrgbClr r="0" g="0" b="0"/>
+      </a:lnRef>
+      <a:fillRef idx="1">
+        <a:scrgbClr r="0" g="0" b="0"/>
+      </a:fillRef>
+      <a:effectRef idx="0">
+        <a:scrgbClr r="0" g="0" b="0"/>
+      </a:effectRef>
+      <a:fontRef idx="minor"/>
+    </dgm:style>
+  </dgm:styleLbl>
+  <dgm:styleLbl name="solidAlignAcc1">
+    <dgm:scene3d>
+      <a:camera prst="orthographicFront"/>
+      <a:lightRig rig="threePt" dir="t"/>
+    </dgm:scene3d>
+    <dgm:sp3d/>
+    <dgm:txPr/>
+    <dgm:style>
+      <a:lnRef idx="2">
+        <a:scrgbClr r="0" g="0" b="0"/>
+      </a:lnRef>
+      <a:fillRef idx="1">
+        <a:scrgbClr r="0" g="0" b="0"/>
+      </a:fillRef>
+      <a:effectRef idx="0">
+        <a:scrgbClr r="0" g="0" b="0"/>
+      </a:effectRef>
+      <a:fontRef idx="minor"/>
+    </dgm:style>
+  </dgm:styleLbl>
+  <dgm:styleLbl name="solidBgAcc1">
+    <dgm:scene3d>
+      <a:camera prst="orthographicFront"/>
+      <a:lightRig rig="threePt" dir="t"/>
+    </dgm:scene3d>
+    <dgm:sp3d/>
+    <dgm:txPr/>
+    <dgm:style>
+      <a:lnRef idx="2">
+        <a:scrgbClr r="0" g="0" b="0"/>
+      </a:lnRef>
+      <a:fillRef idx="1">
+        <a:scrgbClr r="0" g="0" b="0"/>
+      </a:fillRef>
+      <a:effectRef idx="0">
+        <a:scrgbClr r="0" g="0" b="0"/>
+      </a:effectRef>
+      <a:fontRef idx="minor"/>
+    </dgm:style>
+  </dgm:styleLbl>
+  <dgm:styleLbl name="fgAccFollowNode1">
+    <dgm:scene3d>
+      <a:camera prst="orthographicFront"/>
+      <a:lightRig rig="threePt" dir="t"/>
+    </dgm:scene3d>
+    <dgm:sp3d/>
+    <dgm:txPr/>
+    <dgm:style>
+      <a:lnRef idx="2">
+        <a:scrgbClr r="0" g="0" b="0"/>
+      </a:lnRef>
+      <a:fillRef idx="1">
+        <a:scrgbClr r="0" g="0" b="0"/>
+      </a:fillRef>
+      <a:effectRef idx="0">
+        <a:scrgbClr r="0" g="0" b="0"/>
+      </a:effectRef>
+      <a:fontRef idx="minor"/>
+    </dgm:style>
+  </dgm:styleLbl>
+  <dgm:styleLbl name="alignAccFollowNode1">
+    <dgm:scene3d>
+      <a:camera prst="orthographicFront"/>
+      <a:lightRig rig="threePt" dir="t"/>
+    </dgm:scene3d>
+    <dgm:sp3d/>
+    <dgm:txPr/>
+    <dgm:style>
+      <a:lnRef idx="2">
+        <a:scrgbClr r="0" g="0" b="0"/>
+      </a:lnRef>
+      <a:fillRef idx="1">
+        <a:scrgbClr r="0" g="0" b="0"/>
+      </a:fillRef>
+      <a:effectRef idx="0">
+        <a:scrgbClr r="0" g="0" b="0"/>
+      </a:effectRef>
+      <a:fontRef idx="minor"/>
+    </dgm:style>
+  </dgm:styleLbl>
+  <dgm:styleLbl name="bgAccFollowNode1">
+    <dgm:scene3d>
+      <a:camera prst="orthographicFront"/>
+      <a:lightRig rig="threePt" dir="t"/>
+    </dgm:scene3d>
+    <dgm:sp3d/>
+    <dgm:txPr/>
+    <dgm:style>
+      <a:lnRef idx="2">
+        <a:scrgbClr r="0" g="0" b="0"/>
+      </a:lnRef>
+      <a:fillRef idx="1">
+        <a:scrgbClr r="0" g="0" b="0"/>
+      </a:fillRef>
+      <a:effectRef idx="0">
+        <a:scrgbClr r="0" g="0" b="0"/>
+      </a:effectRef>
+      <a:fontRef idx="minor"/>
+    </dgm:style>
+  </dgm:styleLbl>
+  <dgm:styleLbl name="fgAcc0">
+    <dgm:scene3d>
+      <a:camera prst="orthographicFront"/>
+      <a:lightRig rig="threePt" dir="t"/>
+    </dgm:scene3d>
+    <dgm:sp3d/>
+    <dgm:txPr/>
+    <dgm:style>
+      <a:lnRef idx="2">
+        <a:scrgbClr r="0" g="0" b="0"/>
+      </a:lnRef>
+      <a:fillRef idx="1">
+        <a:scrgbClr r="0" g="0" b="0"/>
+      </a:fillRef>
+      <a:effectRef idx="0">
+        <a:scrgbClr r="0" g="0" b="0"/>
+      </a:effectRef>
+      <a:fontRef idx="minor"/>
+    </dgm:style>
+  </dgm:styleLbl>
+  <dgm:styleLbl name="fgAcc2">
+    <dgm:scene3d>
+      <a:camera prst="orthographicFront"/>
+      <a:lightRig rig="threePt" dir="t"/>
+    </dgm:scene3d>
+    <dgm:sp3d/>
+    <dgm:txPr/>
+    <dgm:style>
+      <a:lnRef idx="2">
+        <a:scrgbClr r="0" g="0" b="0"/>
+      </a:lnRef>
+      <a:fillRef idx="1">
+        <a:scrgbClr r="0" g="0" b="0"/>
+      </a:fillRef>
+      <a:effectRef idx="0">
+        <a:scrgbClr r="0" g="0" b="0"/>
+      </a:effectRef>
+      <a:fontRef idx="minor"/>
+    </dgm:style>
+  </dgm:styleLbl>
+  <dgm:styleLbl name="fgAcc3">
+    <dgm:scene3d>
+      <a:camera prst="orthographicFront"/>
+      <a:lightRig rig="threePt" dir="t"/>
+    </dgm:scene3d>
+    <dgm:sp3d/>
+    <dgm:txPr/>
+    <dgm:style>
+      <a:lnRef idx="2">
+        <a:scrgbClr r="0" g="0" b="0"/>
+      </a:lnRef>
+      <a:fillRef idx="1">
+        <a:scrgbClr r="0" g="0" b="0"/>
+      </a:fillRef>
+      <a:effectRef idx="0">
+        <a:scrgbClr r="0" g="0" b="0"/>
+      </a:effectRef>
+      <a:fontRef idx="minor"/>
+    </dgm:style>
+  </dgm:styleLbl>
+  <dgm:styleLbl name="fgAcc4">
+    <dgm:scene3d>
+      <a:camera prst="orthographicFront"/>
+      <a:lightRig rig="threePt" dir="t"/>
+    </dgm:scene3d>
+    <dgm:sp3d/>
+    <dgm:txPr/>
+    <dgm:style>
+      <a:lnRef idx="2">
+        <a:scrgbClr r="0" g="0" b="0"/>
+      </a:lnRef>
+      <a:fillRef idx="1">
+        <a:scrgbClr r="0" g="0" b="0"/>
+      </a:fillRef>
+      <a:effectRef idx="0">
+        <a:scrgbClr r="0" g="0" b="0"/>
+      </a:effectRef>
+      <a:fontRef idx="minor"/>
+    </dgm:style>
+  </dgm:styleLbl>
+  <dgm:styleLbl name="bgShp">
+    <dgm:scene3d>
+      <a:camera prst="orthographicFront"/>
+      <a:lightRig rig="threePt" dir="t"/>
+    </dgm:scene3d>
+    <dgm:sp3d/>
+    <dgm:txPr/>
+    <dgm:style>
+      <a:lnRef idx="0">
+        <a:scrgbClr r="0" g="0" b="0"/>
+      </a:lnRef>
+      <a:fillRef idx="1">
+        <a:scrgbClr r="0" g="0" b="0"/>
+      </a:fillRef>
+      <a:effectRef idx="0">
+        <a:scrgbClr r="0" g="0" b="0"/>
+      </a:effectRef>
+      <a:fontRef idx="minor"/>
+    </dgm:style>
+  </dgm:styleLbl>
+  <dgm:styleLbl name="dkBgShp">
+    <dgm:scene3d>
+      <a:camera prst="orthographicFront"/>
+      <a:lightRig rig="threePt" dir="t"/>
+    </dgm:scene3d>
+    <dgm:sp3d/>
+    <dgm:txPr/>
+    <dgm:style>
+      <a:lnRef idx="0">
+        <a:scrgbClr r="0" g="0" b="0"/>
+      </a:lnRef>
+      <a:fillRef idx="1">
+        <a:scrgbClr r="0" g="0" b="0"/>
+      </a:fillRef>
+      <a:effectRef idx="0">
+        <a:scrgbClr r="0" g="0" b="0"/>
+      </a:effectRef>
+      <a:fontRef idx="minor"/>
+    </dgm:style>
+  </dgm:styleLbl>
+  <dgm:styleLbl name="trBgShp">
+    <dgm:scene3d>
+      <a:camera prst="orthographicFront"/>
+      <a:lightRig rig="threePt" dir="t"/>
+    </dgm:scene3d>
+    <dgm:sp3d/>
+    <dgm:txPr/>
+    <dgm:style>
+      <a:lnRef idx="0">
+        <a:scrgbClr r="0" g="0" b="0"/>
+      </a:lnRef>
+      <a:fillRef idx="1">
+        <a:scrgbClr r="0" g="0" b="0"/>
+      </a:fillRef>
+      <a:effectRef idx="0">
+        <a:scrgbClr r="0" g="0" b="0"/>
+      </a:effectRef>
+      <a:fontRef idx="minor"/>
+    </dgm:style>
+  </dgm:styleLbl>
+  <dgm:styleLbl name="fgShp">
+    <dgm:scene3d>
+      <a:camera prst="orthographicFront"/>
+      <a:lightRig rig="threePt" dir="t"/>
+    </dgm:scene3d>
+    <dgm:sp3d/>
+    <dgm:txPr/>
+    <dgm:style>
+      <a:lnRef idx="2">
+        <a:scrgbClr r="0" g="0" b="0"/>
+      </a:lnRef>
+      <a:fillRef idx="1">
+        <a:scrgbClr r="0" g="0" b="0"/>
+      </a:fillRef>
+      <a:effectRef idx="0">
+        <a:scrgbClr r="0" g="0" b="0"/>
+      </a:effectRef>
+      <a:fontRef idx="minor"/>
+    </dgm:style>
+  </dgm:styleLbl>
+  <dgm:styleLbl name="revTx">
+    <dgm:scene3d>
+      <a:camera prst="orthographicFront"/>
+      <a:lightRig rig="threePt" dir="t"/>
+    </dgm:scene3d>
+    <dgm:sp3d/>
+    <dgm:txPr/>
+    <dgm:style>
+      <a:lnRef idx="0">
+        <a:scrgbClr r="0" g="0" b="0"/>
+      </a:lnRef>
+      <a:fillRef idx="0">
+        <a:scrgbClr r="0" g="0" b="0"/>
+      </a:fillRef>
+      <a:effectRef idx="0">
+        <a:scrgbClr r="0" g="0" b="0"/>
+      </a:effectRef>
+      <a:fontRef idx="minor"/>
+    </dgm:style>
+  </dgm:styleLbl>
+</dgm:styleDef>
+</file>
+
 <file path=ppt/slideLayouts/slideLayout1.xml><?xml version="1.0" encoding="utf-8"?>
 <p:sldLayout xmlns:a="http://schemas.openxmlformats.org/drawingml/2006/main" xmlns:r="http://schemas.openxmlformats.org/officeDocument/2006/relationships" xmlns:p="http://schemas.openxmlformats.org/presentationml/2006/main" showMasterSp="0" type="title" preserve="1">
   <p:cSld name="Title Slide">
@@ -374,7 +6095,7 @@
           <a:p>
             <a:fld id="{3341EE12-F28E-4B03-A404-A8FCAE0F6316}" type="datetime1">
               <a:rPr lang="en-US" smtClean="0"/>
-              <a:t>7/11/23</a:t>
+              <a:t>7/15/23</a:t>
             </a:fld>
             <a:endParaRPr lang="en-US" dirty="0"/>
           </a:p>
@@ -659,7 +6380,7 @@
           <a:p>
             <a:fld id="{B68B8189-0D9C-48A6-9FA3-862227B094CE}" type="datetime1">
               <a:rPr lang="en-US" smtClean="0"/>
-              <a:t>7/11/23</a:t>
+              <a:t>7/15/23</a:t>
             </a:fld>
             <a:endParaRPr lang="en-US"/>
           </a:p>
@@ -1023,7 +6744,7 @@
           <a:p>
             <a:fld id="{26ADDCAE-6443-42C3-9C19-F95985500186}" type="datetime1">
               <a:rPr lang="en-US" smtClean="0"/>
-              <a:t>7/11/23</a:t>
+              <a:t>7/15/23</a:t>
             </a:fld>
             <a:endParaRPr lang="en-US" dirty="0"/>
           </a:p>
@@ -1285,7 +7006,7 @@
           <a:p>
             <a:fld id="{1962799E-EB8E-4038-8063-81BB57C732D4}" type="datetime1">
               <a:rPr lang="en-US" smtClean="0"/>
-              <a:t>7/11/23</a:t>
+              <a:t>7/15/23</a:t>
             </a:fld>
             <a:endParaRPr lang="en-US"/>
           </a:p>
@@ -1715,7 +7436,7 @@
           <a:p>
             <a:fld id="{217A73C3-B243-44D3-809D-EF8FDFBD85D4}" type="datetime1">
               <a:rPr lang="en-US" smtClean="0"/>
-              <a:t>7/11/23</a:t>
+              <a:t>7/15/23</a:t>
             </a:fld>
             <a:endParaRPr lang="en-US" dirty="0"/>
           </a:p>
@@ -2046,7 +7767,7 @@
           <a:p>
             <a:fld id="{C9B6D3E3-28E2-4380-A113-67698215C5F8}" type="datetime1">
               <a:rPr lang="en-US" smtClean="0"/>
-              <a:t>7/11/23</a:t>
+              <a:t>7/15/23</a:t>
             </a:fld>
             <a:endParaRPr lang="en-US" dirty="0"/>
           </a:p>
@@ -2479,7 +8200,7 @@
           <a:p>
             <a:fld id="{A9EFCB61-04AD-47C9-BF79-2BD8B9CEC07A}" type="datetime1">
               <a:rPr lang="en-US" smtClean="0"/>
-              <a:t>7/11/23</a:t>
+              <a:t>7/15/23</a:t>
             </a:fld>
             <a:endParaRPr lang="en-US" dirty="0"/>
           </a:p>
@@ -2631,7 +8352,7 @@
           <a:p>
             <a:fld id="{A4535E0C-D585-492F-8146-7493F4086301}" type="datetime1">
               <a:rPr lang="en-US" smtClean="0"/>
-              <a:t>7/11/23</a:t>
+              <a:t>7/15/23</a:t>
             </a:fld>
             <a:endParaRPr lang="en-US"/>
           </a:p>
@@ -2794,7 +8515,7 @@
           <a:p>
             <a:fld id="{8CE48390-48B5-49AB-B019-A7C8FB8C31F6}" type="datetime1">
               <a:rPr lang="en-US" smtClean="0"/>
-              <a:t>7/11/23</a:t>
+              <a:t>7/15/23</a:t>
             </a:fld>
             <a:endParaRPr lang="en-US"/>
           </a:p>
@@ -3323,7 +9044,7 @@
           <a:p>
             <a:fld id="{962E767E-8A14-4E70-91B9-2101CBC4D7BD}" type="datetime1">
               <a:rPr lang="en-US" smtClean="0"/>
-              <a:t>7/11/23</a:t>
+              <a:t>7/15/23</a:t>
             </a:fld>
             <a:endParaRPr lang="en-US" dirty="0"/>
           </a:p>
@@ -3844,7 +9565,7 @@
           <a:p>
             <a:fld id="{01AF0C4B-5A4A-45CA-ABEC-10F107160D33}" type="datetime1">
               <a:rPr lang="en-US" smtClean="0"/>
-              <a:t>7/11/23</a:t>
+              <a:t>7/15/23</a:t>
             </a:fld>
             <a:endParaRPr lang="en-US" dirty="0"/>
           </a:p>
@@ -4394,7 +10115,7 @@
           <a:p>
             <a:fld id="{6989806E-8E94-473C-AEE7-BE6F15F85533}" type="datetime1">
               <a:rPr lang="en-US" smtClean="0"/>
-              <a:t>7/11/23</a:t>
+              <a:t>7/15/23</a:t>
             </a:fld>
             <a:endParaRPr lang="en-US" dirty="0"/>
           </a:p>
@@ -5314,6 +11035,38 @@
           </a:fontRef>
         </p:style>
       </p:cxnSp>
+      <p:sp>
+        <p:nvSpPr>
+          <p:cNvPr id="4" name="TextBox 3">
+            <a:extLst>
+              <a:ext uri="{FF2B5EF4-FFF2-40B4-BE49-F238E27FC236}">
+                <a16:creationId xmlns:a16="http://schemas.microsoft.com/office/drawing/2014/main" id="{A5A8128D-21B6-C412-22C1-E35AE100811C}"/>
+              </a:ext>
+            </a:extLst>
+          </p:cNvPr>
+          <p:cNvSpPr txBox="1"/>
+          <p:nvPr/>
+        </p:nvSpPr>
+        <p:spPr>
+          <a:xfrm>
+            <a:off x="-1457325" y="671513"/>
+            <a:ext cx="184731" cy="369332"/>
+          </a:xfrm>
+          <a:prstGeom prst="rect">
+            <a:avLst/>
+          </a:prstGeom>
+          <a:noFill/>
+        </p:spPr>
+        <p:txBody>
+          <a:bodyPr wrap="none" rtlCol="0">
+            <a:spAutoFit/>
+          </a:bodyPr>
+          <a:lstStyle/>
+          <a:p>
+            <a:endParaRPr lang="en-US" dirty="0"/>
+          </a:p>
+        </p:txBody>
+      </p:sp>
     </p:spTree>
     <p:extLst>
       <p:ext uri="{BB962C8B-B14F-4D97-AF65-F5344CB8AC3E}">
@@ -5372,7 +11125,7 @@
           <a:p>
             <a:pPr algn="ctr"/>
             <a:r>
-              <a:rPr lang="en-US" dirty="0"/>
+              <a:rPr lang="en-US"/>
               <a:t>Introduction</a:t>
             </a:r>
             <a:endParaRPr lang="en-IN" dirty="0"/>
@@ -5487,19 +11240,8 @@
                 <a:latin typeface="Times New Roman" panose="02020603050405020304" pitchFamily="18" charset="0"/>
                 <a:ea typeface="Times New Roman" panose="02020603050405020304" pitchFamily="18" charset="0"/>
               </a:rPr>
-              <a:t>Face detection is common practice used world wide with a combination of task as per use . it is made easy with the introduction of AI and Machine learning . In this project we have used a single ‘Triplet ’ training model to train our project in both image and video reorganization.</a:t>
+              <a:t>Face detection is common practice used world wide with a combination of task as per use . it is made easy with the introduction of AI and Machine learning.</a:t>
             </a:r>
-            <a:endParaRPr lang="en-IN" sz="1800" dirty="0">
-              <a:effectLst/>
-              <a:latin typeface="Calibri" panose="020F0502020204030204" pitchFamily="34" charset="0"/>
-              <a:ea typeface="Calibri" panose="020F0502020204030204" pitchFamily="34" charset="0"/>
-            </a:endParaRPr>
-          </a:p>
-          <a:p>
-            <a:pPr marL="285750" indent="-285750">
-              <a:buFont typeface="Arial" panose="020B0604020202020204" pitchFamily="34" charset="0"/>
-              <a:buChar char="•"/>
-            </a:pPr>
             <a:endParaRPr lang="en-IN" dirty="0"/>
           </a:p>
         </p:txBody>
@@ -5771,181 +11513,37 @@
           </a:p>
         </p:txBody>
       </p:sp>
-      <p:sp>
-        <p:nvSpPr>
-          <p:cNvPr id="3" name="Content Placeholder 2">
-            <a:extLst>
-              <a:ext uri="{FF2B5EF4-FFF2-40B4-BE49-F238E27FC236}">
-                <a16:creationId xmlns:a16="http://schemas.microsoft.com/office/drawing/2014/main" id="{F834E5E7-9958-3550-082D-3E936DD84FB1}"/>
-              </a:ext>
-            </a:extLst>
-          </p:cNvPr>
-          <p:cNvSpPr>
-            <a:spLocks noGrp="1"/>
-          </p:cNvSpPr>
+      <p:graphicFrame>
+        <p:nvGraphicFramePr>
+          <p:cNvPr id="7" name="Content Placeholder 2">
+            <a:extLst>
+              <a:ext uri="{FF2B5EF4-FFF2-40B4-BE49-F238E27FC236}">
+                <a16:creationId xmlns:a16="http://schemas.microsoft.com/office/drawing/2014/main" id="{88CF922B-D529-88CC-F627-4EB03296A6E7}"/>
+              </a:ext>
+            </a:extLst>
+          </p:cNvPr>
+          <p:cNvGraphicFramePr>
+            <a:graphicFrameLocks noGrp="1"/>
+          </p:cNvGraphicFramePr>
           <p:nvPr>
             <p:ph idx="1"/>
+            <p:extLst>
+              <p:ext uri="{D42A27DB-BD31-4B8C-83A1-F6EECF244321}">
+                <p14:modId xmlns:p14="http://schemas.microsoft.com/office/powerpoint/2010/main" val="3095083746"/>
+              </p:ext>
+            </p:extLst>
           </p:nvPr>
-        </p:nvSpPr>
-        <p:spPr/>
-        <p:txBody>
-          <a:bodyPr/>
-          <a:lstStyle/>
-          <a:p>
-            <a:pPr marL="342900" indent="-342900">
-              <a:buFont typeface="Arial" panose="020B0604020202020204" pitchFamily="34" charset="0"/>
-              <a:buChar char="•"/>
-            </a:pPr>
-            <a:r>
-              <a:rPr lang="en-US" dirty="0"/>
-              <a:t>Install </a:t>
-            </a:r>
-            <a:r>
-              <a:rPr lang="en-US" dirty="0" err="1"/>
-              <a:t>Numpy</a:t>
-            </a:r>
-            <a:r>
-              <a:rPr lang="en-US" dirty="0"/>
-              <a:t> </a:t>
-            </a:r>
-            <a:r>
-              <a:rPr lang="en-US" dirty="0" err="1"/>
-              <a:t>Libary</a:t>
-            </a:r>
-            <a:r>
-              <a:rPr lang="en-US" dirty="0"/>
-              <a:t> </a:t>
-            </a:r>
-          </a:p>
-          <a:p>
-            <a:pPr marL="342900" indent="-342900">
-              <a:buFont typeface="Arial" panose="020B0604020202020204" pitchFamily="34" charset="0"/>
-              <a:buChar char="•"/>
-            </a:pPr>
-            <a:endParaRPr lang="en-US" dirty="0"/>
-          </a:p>
-          <a:p>
-            <a:pPr marL="342900" indent="-342900">
-              <a:buFont typeface="Arial" panose="020B0604020202020204" pitchFamily="34" charset="0"/>
-              <a:buChar char="•"/>
-            </a:pPr>
-            <a:r>
-              <a:rPr lang="en-US" dirty="0"/>
-              <a:t>Install </a:t>
-            </a:r>
-            <a:r>
-              <a:rPr lang="en-US" dirty="0" err="1"/>
-              <a:t>Imutils</a:t>
-            </a:r>
-            <a:r>
-              <a:rPr lang="en-US" dirty="0"/>
-              <a:t> Library </a:t>
-            </a:r>
-          </a:p>
-          <a:p>
-            <a:pPr marL="342900" indent="-342900">
-              <a:buFont typeface="Arial" panose="020B0604020202020204" pitchFamily="34" charset="0"/>
-              <a:buChar char="•"/>
-            </a:pPr>
-            <a:endParaRPr lang="en-US" dirty="0"/>
-          </a:p>
-          <a:p>
-            <a:pPr marL="342900" indent="-342900">
-              <a:buFont typeface="Arial" panose="020B0604020202020204" pitchFamily="34" charset="0"/>
-              <a:buChar char="•"/>
-            </a:pPr>
-            <a:r>
-              <a:rPr lang="en-US" dirty="0"/>
-              <a:t>Install Open CV</a:t>
-            </a:r>
-          </a:p>
-          <a:p>
-            <a:pPr marL="342900" indent="-342900">
-              <a:buFont typeface="Arial" panose="020B0604020202020204" pitchFamily="34" charset="0"/>
-              <a:buChar char="•"/>
-            </a:pPr>
-            <a:endParaRPr lang="en-US" dirty="0"/>
-          </a:p>
-          <a:p>
-            <a:pPr marL="342900" indent="-342900">
-              <a:buFont typeface="Arial" panose="020B0604020202020204" pitchFamily="34" charset="0"/>
-              <a:buChar char="•"/>
-            </a:pPr>
-            <a:endParaRPr lang="en-US" dirty="0"/>
-          </a:p>
-          <a:p>
-            <a:pPr marL="342900" indent="-342900">
-              <a:buFont typeface="Arial" panose="020B0604020202020204" pitchFamily="34" charset="0"/>
-              <a:buChar char="•"/>
-            </a:pPr>
-            <a:endParaRPr lang="en-US" dirty="0"/>
-          </a:p>
-          <a:p>
-            <a:pPr marL="342900" indent="-342900">
-              <a:buFont typeface="Arial" panose="020B0604020202020204" pitchFamily="34" charset="0"/>
-              <a:buChar char="•"/>
-            </a:pPr>
-            <a:endParaRPr lang="en-US" dirty="0"/>
-          </a:p>
-          <a:p>
-            <a:pPr marL="342900" indent="-342900">
-              <a:buFont typeface="Arial" panose="020B0604020202020204" pitchFamily="34" charset="0"/>
-              <a:buChar char="•"/>
-            </a:pPr>
-            <a:endParaRPr lang="en-US" dirty="0"/>
-          </a:p>
-          <a:p>
-            <a:pPr marL="342900" indent="-342900">
-              <a:buFont typeface="Arial" panose="020B0604020202020204" pitchFamily="34" charset="0"/>
-              <a:buChar char="•"/>
-            </a:pPr>
-            <a:endParaRPr lang="en-US" dirty="0"/>
-          </a:p>
-          <a:p>
-            <a:pPr marL="342900" indent="-342900">
-              <a:buFont typeface="Arial" panose="020B0604020202020204" pitchFamily="34" charset="0"/>
-              <a:buChar char="•"/>
-            </a:pPr>
-            <a:endParaRPr lang="en-IN" dirty="0"/>
-          </a:p>
-        </p:txBody>
-      </p:sp>
-      <p:pic>
-        <p:nvPicPr>
-          <p:cNvPr id="5" name="Picture 4">
-            <a:extLst>
-              <a:ext uri="{FF2B5EF4-FFF2-40B4-BE49-F238E27FC236}">
-                <a16:creationId xmlns:a16="http://schemas.microsoft.com/office/drawing/2014/main" id="{90D9A396-A2A5-5E69-6C50-52141C036738}"/>
-              </a:ext>
-            </a:extLst>
-          </p:cNvPr>
-          <p:cNvPicPr>
-            <a:picLocks noChangeAspect="1"/>
-          </p:cNvPicPr>
-          <p:nvPr/>
-        </p:nvPicPr>
-        <p:blipFill>
-          <a:blip r:embed="rId2">
-            <a:extLst>
-              <a:ext uri="{28A0092B-C50C-407E-A947-70E740481C1C}">
-                <a14:useLocalDpi xmlns:a14="http://schemas.microsoft.com/office/drawing/2010/main" val="0"/>
-              </a:ext>
-            </a:extLst>
-          </a:blip>
-          <a:stretch>
-            <a:fillRect/>
-          </a:stretch>
-        </p:blipFill>
-        <p:spPr>
-          <a:xfrm>
-            <a:off x="6469439" y="3957098"/>
-            <a:ext cx="5641879" cy="847843"/>
-          </a:xfrm>
-          <a:prstGeom prst="rect">
-            <a:avLst/>
-          </a:prstGeom>
-        </p:spPr>
-      </p:pic>
+        </p:nvGraphicFramePr>
+        <p:xfrm>
+          <a:off x="761799" y="2750126"/>
+          <a:ext cx="10381205" cy="3261789"/>
+        </p:xfrm>
+        <a:graphic>
+          <a:graphicData uri="http://schemas.openxmlformats.org/drawingml/2006/diagram">
+            <dgm:relIds xmlns:dgm="http://schemas.openxmlformats.org/drawingml/2006/diagram" xmlns:r="http://schemas.openxmlformats.org/officeDocument/2006/relationships" r:dm="rId2" r:lo="rId3" r:qs="rId4" r:cs="rId5"/>
+          </a:graphicData>
+        </a:graphic>
+      </p:graphicFrame>
     </p:spTree>
     <p:extLst>
       <p:ext uri="{BB962C8B-B14F-4D97-AF65-F5344CB8AC3E}">
@@ -5962,6 +11560,14 @@
 <file path=ppt/slides/slide5.xml><?xml version="1.0" encoding="utf-8"?>
 <p:sld xmlns:a="http://schemas.openxmlformats.org/drawingml/2006/main" xmlns:r="http://schemas.openxmlformats.org/officeDocument/2006/relationships" xmlns:p="http://schemas.openxmlformats.org/presentationml/2006/main">
   <p:cSld>
+    <p:bg>
+      <p:bgPr>
+        <a:solidFill>
+          <a:schemeClr val="bg1"/>
+        </a:solidFill>
+        <a:effectLst/>
+      </p:bgPr>
+    </p:bg>
     <p:spTree>
       <p:nvGrpSpPr>
         <p:cNvPr id="1" name=""/>
@@ -5976,39 +11582,686 @@
           <a:chExt cx="0" cy="0"/>
         </a:xfrm>
       </p:grpSpPr>
+      <p:sp useBgFill="1">
+        <p:nvSpPr>
+          <p:cNvPr id="29" name="Rectangle 9">
+            <a:extLst>
+              <a:ext uri="{FF2B5EF4-FFF2-40B4-BE49-F238E27FC236}">
+                <a16:creationId xmlns:a16="http://schemas.microsoft.com/office/drawing/2014/main" id="{038E7D36-B1C9-463C-983F-AEA5810A60D0}"/>
+              </a:ext>
+              <a:ext uri="{C183D7F6-B498-43B3-948B-1728B52AA6E4}">
+                <adec:decorative xmlns:adec="http://schemas.microsoft.com/office/drawing/2017/decorative" val="1"/>
+              </a:ext>
+            </a:extLst>
+          </p:cNvPr>
+          <p:cNvSpPr>
+            <a:spLocks noGrp="1" noRot="1" noChangeAspect="1" noMove="1" noResize="1" noEditPoints="1" noAdjustHandles="1" noChangeArrowheads="1" noChangeShapeType="1" noTextEdit="1"/>
+          </p:cNvSpPr>
+          <p:nvPr>
+            <p:extLst>
+              <p:ext uri="{386F3935-93C4-4BCD-93E2-E3B085C9AB24}">
+                <p16:designElem xmlns:p16="http://schemas.microsoft.com/office/powerpoint/2015/main" val="1"/>
+              </p:ext>
+            </p:extLst>
+          </p:nvPr>
+        </p:nvSpPr>
+        <p:spPr>
+          <a:xfrm>
+            <a:off x="0" y="0"/>
+            <a:ext cx="12188952" cy="6858000"/>
+          </a:xfrm>
+          <a:prstGeom prst="rect">
+            <a:avLst/>
+          </a:prstGeom>
+          <a:ln>
+            <a:noFill/>
+          </a:ln>
+        </p:spPr>
+        <p:style>
+          <a:lnRef idx="2">
+            <a:schemeClr val="accent1">
+              <a:shade val="50000"/>
+            </a:schemeClr>
+          </a:lnRef>
+          <a:fillRef idx="1">
+            <a:schemeClr val="accent1"/>
+          </a:fillRef>
+          <a:effectRef idx="0">
+            <a:schemeClr val="accent1"/>
+          </a:effectRef>
+          <a:fontRef idx="minor">
+            <a:schemeClr val="lt1"/>
+          </a:fontRef>
+        </p:style>
+        <p:txBody>
+          <a:bodyPr rtlCol="0" anchor="ctr"/>
+          <a:lstStyle/>
+          <a:p>
+            <a:pPr algn="ctr"/>
+            <a:endParaRPr lang="en-US" dirty="0"/>
+          </a:p>
+        </p:txBody>
+      </p:sp>
+      <p:sp>
+        <p:nvSpPr>
+          <p:cNvPr id="31" name="Rectangle 11">
+            <a:extLst>
+              <a:ext uri="{FF2B5EF4-FFF2-40B4-BE49-F238E27FC236}">
+                <a16:creationId xmlns:a16="http://schemas.microsoft.com/office/drawing/2014/main" id="{37B9A221-B33F-47C2-85FF-2C8F363D797B}"/>
+              </a:ext>
+              <a:ext uri="{C183D7F6-B498-43B3-948B-1728B52AA6E4}">
+                <adec:decorative xmlns:adec="http://schemas.microsoft.com/office/drawing/2017/decorative" val="1"/>
+              </a:ext>
+            </a:extLst>
+          </p:cNvPr>
+          <p:cNvSpPr>
+            <a:spLocks noGrp="1" noRot="1" noChangeAspect="1" noMove="1" noResize="1" noEditPoints="1" noAdjustHandles="1" noChangeArrowheads="1" noChangeShapeType="1" noTextEdit="1"/>
+          </p:cNvSpPr>
+          <p:nvPr>
+            <p:extLst>
+              <p:ext uri="{386F3935-93C4-4BCD-93E2-E3B085C9AB24}">
+                <p16:designElem xmlns:p16="http://schemas.microsoft.com/office/powerpoint/2015/main" val="1"/>
+              </p:ext>
+            </p:extLst>
+          </p:nvPr>
+        </p:nvSpPr>
+        <p:spPr>
+          <a:xfrm>
+            <a:off x="0" y="0"/>
+            <a:ext cx="12188952" cy="6858000"/>
+          </a:xfrm>
+          <a:prstGeom prst="rect">
+            <a:avLst/>
+          </a:prstGeom>
+          <a:solidFill>
+            <a:schemeClr val="bg2">
+              <a:alpha val="40000"/>
+            </a:schemeClr>
+          </a:solidFill>
+          <a:ln>
+            <a:noFill/>
+          </a:ln>
+        </p:spPr>
+        <p:style>
+          <a:lnRef idx="2">
+            <a:schemeClr val="accent1">
+              <a:shade val="50000"/>
+            </a:schemeClr>
+          </a:lnRef>
+          <a:fillRef idx="1">
+            <a:schemeClr val="accent1"/>
+          </a:fillRef>
+          <a:effectRef idx="0">
+            <a:schemeClr val="accent1"/>
+          </a:effectRef>
+          <a:fontRef idx="minor">
+            <a:schemeClr val="lt1"/>
+          </a:fontRef>
+        </p:style>
+        <p:txBody>
+          <a:bodyPr rtlCol="0" anchor="ctr"/>
+          <a:lstStyle/>
+          <a:p>
+            <a:pPr algn="ctr"/>
+            <a:endParaRPr lang="en-US" dirty="0"/>
+          </a:p>
+        </p:txBody>
+      </p:sp>
+      <p:sp useBgFill="1">
+        <p:nvSpPr>
+          <p:cNvPr id="32" name="Rectangle 13">
+            <a:extLst>
+              <a:ext uri="{FF2B5EF4-FFF2-40B4-BE49-F238E27FC236}">
+                <a16:creationId xmlns:a16="http://schemas.microsoft.com/office/drawing/2014/main" id="{CD0E0EF1-7626-4514-9337-271DD661B1EB}"/>
+              </a:ext>
+              <a:ext uri="{C183D7F6-B498-43B3-948B-1728B52AA6E4}">
+                <adec:decorative xmlns:adec="http://schemas.microsoft.com/office/drawing/2017/decorative" val="1"/>
+              </a:ext>
+            </a:extLst>
+          </p:cNvPr>
+          <p:cNvSpPr>
+            <a:spLocks noGrp="1" noRot="1" noChangeAspect="1" noMove="1" noResize="1" noEditPoints="1" noAdjustHandles="1" noChangeArrowheads="1" noChangeShapeType="1" noTextEdit="1"/>
+          </p:cNvSpPr>
+          <p:nvPr>
+            <p:extLst>
+              <p:ext uri="{386F3935-93C4-4BCD-93E2-E3B085C9AB24}">
+                <p16:designElem xmlns:p16="http://schemas.microsoft.com/office/powerpoint/2015/main" val="1"/>
+              </p:ext>
+            </p:extLst>
+          </p:nvPr>
+        </p:nvSpPr>
+        <p:spPr>
+          <a:xfrm>
+            <a:off x="0" y="0"/>
+            <a:ext cx="12188952" cy="6858000"/>
+          </a:xfrm>
+          <a:prstGeom prst="rect">
+            <a:avLst/>
+          </a:prstGeom>
+          <a:ln>
+            <a:noFill/>
+          </a:ln>
+          <a:effectLst/>
+        </p:spPr>
+        <p:style>
+          <a:lnRef idx="2">
+            <a:schemeClr val="accent1">
+              <a:shade val="50000"/>
+            </a:schemeClr>
+          </a:lnRef>
+          <a:fillRef idx="1">
+            <a:schemeClr val="accent1"/>
+          </a:fillRef>
+          <a:effectRef idx="0">
+            <a:schemeClr val="accent1"/>
+          </a:effectRef>
+          <a:fontRef idx="minor">
+            <a:schemeClr val="lt1"/>
+          </a:fontRef>
+        </p:style>
+        <p:txBody>
+          <a:bodyPr rtlCol="0" anchor="ctr"/>
+          <a:lstStyle/>
+          <a:p>
+            <a:pPr algn="ctr"/>
+            <a:endParaRPr lang="en-US"/>
+          </a:p>
+        </p:txBody>
+      </p:sp>
+      <p:sp useBgFill="1">
+        <p:nvSpPr>
+          <p:cNvPr id="33" name="Rectangle 15">
+            <a:extLst>
+              <a:ext uri="{FF2B5EF4-FFF2-40B4-BE49-F238E27FC236}">
+                <a16:creationId xmlns:a16="http://schemas.microsoft.com/office/drawing/2014/main" id="{5F0B1492-9A00-4F80-8771-0BB2C2C4353C}"/>
+              </a:ext>
+              <a:ext uri="{C183D7F6-B498-43B3-948B-1728B52AA6E4}">
+                <adec:decorative xmlns:adec="http://schemas.microsoft.com/office/drawing/2017/decorative" val="1"/>
+              </a:ext>
+            </a:extLst>
+          </p:cNvPr>
+          <p:cNvSpPr>
+            <a:spLocks noGrp="1" noRot="1" noChangeAspect="1" noMove="1" noResize="1" noEditPoints="1" noAdjustHandles="1" noChangeArrowheads="1" noChangeShapeType="1" noTextEdit="1"/>
+          </p:cNvSpPr>
+          <p:nvPr>
+            <p:extLst>
+              <p:ext uri="{386F3935-93C4-4BCD-93E2-E3B085C9AB24}">
+                <p16:designElem xmlns:p16="http://schemas.microsoft.com/office/powerpoint/2015/main" val="1"/>
+              </p:ext>
+            </p:extLst>
+          </p:nvPr>
+        </p:nvSpPr>
+        <p:spPr>
+          <a:xfrm>
+            <a:off x="0" y="-2"/>
+            <a:ext cx="12188952" cy="2544415"/>
+          </a:xfrm>
+          <a:prstGeom prst="rect">
+            <a:avLst/>
+          </a:prstGeom>
+          <a:ln>
+            <a:noFill/>
+          </a:ln>
+          <a:effectLst>
+            <a:outerShdw blurRad="190500" dist="127000" dir="5460000" sx="94000" sy="94000" algn="t" rotWithShape="0">
+              <a:srgbClr val="000000">
+                <a:alpha val="30000"/>
+              </a:srgbClr>
+            </a:outerShdw>
+          </a:effectLst>
+        </p:spPr>
+        <p:style>
+          <a:lnRef idx="2">
+            <a:schemeClr val="accent1">
+              <a:shade val="50000"/>
+            </a:schemeClr>
+          </a:lnRef>
+          <a:fillRef idx="1">
+            <a:schemeClr val="accent1"/>
+          </a:fillRef>
+          <a:effectRef idx="0">
+            <a:schemeClr val="accent1"/>
+          </a:effectRef>
+          <a:fontRef idx="minor">
+            <a:schemeClr val="lt1"/>
+          </a:fontRef>
+        </p:style>
+        <p:txBody>
+          <a:bodyPr rtlCol="0" anchor="ctr"/>
+          <a:lstStyle/>
+          <a:p>
+            <a:pPr algn="ctr"/>
+            <a:endParaRPr lang="en-US" dirty="0"/>
+          </a:p>
+        </p:txBody>
+      </p:sp>
+      <p:cxnSp>
+        <p:nvCxnSpPr>
+          <p:cNvPr id="34" name="Straight Connector 17">
+            <a:extLst>
+              <a:ext uri="{FF2B5EF4-FFF2-40B4-BE49-F238E27FC236}">
+                <a16:creationId xmlns:a16="http://schemas.microsoft.com/office/drawing/2014/main" id="{7FAC7B62-8ACC-41ED-80AB-8D1CDF38B9E4}"/>
+              </a:ext>
+              <a:ext uri="{C183D7F6-B498-43B3-948B-1728B52AA6E4}">
+                <adec:decorative xmlns:adec="http://schemas.microsoft.com/office/drawing/2017/decorative" val="1"/>
+              </a:ext>
+            </a:extLst>
+          </p:cNvPr>
+          <p:cNvCxnSpPr>
+            <a:cxnSpLocks noGrp="1" noRot="1" noChangeAspect="1" noMove="1" noResize="1" noEditPoints="1" noAdjustHandles="1" noChangeArrowheads="1" noChangeShapeType="1"/>
+          </p:cNvCxnSpPr>
+          <p:nvPr>
+            <p:extLst>
+              <p:ext uri="{386F3935-93C4-4BCD-93E2-E3B085C9AB24}">
+                <p16:designElem xmlns:p16="http://schemas.microsoft.com/office/powerpoint/2015/main" val="1"/>
+              </p:ext>
+            </p:extLst>
+          </p:nvPr>
+        </p:nvCxnSpPr>
+        <p:spPr>
+          <a:xfrm>
+            <a:off x="11668155" y="5641010"/>
+            <a:ext cx="0" cy="599069"/>
+          </a:xfrm>
+          <a:prstGeom prst="line">
+            <a:avLst/>
+          </a:prstGeom>
+          <a:ln w="38100">
+            <a:solidFill>
+              <a:schemeClr val="tx1"/>
+            </a:solidFill>
+          </a:ln>
+        </p:spPr>
+        <p:style>
+          <a:lnRef idx="1">
+            <a:schemeClr val="accent1"/>
+          </a:lnRef>
+          <a:fillRef idx="0">
+            <a:schemeClr val="accent1"/>
+          </a:fillRef>
+          <a:effectRef idx="0">
+            <a:schemeClr val="accent1"/>
+          </a:effectRef>
+          <a:fontRef idx="minor">
+            <a:schemeClr val="tx1"/>
+          </a:fontRef>
+        </p:style>
+      </p:cxnSp>
+      <p:cxnSp>
+        <p:nvCxnSpPr>
+          <p:cNvPr id="35" name="Straight Connector 19">
+            <a:extLst>
+              <a:ext uri="{FF2B5EF4-FFF2-40B4-BE49-F238E27FC236}">
+                <a16:creationId xmlns:a16="http://schemas.microsoft.com/office/drawing/2014/main" id="{945FF525-9A83-4625-99D9-B267BDE077E7}"/>
+              </a:ext>
+              <a:ext uri="{C183D7F6-B498-43B3-948B-1728B52AA6E4}">
+                <adec:decorative xmlns:adec="http://schemas.microsoft.com/office/drawing/2017/decorative" val="1"/>
+              </a:ext>
+            </a:extLst>
+          </p:cNvPr>
+          <p:cNvCxnSpPr>
+            <a:cxnSpLocks noGrp="1" noRot="1" noChangeAspect="1" noMove="1" noResize="1" noEditPoints="1" noAdjustHandles="1" noChangeArrowheads="1" noChangeShapeType="1"/>
+          </p:cNvCxnSpPr>
+          <p:nvPr>
+            <p:extLst>
+              <p:ext uri="{386F3935-93C4-4BCD-93E2-E3B085C9AB24}">
+                <p16:designElem xmlns:p16="http://schemas.microsoft.com/office/powerpoint/2015/main" val="1"/>
+              </p:ext>
+            </p:extLst>
+          </p:nvPr>
+        </p:nvCxnSpPr>
+        <p:spPr>
+          <a:xfrm>
+            <a:off x="11668155" y="5641010"/>
+            <a:ext cx="0" cy="599069"/>
+          </a:xfrm>
+          <a:prstGeom prst="line">
+            <a:avLst/>
+          </a:prstGeom>
+          <a:ln w="38100">
+            <a:solidFill>
+              <a:schemeClr val="tx1"/>
+            </a:solidFill>
+          </a:ln>
+        </p:spPr>
+        <p:style>
+          <a:lnRef idx="1">
+            <a:schemeClr val="accent1"/>
+          </a:lnRef>
+          <a:fillRef idx="0">
+            <a:schemeClr val="accent1"/>
+          </a:fillRef>
+          <a:effectRef idx="0">
+            <a:schemeClr val="accent1"/>
+          </a:effectRef>
+          <a:fontRef idx="minor">
+            <a:schemeClr val="tx1"/>
+          </a:fontRef>
+        </p:style>
+      </p:cxnSp>
+      <p:sp useBgFill="1">
+        <p:nvSpPr>
+          <p:cNvPr id="36" name="Slide Background">
+            <a:extLst>
+              <a:ext uri="{FF2B5EF4-FFF2-40B4-BE49-F238E27FC236}">
+                <a16:creationId xmlns:a16="http://schemas.microsoft.com/office/drawing/2014/main" id="{1102E982-8BE3-4FBA-ADFD-82E7D10B8C09}"/>
+              </a:ext>
+              <a:ext uri="{C183D7F6-B498-43B3-948B-1728B52AA6E4}">
+                <adec:decorative xmlns:adec="http://schemas.microsoft.com/office/drawing/2017/decorative" val="1"/>
+              </a:ext>
+            </a:extLst>
+          </p:cNvPr>
+          <p:cNvSpPr>
+            <a:spLocks noGrp="1" noRot="1" noChangeAspect="1" noMove="1" noResize="1" noEditPoints="1" noAdjustHandles="1" noChangeArrowheads="1" noChangeShapeType="1" noTextEdit="1"/>
+          </p:cNvSpPr>
+          <p:nvPr>
+            <p:extLst>
+              <p:ext uri="{386F3935-93C4-4BCD-93E2-E3B085C9AB24}">
+                <p16:designElem xmlns:p16="http://schemas.microsoft.com/office/powerpoint/2015/main" val="1"/>
+              </p:ext>
+            </p:extLst>
+          </p:nvPr>
+        </p:nvSpPr>
+        <p:spPr>
+          <a:xfrm>
+            <a:off x="0" y="0"/>
+            <a:ext cx="12192000" cy="6858000"/>
+          </a:xfrm>
+          <a:prstGeom prst="rect">
+            <a:avLst/>
+          </a:prstGeom>
+          <a:ln>
+            <a:noFill/>
+          </a:ln>
+        </p:spPr>
+        <p:style>
+          <a:lnRef idx="2">
+            <a:schemeClr val="accent1">
+              <a:shade val="50000"/>
+            </a:schemeClr>
+          </a:lnRef>
+          <a:fillRef idx="1">
+            <a:schemeClr val="accent1"/>
+          </a:fillRef>
+          <a:effectRef idx="0">
+            <a:schemeClr val="accent1"/>
+          </a:effectRef>
+          <a:fontRef idx="minor">
+            <a:schemeClr val="lt1"/>
+          </a:fontRef>
+        </p:style>
+        <p:txBody>
+          <a:bodyPr rtlCol="0" anchor="ctr"/>
+          <a:lstStyle/>
+          <a:p>
+            <a:pPr algn="ctr"/>
+            <a:endParaRPr lang="en-US"/>
+          </a:p>
+        </p:txBody>
+      </p:sp>
+      <p:sp>
+        <p:nvSpPr>
+          <p:cNvPr id="37" name="tint">
+            <a:extLst>
+              <a:ext uri="{FF2B5EF4-FFF2-40B4-BE49-F238E27FC236}">
+                <a16:creationId xmlns:a16="http://schemas.microsoft.com/office/drawing/2014/main" id="{7F843252-B159-4DA1-BE13-6EC3EF21096B}"/>
+              </a:ext>
+              <a:ext uri="{C183D7F6-B498-43B3-948B-1728B52AA6E4}">
+                <adec:decorative xmlns:adec="http://schemas.microsoft.com/office/drawing/2017/decorative" val="1"/>
+              </a:ext>
+            </a:extLst>
+          </p:cNvPr>
+          <p:cNvSpPr>
+            <a:spLocks noGrp="1" noRot="1" noChangeAspect="1" noMove="1" noResize="1" noEditPoints="1" noAdjustHandles="1" noChangeArrowheads="1" noChangeShapeType="1" noTextEdit="1"/>
+          </p:cNvSpPr>
+          <p:nvPr>
+            <p:extLst>
+              <p:ext uri="{386F3935-93C4-4BCD-93E2-E3B085C9AB24}">
+                <p16:designElem xmlns:p16="http://schemas.microsoft.com/office/powerpoint/2015/main" val="1"/>
+              </p:ext>
+            </p:extLst>
+          </p:nvPr>
+        </p:nvSpPr>
+        <p:spPr>
+          <a:xfrm>
+            <a:off x="-1117" y="0"/>
+            <a:ext cx="12193117" cy="6849700"/>
+          </a:xfrm>
+          <a:prstGeom prst="rect">
+            <a:avLst/>
+          </a:prstGeom>
+          <a:solidFill>
+            <a:schemeClr val="bg2">
+              <a:alpha val="40000"/>
+            </a:schemeClr>
+          </a:solidFill>
+          <a:ln>
+            <a:noFill/>
+          </a:ln>
+        </p:spPr>
+        <p:style>
+          <a:lnRef idx="2">
+            <a:schemeClr val="accent1">
+              <a:shade val="50000"/>
+            </a:schemeClr>
+          </a:lnRef>
+          <a:fillRef idx="1">
+            <a:schemeClr val="accent1"/>
+          </a:fillRef>
+          <a:effectRef idx="0">
+            <a:schemeClr val="accent1"/>
+          </a:effectRef>
+          <a:fontRef idx="minor">
+            <a:schemeClr val="lt1"/>
+          </a:fontRef>
+        </p:style>
+        <p:txBody>
+          <a:bodyPr rtlCol="0" anchor="ctr"/>
+          <a:lstStyle/>
+          <a:p>
+            <a:pPr algn="ctr"/>
+            <a:endParaRPr lang="en-US" dirty="0"/>
+          </a:p>
+        </p:txBody>
+      </p:sp>
+      <p:sp useBgFill="1">
+        <p:nvSpPr>
+          <p:cNvPr id="38" name="Rectangle 25">
+            <a:extLst>
+              <a:ext uri="{FF2B5EF4-FFF2-40B4-BE49-F238E27FC236}">
+                <a16:creationId xmlns:a16="http://schemas.microsoft.com/office/drawing/2014/main" id="{4F2A6A32-9ADF-4DD4-AEA5-0D1FF0F8B490}"/>
+              </a:ext>
+              <a:ext uri="{C183D7F6-B498-43B3-948B-1728B52AA6E4}">
+                <adec:decorative xmlns:adec="http://schemas.microsoft.com/office/drawing/2017/decorative" val="1"/>
+              </a:ext>
+            </a:extLst>
+          </p:cNvPr>
+          <p:cNvSpPr>
+            <a:spLocks noGrp="1" noRot="1" noChangeAspect="1" noMove="1" noResize="1" noEditPoints="1" noAdjustHandles="1" noChangeArrowheads="1" noChangeShapeType="1" noTextEdit="1"/>
+          </p:cNvSpPr>
+          <p:nvPr>
+            <p:extLst>
+              <p:ext uri="{386F3935-93C4-4BCD-93E2-E3B085C9AB24}">
+                <p16:designElem xmlns:p16="http://schemas.microsoft.com/office/powerpoint/2015/main" val="1"/>
+              </p:ext>
+            </p:extLst>
+          </p:nvPr>
+        </p:nvSpPr>
+        <p:spPr>
+          <a:xfrm>
+            <a:off x="6095998" y="0"/>
+            <a:ext cx="6096001" cy="6849700"/>
+          </a:xfrm>
+          <a:prstGeom prst="rect">
+            <a:avLst/>
+          </a:prstGeom>
+          <a:ln>
+            <a:noFill/>
+          </a:ln>
+          <a:effectLst>
+            <a:outerShdw blurRad="596900" dist="317500" dir="8820000" sx="87000" sy="87000" algn="t" rotWithShape="0">
+              <a:schemeClr val="tx1">
+                <a:alpha val="27000"/>
+              </a:schemeClr>
+            </a:outerShdw>
+          </a:effectLst>
+        </p:spPr>
+        <p:style>
+          <a:lnRef idx="2">
+            <a:schemeClr val="accent1">
+              <a:shade val="50000"/>
+            </a:schemeClr>
+          </a:lnRef>
+          <a:fillRef idx="1">
+            <a:schemeClr val="accent1"/>
+          </a:fillRef>
+          <a:effectRef idx="0">
+            <a:schemeClr val="accent1"/>
+          </a:effectRef>
+          <a:fontRef idx="minor">
+            <a:schemeClr val="lt1"/>
+          </a:fontRef>
+        </p:style>
+        <p:txBody>
+          <a:bodyPr rtlCol="0" anchor="ctr"/>
+          <a:lstStyle/>
+          <a:p>
+            <a:pPr algn="ctr"/>
+            <a:endParaRPr lang="en-US"/>
+          </a:p>
+        </p:txBody>
+      </p:sp>
+      <p:sp useBgFill="1">
+        <p:nvSpPr>
+          <p:cNvPr id="28" name="Rectangle 27">
+            <a:extLst>
+              <a:ext uri="{FF2B5EF4-FFF2-40B4-BE49-F238E27FC236}">
+                <a16:creationId xmlns:a16="http://schemas.microsoft.com/office/drawing/2014/main" id="{E82F361B-984A-43B6-AFE8-1F14394284E4}"/>
+              </a:ext>
+              <a:ext uri="{C183D7F6-B498-43B3-948B-1728B52AA6E4}">
+                <adec:decorative xmlns:adec="http://schemas.microsoft.com/office/drawing/2017/decorative" val="1"/>
+              </a:ext>
+            </a:extLst>
+          </p:cNvPr>
+          <p:cNvSpPr>
+            <a:spLocks noGrp="1" noRot="1" noChangeAspect="1" noMove="1" noResize="1" noEditPoints="1" noAdjustHandles="1" noChangeArrowheads="1" noChangeShapeType="1" noTextEdit="1"/>
+          </p:cNvSpPr>
+          <p:nvPr>
+            <p:extLst>
+              <p:ext uri="{386F3935-93C4-4BCD-93E2-E3B085C9AB24}">
+                <p16:designElem xmlns:p16="http://schemas.microsoft.com/office/powerpoint/2015/main" val="1"/>
+              </p:ext>
+            </p:extLst>
+          </p:nvPr>
+        </p:nvSpPr>
+        <p:spPr>
+          <a:xfrm>
+            <a:off x="0" y="8299"/>
+            <a:ext cx="12191999" cy="3390300"/>
+          </a:xfrm>
+          <a:prstGeom prst="rect">
+            <a:avLst/>
+          </a:prstGeom>
+          <a:ln>
+            <a:noFill/>
+          </a:ln>
+          <a:effectLst>
+            <a:outerShdw blurRad="596900" dist="330200" dir="7140000" sx="87000" sy="87000" algn="t" rotWithShape="0">
+              <a:srgbClr val="000000">
+                <a:alpha val="26667"/>
+              </a:srgbClr>
+            </a:outerShdw>
+          </a:effectLst>
+        </p:spPr>
+        <p:style>
+          <a:lnRef idx="2">
+            <a:schemeClr val="accent1">
+              <a:shade val="50000"/>
+            </a:schemeClr>
+          </a:lnRef>
+          <a:fillRef idx="1">
+            <a:schemeClr val="accent1"/>
+          </a:fillRef>
+          <a:effectRef idx="0">
+            <a:schemeClr val="accent1"/>
+          </a:effectRef>
+          <a:fontRef idx="minor">
+            <a:schemeClr val="lt1"/>
+          </a:fontRef>
+        </p:style>
+        <p:txBody>
+          <a:bodyPr rtlCol="0" anchor="ctr"/>
+          <a:lstStyle/>
+          <a:p>
+            <a:pPr algn="ctr"/>
+            <a:endParaRPr lang="en-US" dirty="0"/>
+          </a:p>
+        </p:txBody>
+      </p:sp>
+      <p:sp>
+        <p:nvSpPr>
+          <p:cNvPr id="2" name="Title 1">
+            <a:extLst>
+              <a:ext uri="{FF2B5EF4-FFF2-40B4-BE49-F238E27FC236}">
+                <a16:creationId xmlns:a16="http://schemas.microsoft.com/office/drawing/2014/main" id="{E7772FF8-0235-94A2-5B1A-4C9AA93D2581}"/>
+              </a:ext>
+            </a:extLst>
+          </p:cNvPr>
+          <p:cNvSpPr>
+            <a:spLocks noGrp="1"/>
+          </p:cNvSpPr>
+          <p:nvPr>
+            <p:ph type="title"/>
+          </p:nvPr>
+        </p:nvSpPr>
+        <p:spPr>
+          <a:xfrm>
+            <a:off x="761801" y="858982"/>
+            <a:ext cx="4697303" cy="2185826"/>
+          </a:xfrm>
+        </p:spPr>
+        <p:txBody>
+          <a:bodyPr vert="horz" lIns="91440" tIns="45720" rIns="91440" bIns="45720" rtlCol="0" anchor="ctr">
+            <a:normAutofit/>
+          </a:bodyPr>
+          <a:lstStyle/>
+          <a:p>
+            <a:r>
+              <a:rPr lang="en-US" sz="2400" dirty="0">
+                <a:latin typeface="Bierstadt" panose="020B0004020202020204" pitchFamily="34" charset="0"/>
+              </a:rPr>
+              <a:t>Take input from the user (image or video stream )</a:t>
+            </a:r>
+          </a:p>
+        </p:txBody>
+      </p:sp>
       <p:pic>
         <p:nvPicPr>
-          <p:cNvPr id="6" name="Content Placeholder 5" descr="Text&#10;&#10;Description automatically generated">
-            <a:extLst>
-              <a:ext uri="{FF2B5EF4-FFF2-40B4-BE49-F238E27FC236}">
-                <a16:creationId xmlns:a16="http://schemas.microsoft.com/office/drawing/2014/main" id="{8723CC14-328E-5A1E-5D58-52057A93774C}"/>
+          <p:cNvPr id="39" name="Picture 5" descr="Close-up of camera lens">
+            <a:extLst>
+              <a:ext uri="{FF2B5EF4-FFF2-40B4-BE49-F238E27FC236}">
+                <a16:creationId xmlns:a16="http://schemas.microsoft.com/office/drawing/2014/main" id="{179FAB22-E17D-F495-A0AD-4F1334CC7007}"/>
               </a:ext>
             </a:extLst>
           </p:cNvPr>
           <p:cNvPicPr>
-            <a:picLocks noGrp="1" noChangeAspect="1"/>
+            <a:picLocks noChangeAspect="1"/>
           </p:cNvPicPr>
-          <p:nvPr>
-            <p:ph idx="1"/>
-          </p:nvPr>
+          <p:nvPr/>
         </p:nvPicPr>
-        <p:blipFill>
-          <a:blip r:embed="rId2">
-            <a:extLst>
-              <a:ext uri="{28A0092B-C50C-407E-A947-70E740481C1C}">
-                <a14:useLocalDpi xmlns:a14="http://schemas.microsoft.com/office/drawing/2010/main" val="0"/>
-              </a:ext>
-            </a:extLst>
-          </a:blip>
-          <a:stretch>
-            <a:fillRect/>
-          </a:stretch>
+        <p:blipFill rotWithShape="1">
+          <a:blip r:embed="rId2"/>
+          <a:srcRect b="16164"/>
+          <a:stretch/>
         </p:blipFill>
         <p:spPr>
           <a:xfrm>
-            <a:off x="6284258" y="1147482"/>
-            <a:ext cx="5325035" cy="4061012"/>
+            <a:off x="6096010" y="10"/>
+            <a:ext cx="6096003" cy="3398589"/>
           </a:xfrm>
+          <a:prstGeom prst="rect">
+            <a:avLst/>
+          </a:prstGeom>
         </p:spPr>
       </p:pic>
       <p:sp>
@@ -6016,7 +12269,7 @@
           <p:cNvPr id="4" name="Text Placeholder 3">
             <a:extLst>
               <a:ext uri="{FF2B5EF4-FFF2-40B4-BE49-F238E27FC236}">
-                <a16:creationId xmlns:a16="http://schemas.microsoft.com/office/drawing/2014/main" id="{8F8FEFCA-9211-CB70-0D0A-D8036633F417}"/>
+                <a16:creationId xmlns:a16="http://schemas.microsoft.com/office/drawing/2014/main" id="{040DB659-5371-0297-047C-CCD7124232D4}"/>
               </a:ext>
             </a:extLst>
           </p:cNvPr>
@@ -6029,38 +12282,79 @@
         </p:nvSpPr>
         <p:spPr>
           <a:xfrm>
-            <a:off x="770537" y="1470212"/>
-            <a:ext cx="4560525" cy="4549587"/>
+            <a:off x="6516807" y="3814549"/>
+            <a:ext cx="4575676" cy="2425530"/>
           </a:xfrm>
         </p:spPr>
         <p:txBody>
-          <a:bodyPr/>
+          <a:bodyPr vert="horz" lIns="91440" tIns="45720" rIns="91440" bIns="45720" rtlCol="0" anchor="b">
+            <a:normAutofit/>
+          </a:bodyPr>
           <a:lstStyle/>
           <a:p>
-            <a:pPr marL="342900" indent="-342900">
-              <a:buFont typeface="Arial" panose="020B0604020202020204" pitchFamily="34" charset="0"/>
-              <a:buChar char="•"/>
-            </a:pPr>
             <a:r>
               <a:rPr lang="en-US" dirty="0"/>
-              <a:t>Run The code using </a:t>
+              <a:t>Preprocess(change size and covert into grayscale) that image or frame from a video so that we can give it as an input to our model(convert into blob)</a:t>
             </a:r>
-            <a:r>
-              <a:rPr lang="en-US"/>
-              <a:t>command – prompt  </a:t>
-            </a:r>
-            <a:r>
-              <a:rPr lang="en-US" dirty="0"/>
-              <a:t>and given command </a:t>
-            </a:r>
-            <a:endParaRPr lang="en-IN" dirty="0"/>
           </a:p>
         </p:txBody>
       </p:sp>
+      <p:cxnSp>
+        <p:nvCxnSpPr>
+          <p:cNvPr id="30" name="Straight Connector 29">
+            <a:extLst>
+              <a:ext uri="{FF2B5EF4-FFF2-40B4-BE49-F238E27FC236}">
+                <a16:creationId xmlns:a16="http://schemas.microsoft.com/office/drawing/2014/main" id="{61FF92BA-874E-408A-BFAD-416A7FFE5976}"/>
+              </a:ext>
+              <a:ext uri="{C183D7F6-B498-43B3-948B-1728B52AA6E4}">
+                <adec:decorative xmlns:adec="http://schemas.microsoft.com/office/drawing/2017/decorative" val="1"/>
+              </a:ext>
+            </a:extLst>
+          </p:cNvPr>
+          <p:cNvCxnSpPr>
+            <a:cxnSpLocks noGrp="1" noRot="1" noChangeAspect="1" noMove="1" noResize="1" noEditPoints="1" noAdjustHandles="1" noChangeArrowheads="1" noChangeShapeType="1"/>
+          </p:cNvCxnSpPr>
+          <p:nvPr>
+            <p:extLst>
+              <p:ext uri="{386F3935-93C4-4BCD-93E2-E3B085C9AB24}">
+                <p16:designElem xmlns:p16="http://schemas.microsoft.com/office/powerpoint/2015/main" val="1"/>
+              </p:ext>
+            </p:extLst>
+          </p:nvPr>
+        </p:nvCxnSpPr>
+        <p:spPr>
+          <a:xfrm>
+            <a:off x="11668155" y="5641010"/>
+            <a:ext cx="0" cy="599069"/>
+          </a:xfrm>
+          <a:prstGeom prst="line">
+            <a:avLst/>
+          </a:prstGeom>
+          <a:ln w="38100">
+            <a:solidFill>
+              <a:schemeClr val="tx1"/>
+            </a:solidFill>
+          </a:ln>
+        </p:spPr>
+        <p:style>
+          <a:lnRef idx="1">
+            <a:schemeClr val="accent1"/>
+          </a:lnRef>
+          <a:fillRef idx="0">
+            <a:schemeClr val="accent1"/>
+          </a:fillRef>
+          <a:effectRef idx="0">
+            <a:schemeClr val="accent1"/>
+          </a:effectRef>
+          <a:fontRef idx="minor">
+            <a:schemeClr val="tx1"/>
+          </a:fontRef>
+        </p:style>
+      </p:cxnSp>
     </p:spTree>
     <p:extLst>
       <p:ext uri="{BB962C8B-B14F-4D97-AF65-F5344CB8AC3E}">
-        <p14:creationId xmlns:p14="http://schemas.microsoft.com/office/powerpoint/2010/main" val="1052246509"/>
+        <p14:creationId xmlns:p14="http://schemas.microsoft.com/office/powerpoint/2010/main" val="4007515017"/>
       </p:ext>
     </p:extLst>
   </p:cSld>
@@ -6073,6 +12367,14 @@
 <file path=ppt/slides/slide6.xml><?xml version="1.0" encoding="utf-8"?>
 <p:sld xmlns:a="http://schemas.openxmlformats.org/drawingml/2006/main" xmlns:r="http://schemas.openxmlformats.org/officeDocument/2006/relationships" xmlns:p="http://schemas.openxmlformats.org/presentationml/2006/main">
   <p:cSld>
+    <p:bg>
+      <p:bgPr>
+        <a:solidFill>
+          <a:schemeClr val="bg1"/>
+        </a:solidFill>
+        <a:effectLst/>
+      </p:bgPr>
+    </p:bg>
     <p:spTree>
       <p:nvGrpSpPr>
         <p:cNvPr id="1" name=""/>
@@ -6087,6 +12389,735 @@
           <a:chExt cx="0" cy="0"/>
         </a:xfrm>
       </p:grpSpPr>
+      <p:sp useBgFill="1">
+        <p:nvSpPr>
+          <p:cNvPr id="33" name="Rectangle 32">
+            <a:extLst>
+              <a:ext uri="{FF2B5EF4-FFF2-40B4-BE49-F238E27FC236}">
+                <a16:creationId xmlns:a16="http://schemas.microsoft.com/office/drawing/2014/main" id="{038E7D36-B1C9-463C-983F-AEA5810A60D0}"/>
+              </a:ext>
+              <a:ext uri="{C183D7F6-B498-43B3-948B-1728B52AA6E4}">
+                <adec:decorative xmlns:adec="http://schemas.microsoft.com/office/drawing/2017/decorative" val="1"/>
+              </a:ext>
+            </a:extLst>
+          </p:cNvPr>
+          <p:cNvSpPr>
+            <a:spLocks noGrp="1" noRot="1" noChangeAspect="1" noMove="1" noResize="1" noEditPoints="1" noAdjustHandles="1" noChangeArrowheads="1" noChangeShapeType="1" noTextEdit="1"/>
+          </p:cNvSpPr>
+          <p:nvPr>
+            <p:extLst>
+              <p:ext uri="{386F3935-93C4-4BCD-93E2-E3B085C9AB24}">
+                <p16:designElem xmlns:p16="http://schemas.microsoft.com/office/powerpoint/2015/main" val="1"/>
+              </p:ext>
+            </p:extLst>
+          </p:nvPr>
+        </p:nvSpPr>
+        <p:spPr>
+          <a:xfrm>
+            <a:off x="0" y="0"/>
+            <a:ext cx="12188952" cy="6858000"/>
+          </a:xfrm>
+          <a:prstGeom prst="rect">
+            <a:avLst/>
+          </a:prstGeom>
+          <a:ln>
+            <a:noFill/>
+          </a:ln>
+        </p:spPr>
+        <p:style>
+          <a:lnRef idx="2">
+            <a:schemeClr val="accent1">
+              <a:shade val="50000"/>
+            </a:schemeClr>
+          </a:lnRef>
+          <a:fillRef idx="1">
+            <a:schemeClr val="accent1"/>
+          </a:fillRef>
+          <a:effectRef idx="0">
+            <a:schemeClr val="accent1"/>
+          </a:effectRef>
+          <a:fontRef idx="minor">
+            <a:schemeClr val="lt1"/>
+          </a:fontRef>
+        </p:style>
+        <p:txBody>
+          <a:bodyPr rtlCol="0" anchor="ctr"/>
+          <a:lstStyle/>
+          <a:p>
+            <a:pPr algn="ctr"/>
+            <a:endParaRPr lang="en-US" dirty="0"/>
+          </a:p>
+        </p:txBody>
+      </p:sp>
+      <p:sp>
+        <p:nvSpPr>
+          <p:cNvPr id="35" name="Rectangle 34">
+            <a:extLst>
+              <a:ext uri="{FF2B5EF4-FFF2-40B4-BE49-F238E27FC236}">
+                <a16:creationId xmlns:a16="http://schemas.microsoft.com/office/drawing/2014/main" id="{37B9A221-B33F-47C2-85FF-2C8F363D797B}"/>
+              </a:ext>
+              <a:ext uri="{C183D7F6-B498-43B3-948B-1728B52AA6E4}">
+                <adec:decorative xmlns:adec="http://schemas.microsoft.com/office/drawing/2017/decorative" val="1"/>
+              </a:ext>
+            </a:extLst>
+          </p:cNvPr>
+          <p:cNvSpPr>
+            <a:spLocks noGrp="1" noRot="1" noChangeAspect="1" noMove="1" noResize="1" noEditPoints="1" noAdjustHandles="1" noChangeArrowheads="1" noChangeShapeType="1" noTextEdit="1"/>
+          </p:cNvSpPr>
+          <p:nvPr>
+            <p:extLst>
+              <p:ext uri="{386F3935-93C4-4BCD-93E2-E3B085C9AB24}">
+                <p16:designElem xmlns:p16="http://schemas.microsoft.com/office/powerpoint/2015/main" val="1"/>
+              </p:ext>
+            </p:extLst>
+          </p:nvPr>
+        </p:nvSpPr>
+        <p:spPr>
+          <a:xfrm>
+            <a:off x="0" y="0"/>
+            <a:ext cx="12188952" cy="6858000"/>
+          </a:xfrm>
+          <a:prstGeom prst="rect">
+            <a:avLst/>
+          </a:prstGeom>
+          <a:solidFill>
+            <a:schemeClr val="bg2">
+              <a:alpha val="40000"/>
+            </a:schemeClr>
+          </a:solidFill>
+          <a:ln>
+            <a:noFill/>
+          </a:ln>
+        </p:spPr>
+        <p:style>
+          <a:lnRef idx="2">
+            <a:schemeClr val="accent1">
+              <a:shade val="50000"/>
+            </a:schemeClr>
+          </a:lnRef>
+          <a:fillRef idx="1">
+            <a:schemeClr val="accent1"/>
+          </a:fillRef>
+          <a:effectRef idx="0">
+            <a:schemeClr val="accent1"/>
+          </a:effectRef>
+          <a:fontRef idx="minor">
+            <a:schemeClr val="lt1"/>
+          </a:fontRef>
+        </p:style>
+        <p:txBody>
+          <a:bodyPr rtlCol="0" anchor="ctr"/>
+          <a:lstStyle/>
+          <a:p>
+            <a:pPr algn="ctr"/>
+            <a:endParaRPr lang="en-US" dirty="0"/>
+          </a:p>
+        </p:txBody>
+      </p:sp>
+      <p:sp useBgFill="1">
+        <p:nvSpPr>
+          <p:cNvPr id="37" name="Rectangle 36">
+            <a:extLst>
+              <a:ext uri="{FF2B5EF4-FFF2-40B4-BE49-F238E27FC236}">
+                <a16:creationId xmlns:a16="http://schemas.microsoft.com/office/drawing/2014/main" id="{CD0E0EF1-7626-4514-9337-271DD661B1EB}"/>
+              </a:ext>
+              <a:ext uri="{C183D7F6-B498-43B3-948B-1728B52AA6E4}">
+                <adec:decorative xmlns:adec="http://schemas.microsoft.com/office/drawing/2017/decorative" val="1"/>
+              </a:ext>
+            </a:extLst>
+          </p:cNvPr>
+          <p:cNvSpPr>
+            <a:spLocks noGrp="1" noRot="1" noChangeAspect="1" noMove="1" noResize="1" noEditPoints="1" noAdjustHandles="1" noChangeArrowheads="1" noChangeShapeType="1" noTextEdit="1"/>
+          </p:cNvSpPr>
+          <p:nvPr>
+            <p:extLst>
+              <p:ext uri="{386F3935-93C4-4BCD-93E2-E3B085C9AB24}">
+                <p16:designElem xmlns:p16="http://schemas.microsoft.com/office/powerpoint/2015/main" val="1"/>
+              </p:ext>
+            </p:extLst>
+          </p:nvPr>
+        </p:nvSpPr>
+        <p:spPr>
+          <a:xfrm>
+            <a:off x="0" y="0"/>
+            <a:ext cx="12188952" cy="6858000"/>
+          </a:xfrm>
+          <a:prstGeom prst="rect">
+            <a:avLst/>
+          </a:prstGeom>
+          <a:ln>
+            <a:noFill/>
+          </a:ln>
+          <a:effectLst/>
+        </p:spPr>
+        <p:style>
+          <a:lnRef idx="2">
+            <a:schemeClr val="accent1">
+              <a:shade val="50000"/>
+            </a:schemeClr>
+          </a:lnRef>
+          <a:fillRef idx="1">
+            <a:schemeClr val="accent1"/>
+          </a:fillRef>
+          <a:effectRef idx="0">
+            <a:schemeClr val="accent1"/>
+          </a:effectRef>
+          <a:fontRef idx="minor">
+            <a:schemeClr val="lt1"/>
+          </a:fontRef>
+        </p:style>
+        <p:txBody>
+          <a:bodyPr rtlCol="0" anchor="ctr"/>
+          <a:lstStyle/>
+          <a:p>
+            <a:pPr algn="ctr"/>
+            <a:endParaRPr lang="en-US"/>
+          </a:p>
+        </p:txBody>
+      </p:sp>
+      <p:sp useBgFill="1">
+        <p:nvSpPr>
+          <p:cNvPr id="39" name="Rectangle 38">
+            <a:extLst>
+              <a:ext uri="{FF2B5EF4-FFF2-40B4-BE49-F238E27FC236}">
+                <a16:creationId xmlns:a16="http://schemas.microsoft.com/office/drawing/2014/main" id="{5F0B1492-9A00-4F80-8771-0BB2C2C4353C}"/>
+              </a:ext>
+              <a:ext uri="{C183D7F6-B498-43B3-948B-1728B52AA6E4}">
+                <adec:decorative xmlns:adec="http://schemas.microsoft.com/office/drawing/2017/decorative" val="1"/>
+              </a:ext>
+            </a:extLst>
+          </p:cNvPr>
+          <p:cNvSpPr>
+            <a:spLocks noGrp="1" noRot="1" noChangeAspect="1" noMove="1" noResize="1" noEditPoints="1" noAdjustHandles="1" noChangeArrowheads="1" noChangeShapeType="1" noTextEdit="1"/>
+          </p:cNvSpPr>
+          <p:nvPr>
+            <p:extLst>
+              <p:ext uri="{386F3935-93C4-4BCD-93E2-E3B085C9AB24}">
+                <p16:designElem xmlns:p16="http://schemas.microsoft.com/office/powerpoint/2015/main" val="1"/>
+              </p:ext>
+            </p:extLst>
+          </p:nvPr>
+        </p:nvSpPr>
+        <p:spPr>
+          <a:xfrm>
+            <a:off x="0" y="-2"/>
+            <a:ext cx="12188952" cy="2544415"/>
+          </a:xfrm>
+          <a:prstGeom prst="rect">
+            <a:avLst/>
+          </a:prstGeom>
+          <a:ln>
+            <a:noFill/>
+          </a:ln>
+          <a:effectLst>
+            <a:outerShdw blurRad="190500" dist="127000" dir="5460000" sx="94000" sy="94000" algn="t" rotWithShape="0">
+              <a:srgbClr val="000000">
+                <a:alpha val="30000"/>
+              </a:srgbClr>
+            </a:outerShdw>
+          </a:effectLst>
+        </p:spPr>
+        <p:style>
+          <a:lnRef idx="2">
+            <a:schemeClr val="accent1">
+              <a:shade val="50000"/>
+            </a:schemeClr>
+          </a:lnRef>
+          <a:fillRef idx="1">
+            <a:schemeClr val="accent1"/>
+          </a:fillRef>
+          <a:effectRef idx="0">
+            <a:schemeClr val="accent1"/>
+          </a:effectRef>
+          <a:fontRef idx="minor">
+            <a:schemeClr val="lt1"/>
+          </a:fontRef>
+        </p:style>
+        <p:txBody>
+          <a:bodyPr rtlCol="0" anchor="ctr"/>
+          <a:lstStyle/>
+          <a:p>
+            <a:pPr algn="ctr"/>
+            <a:endParaRPr lang="en-US" dirty="0"/>
+          </a:p>
+        </p:txBody>
+      </p:sp>
+      <p:cxnSp>
+        <p:nvCxnSpPr>
+          <p:cNvPr id="41" name="Straight Connector 40">
+            <a:extLst>
+              <a:ext uri="{FF2B5EF4-FFF2-40B4-BE49-F238E27FC236}">
+                <a16:creationId xmlns:a16="http://schemas.microsoft.com/office/drawing/2014/main" id="{7FAC7B62-8ACC-41ED-80AB-8D1CDF38B9E4}"/>
+              </a:ext>
+              <a:ext uri="{C183D7F6-B498-43B3-948B-1728B52AA6E4}">
+                <adec:decorative xmlns:adec="http://schemas.microsoft.com/office/drawing/2017/decorative" val="1"/>
+              </a:ext>
+            </a:extLst>
+          </p:cNvPr>
+          <p:cNvCxnSpPr>
+            <a:cxnSpLocks noGrp="1" noRot="1" noChangeAspect="1" noMove="1" noResize="1" noEditPoints="1" noAdjustHandles="1" noChangeArrowheads="1" noChangeShapeType="1"/>
+          </p:cNvCxnSpPr>
+          <p:nvPr>
+            <p:extLst>
+              <p:ext uri="{386F3935-93C4-4BCD-93E2-E3B085C9AB24}">
+                <p16:designElem xmlns:p16="http://schemas.microsoft.com/office/powerpoint/2015/main" val="1"/>
+              </p:ext>
+            </p:extLst>
+          </p:nvPr>
+        </p:nvCxnSpPr>
+        <p:spPr>
+          <a:xfrm>
+            <a:off x="11668155" y="5641010"/>
+            <a:ext cx="0" cy="599069"/>
+          </a:xfrm>
+          <a:prstGeom prst="line">
+            <a:avLst/>
+          </a:prstGeom>
+          <a:ln w="38100">
+            <a:solidFill>
+              <a:schemeClr val="tx1"/>
+            </a:solidFill>
+          </a:ln>
+        </p:spPr>
+        <p:style>
+          <a:lnRef idx="1">
+            <a:schemeClr val="accent1"/>
+          </a:lnRef>
+          <a:fillRef idx="0">
+            <a:schemeClr val="accent1"/>
+          </a:fillRef>
+          <a:effectRef idx="0">
+            <a:schemeClr val="accent1"/>
+          </a:effectRef>
+          <a:fontRef idx="minor">
+            <a:schemeClr val="tx1"/>
+          </a:fontRef>
+        </p:style>
+      </p:cxnSp>
+      <p:cxnSp>
+        <p:nvCxnSpPr>
+          <p:cNvPr id="43" name="Straight Connector 42">
+            <a:extLst>
+              <a:ext uri="{FF2B5EF4-FFF2-40B4-BE49-F238E27FC236}">
+                <a16:creationId xmlns:a16="http://schemas.microsoft.com/office/drawing/2014/main" id="{945FF525-9A83-4625-99D9-B267BDE077E7}"/>
+              </a:ext>
+              <a:ext uri="{C183D7F6-B498-43B3-948B-1728B52AA6E4}">
+                <adec:decorative xmlns:adec="http://schemas.microsoft.com/office/drawing/2017/decorative" val="1"/>
+              </a:ext>
+            </a:extLst>
+          </p:cNvPr>
+          <p:cNvCxnSpPr>
+            <a:cxnSpLocks noGrp="1" noRot="1" noChangeAspect="1" noMove="1" noResize="1" noEditPoints="1" noAdjustHandles="1" noChangeArrowheads="1" noChangeShapeType="1"/>
+          </p:cNvCxnSpPr>
+          <p:nvPr>
+            <p:extLst>
+              <p:ext uri="{386F3935-93C4-4BCD-93E2-E3B085C9AB24}">
+                <p16:designElem xmlns:p16="http://schemas.microsoft.com/office/powerpoint/2015/main" val="1"/>
+              </p:ext>
+            </p:extLst>
+          </p:nvPr>
+        </p:nvCxnSpPr>
+        <p:spPr>
+          <a:xfrm>
+            <a:off x="11668155" y="5641010"/>
+            <a:ext cx="0" cy="599069"/>
+          </a:xfrm>
+          <a:prstGeom prst="line">
+            <a:avLst/>
+          </a:prstGeom>
+          <a:ln w="38100">
+            <a:solidFill>
+              <a:schemeClr val="tx1"/>
+            </a:solidFill>
+          </a:ln>
+        </p:spPr>
+        <p:style>
+          <a:lnRef idx="1">
+            <a:schemeClr val="accent1"/>
+          </a:lnRef>
+          <a:fillRef idx="0">
+            <a:schemeClr val="accent1"/>
+          </a:fillRef>
+          <a:effectRef idx="0">
+            <a:schemeClr val="accent1"/>
+          </a:effectRef>
+          <a:fontRef idx="minor">
+            <a:schemeClr val="tx1"/>
+          </a:fontRef>
+        </p:style>
+      </p:cxnSp>
+      <p:sp useBgFill="1">
+        <p:nvSpPr>
+          <p:cNvPr id="45" name="Slide Background">
+            <a:extLst>
+              <a:ext uri="{FF2B5EF4-FFF2-40B4-BE49-F238E27FC236}">
+                <a16:creationId xmlns:a16="http://schemas.microsoft.com/office/drawing/2014/main" id="{924D84CD-5280-4B52-B96E-8EDAA2B20C51}"/>
+              </a:ext>
+              <a:ext uri="{C183D7F6-B498-43B3-948B-1728B52AA6E4}">
+                <adec:decorative xmlns:adec="http://schemas.microsoft.com/office/drawing/2017/decorative" val="1"/>
+              </a:ext>
+            </a:extLst>
+          </p:cNvPr>
+          <p:cNvSpPr>
+            <a:spLocks noGrp="1" noRot="1" noChangeAspect="1" noMove="1" noResize="1" noEditPoints="1" noAdjustHandles="1" noChangeArrowheads="1" noChangeShapeType="1" noTextEdit="1"/>
+          </p:cNvSpPr>
+          <p:nvPr>
+            <p:extLst>
+              <p:ext uri="{386F3935-93C4-4BCD-93E2-E3B085C9AB24}">
+                <p16:designElem xmlns:p16="http://schemas.microsoft.com/office/powerpoint/2015/main" val="1"/>
+              </p:ext>
+            </p:extLst>
+          </p:nvPr>
+        </p:nvSpPr>
+        <p:spPr>
+          <a:xfrm>
+            <a:off x="0" y="0"/>
+            <a:ext cx="12192000" cy="6858000"/>
+          </a:xfrm>
+          <a:prstGeom prst="rect">
+            <a:avLst/>
+          </a:prstGeom>
+          <a:ln>
+            <a:noFill/>
+          </a:ln>
+        </p:spPr>
+        <p:style>
+          <a:lnRef idx="2">
+            <a:schemeClr val="accent1">
+              <a:shade val="50000"/>
+            </a:schemeClr>
+          </a:lnRef>
+          <a:fillRef idx="1">
+            <a:schemeClr val="accent1"/>
+          </a:fillRef>
+          <a:effectRef idx="0">
+            <a:schemeClr val="accent1"/>
+          </a:effectRef>
+          <a:fontRef idx="minor">
+            <a:schemeClr val="lt1"/>
+          </a:fontRef>
+        </p:style>
+        <p:txBody>
+          <a:bodyPr rtlCol="0" anchor="ctr"/>
+          <a:lstStyle/>
+          <a:p>
+            <a:pPr algn="ctr"/>
+            <a:endParaRPr lang="en-US"/>
+          </a:p>
+        </p:txBody>
+      </p:sp>
+      <p:sp useBgFill="1">
+        <p:nvSpPr>
+          <p:cNvPr id="47" name="Rectangle 46">
+            <a:extLst>
+              <a:ext uri="{FF2B5EF4-FFF2-40B4-BE49-F238E27FC236}">
+                <a16:creationId xmlns:a16="http://schemas.microsoft.com/office/drawing/2014/main" id="{603A6265-E10C-4B85-9C20-E75FCAF9CC63}"/>
+              </a:ext>
+              <a:ext uri="{C183D7F6-B498-43B3-948B-1728B52AA6E4}">
+                <adec:decorative xmlns:adec="http://schemas.microsoft.com/office/drawing/2017/decorative" val="1"/>
+              </a:ext>
+            </a:extLst>
+          </p:cNvPr>
+          <p:cNvSpPr>
+            <a:spLocks noGrp="1" noRot="1" noChangeAspect="1" noMove="1" noResize="1" noEditPoints="1" noAdjustHandles="1" noChangeArrowheads="1" noChangeShapeType="1" noTextEdit="1"/>
+          </p:cNvSpPr>
+          <p:nvPr>
+            <p:extLst>
+              <p:ext uri="{386F3935-93C4-4BCD-93E2-E3B085C9AB24}">
+                <p16:designElem xmlns:p16="http://schemas.microsoft.com/office/powerpoint/2015/main" val="1"/>
+              </p:ext>
+            </p:extLst>
+          </p:nvPr>
+        </p:nvSpPr>
+        <p:spPr>
+          <a:xfrm>
+            <a:off x="0" y="-1"/>
+            <a:ext cx="12192000" cy="1641378"/>
+          </a:xfrm>
+          <a:prstGeom prst="rect">
+            <a:avLst/>
+          </a:prstGeom>
+          <a:ln>
+            <a:noFill/>
+          </a:ln>
+          <a:effectLst>
+            <a:outerShdw blurRad="114300" dist="63500" dir="5460000" sx="95000" sy="95000" algn="t" rotWithShape="0">
+              <a:srgbClr val="000000">
+                <a:alpha val="20000"/>
+              </a:srgbClr>
+            </a:outerShdw>
+          </a:effectLst>
+        </p:spPr>
+        <p:style>
+          <a:lnRef idx="2">
+            <a:schemeClr val="accent1">
+              <a:shade val="50000"/>
+            </a:schemeClr>
+          </a:lnRef>
+          <a:fillRef idx="1">
+            <a:schemeClr val="accent1"/>
+          </a:fillRef>
+          <a:effectRef idx="0">
+            <a:schemeClr val="accent1"/>
+          </a:effectRef>
+          <a:fontRef idx="minor">
+            <a:schemeClr val="lt1"/>
+          </a:fontRef>
+        </p:style>
+        <p:txBody>
+          <a:bodyPr rtlCol="0" anchor="ctr"/>
+          <a:lstStyle/>
+          <a:p>
+            <a:pPr algn="ctr"/>
+            <a:endParaRPr lang="en-US" dirty="0"/>
+          </a:p>
+        </p:txBody>
+      </p:sp>
+      <p:cxnSp>
+        <p:nvCxnSpPr>
+          <p:cNvPr id="49" name="Straight Connector 48">
+            <a:extLst>
+              <a:ext uri="{FF2B5EF4-FFF2-40B4-BE49-F238E27FC236}">
+                <a16:creationId xmlns:a16="http://schemas.microsoft.com/office/drawing/2014/main" id="{61FF92BA-874E-408A-BFAD-416A7FFE5976}"/>
+              </a:ext>
+              <a:ext uri="{C183D7F6-B498-43B3-948B-1728B52AA6E4}">
+                <adec:decorative xmlns:adec="http://schemas.microsoft.com/office/drawing/2017/decorative" val="1"/>
+              </a:ext>
+            </a:extLst>
+          </p:cNvPr>
+          <p:cNvCxnSpPr>
+            <a:cxnSpLocks noGrp="1" noRot="1" noChangeAspect="1" noMove="1" noResize="1" noEditPoints="1" noAdjustHandles="1" noChangeArrowheads="1" noChangeShapeType="1"/>
+          </p:cNvCxnSpPr>
+          <p:nvPr>
+            <p:extLst>
+              <p:ext uri="{386F3935-93C4-4BCD-93E2-E3B085C9AB24}">
+                <p16:designElem xmlns:p16="http://schemas.microsoft.com/office/powerpoint/2015/main" val="1"/>
+              </p:ext>
+            </p:extLst>
+          </p:nvPr>
+        </p:nvCxnSpPr>
+        <p:spPr>
+          <a:xfrm>
+            <a:off x="11668155" y="5641010"/>
+            <a:ext cx="0" cy="599069"/>
+          </a:xfrm>
+          <a:prstGeom prst="line">
+            <a:avLst/>
+          </a:prstGeom>
+          <a:ln w="38100">
+            <a:solidFill>
+              <a:schemeClr val="tx1"/>
+            </a:solidFill>
+          </a:ln>
+        </p:spPr>
+        <p:style>
+          <a:lnRef idx="1">
+            <a:schemeClr val="accent1"/>
+          </a:lnRef>
+          <a:fillRef idx="0">
+            <a:schemeClr val="accent1"/>
+          </a:fillRef>
+          <a:effectRef idx="0">
+            <a:schemeClr val="accent1"/>
+          </a:effectRef>
+          <a:fontRef idx="minor">
+            <a:schemeClr val="tx1"/>
+          </a:fontRef>
+        </p:style>
+      </p:cxnSp>
+      <p:graphicFrame>
+        <p:nvGraphicFramePr>
+          <p:cNvPr id="7" name="Content Placeholder 2">
+            <a:extLst>
+              <a:ext uri="{FF2B5EF4-FFF2-40B4-BE49-F238E27FC236}">
+                <a16:creationId xmlns:a16="http://schemas.microsoft.com/office/drawing/2014/main" id="{5DE95B0F-522C-3F21-B519-E30927FE8A29}"/>
+              </a:ext>
+            </a:extLst>
+          </p:cNvPr>
+          <p:cNvGraphicFramePr/>
+          <p:nvPr>
+            <p:extLst>
+              <p:ext uri="{D42A27DB-BD31-4B8C-83A1-F6EECF244321}">
+                <p14:modId xmlns:p14="http://schemas.microsoft.com/office/powerpoint/2010/main" val="1355937431"/>
+              </p:ext>
+            </p:extLst>
+          </p:nvPr>
+        </p:nvGraphicFramePr>
+        <p:xfrm>
+          <a:off x="762000" y="1929788"/>
+          <a:ext cx="9906000" cy="4082075"/>
+        </p:xfrm>
+        <a:graphic>
+          <a:graphicData uri="http://schemas.openxmlformats.org/drawingml/2006/diagram">
+            <dgm:relIds xmlns:dgm="http://schemas.openxmlformats.org/drawingml/2006/diagram" xmlns:r="http://schemas.openxmlformats.org/officeDocument/2006/relationships" r:dm="rId2" r:lo="rId3" r:qs="rId4" r:cs="rId5"/>
+          </a:graphicData>
+        </a:graphic>
+      </p:graphicFrame>
+    </p:spTree>
+    <p:extLst>
+      <p:ext uri="{BB962C8B-B14F-4D97-AF65-F5344CB8AC3E}">
+        <p14:creationId xmlns:p14="http://schemas.microsoft.com/office/powerpoint/2010/main" val="2523128855"/>
+      </p:ext>
+    </p:extLst>
+  </p:cSld>
+  <p:clrMapOvr>
+    <a:masterClrMapping/>
+  </p:clrMapOvr>
+</p:sld>
+</file>
+
+<file path=ppt/slides/slide7.xml><?xml version="1.0" encoding="utf-8"?>
+<p:sld xmlns:a="http://schemas.openxmlformats.org/drawingml/2006/main" xmlns:r="http://schemas.openxmlformats.org/officeDocument/2006/relationships" xmlns:p="http://schemas.openxmlformats.org/presentationml/2006/main">
+  <p:cSld>
+    <p:bg>
+      <p:bgPr>
+        <a:solidFill>
+          <a:schemeClr val="bg1"/>
+        </a:solidFill>
+        <a:effectLst/>
+      </p:bgPr>
+    </p:bg>
+    <p:spTree>
+      <p:nvGrpSpPr>
+        <p:cNvPr id="1" name=""/>
+        <p:cNvGrpSpPr/>
+        <p:nvPr/>
+      </p:nvGrpSpPr>
+      <p:grpSpPr>
+        <a:xfrm>
+          <a:off x="0" y="0"/>
+          <a:ext cx="0" cy="0"/>
+          <a:chOff x="0" y="0"/>
+          <a:chExt cx="0" cy="0"/>
+        </a:xfrm>
+      </p:grpSpPr>
+      <p:sp useBgFill="1">
+        <p:nvSpPr>
+          <p:cNvPr id="79" name="Slide Background">
+            <a:extLst>
+              <a:ext uri="{FF2B5EF4-FFF2-40B4-BE49-F238E27FC236}">
+                <a16:creationId xmlns:a16="http://schemas.microsoft.com/office/drawing/2014/main" id="{5CC50F2E-EF04-4D7A-A09C-5AEF6E5EAD67}"/>
+              </a:ext>
+              <a:ext uri="{C183D7F6-B498-43B3-948B-1728B52AA6E4}">
+                <adec:decorative xmlns:adec="http://schemas.microsoft.com/office/drawing/2017/decorative" val="1"/>
+              </a:ext>
+            </a:extLst>
+          </p:cNvPr>
+          <p:cNvSpPr>
+            <a:spLocks noGrp="1" noRot="1" noChangeAspect="1" noMove="1" noResize="1" noEditPoints="1" noAdjustHandles="1" noChangeArrowheads="1" noChangeShapeType="1" noTextEdit="1"/>
+          </p:cNvSpPr>
+          <p:nvPr>
+            <p:extLst>
+              <p:ext uri="{386F3935-93C4-4BCD-93E2-E3B085C9AB24}">
+                <p16:designElem xmlns:p16="http://schemas.microsoft.com/office/powerpoint/2015/main" val="1"/>
+              </p:ext>
+            </p:extLst>
+          </p:nvPr>
+        </p:nvSpPr>
+        <p:spPr>
+          <a:xfrm>
+            <a:off x="0" y="0"/>
+            <a:ext cx="12192000" cy="6858000"/>
+          </a:xfrm>
+          <a:prstGeom prst="rect">
+            <a:avLst/>
+          </a:prstGeom>
+          <a:ln>
+            <a:noFill/>
+          </a:ln>
+        </p:spPr>
+        <p:style>
+          <a:lnRef idx="2">
+            <a:schemeClr val="accent1">
+              <a:shade val="50000"/>
+            </a:schemeClr>
+          </a:lnRef>
+          <a:fillRef idx="1">
+            <a:schemeClr val="accent1"/>
+          </a:fillRef>
+          <a:effectRef idx="0">
+            <a:schemeClr val="accent1"/>
+          </a:effectRef>
+          <a:fontRef idx="minor">
+            <a:schemeClr val="lt1"/>
+          </a:fontRef>
+        </p:style>
+        <p:txBody>
+          <a:bodyPr rtlCol="0" anchor="ctr"/>
+          <a:lstStyle/>
+          <a:p>
+            <a:pPr algn="ctr"/>
+            <a:endParaRPr lang="en-US"/>
+          </a:p>
+        </p:txBody>
+      </p:sp>
+      <p:sp useBgFill="1">
+        <p:nvSpPr>
+          <p:cNvPr id="81" name="Rectangle 80">
+            <a:extLst>
+              <a:ext uri="{FF2B5EF4-FFF2-40B4-BE49-F238E27FC236}">
+                <a16:creationId xmlns:a16="http://schemas.microsoft.com/office/drawing/2014/main" id="{F489C2E0-4895-4B72-85EA-7EE9FAFFDC7E}"/>
+              </a:ext>
+              <a:ext uri="{C183D7F6-B498-43B3-948B-1728B52AA6E4}">
+                <adec:decorative xmlns:adec="http://schemas.microsoft.com/office/drawing/2017/decorative" val="1"/>
+              </a:ext>
+            </a:extLst>
+          </p:cNvPr>
+          <p:cNvSpPr>
+            <a:spLocks noGrp="1" noRot="1" noChangeAspect="1" noMove="1" noResize="1" noEditPoints="1" noAdjustHandles="1" noChangeArrowheads="1" noChangeShapeType="1" noTextEdit="1"/>
+          </p:cNvSpPr>
+          <p:nvPr>
+            <p:extLst>
+              <p:ext uri="{386F3935-93C4-4BCD-93E2-E3B085C9AB24}">
+                <p16:designElem xmlns:p16="http://schemas.microsoft.com/office/powerpoint/2015/main" val="1"/>
+              </p:ext>
+            </p:extLst>
+          </p:nvPr>
+        </p:nvSpPr>
+        <p:spPr>
+          <a:xfrm>
+            <a:off x="6095999" y="0"/>
+            <a:ext cx="6095995" cy="3429000"/>
+          </a:xfrm>
+          <a:prstGeom prst="rect">
+            <a:avLst/>
+          </a:prstGeom>
+          <a:ln>
+            <a:noFill/>
+          </a:ln>
+          <a:effectLst>
+            <a:outerShdw blurRad="342900" dist="228600" dir="5460000" sx="90000" sy="90000" algn="t" rotWithShape="0">
+              <a:srgbClr val="000000">
+                <a:alpha val="30000"/>
+              </a:srgbClr>
+            </a:outerShdw>
+          </a:effectLst>
+        </p:spPr>
+        <p:style>
+          <a:lnRef idx="2">
+            <a:schemeClr val="accent1">
+              <a:shade val="50000"/>
+            </a:schemeClr>
+          </a:lnRef>
+          <a:fillRef idx="1">
+            <a:schemeClr val="accent1"/>
+          </a:fillRef>
+          <a:effectRef idx="0">
+            <a:schemeClr val="accent1"/>
+          </a:effectRef>
+          <a:fontRef idx="minor">
+            <a:schemeClr val="lt1"/>
+          </a:fontRef>
+        </p:style>
+        <p:txBody>
+          <a:bodyPr rtlCol="0" anchor="ctr"/>
+          <a:lstStyle/>
+          <a:p>
+            <a:pPr algn="ctr"/>
+            <a:endParaRPr lang="en-US" dirty="0"/>
+          </a:p>
+        </p:txBody>
+      </p:sp>
       <p:sp>
         <p:nvSpPr>
           <p:cNvPr id="2" name="Title 1">
@@ -6105,22 +13136,20 @@
         </p:nvSpPr>
         <p:spPr>
           <a:xfrm>
-            <a:off x="761802" y="852055"/>
-            <a:ext cx="10380572" cy="770557"/>
+            <a:off x="6575305" y="235881"/>
+            <a:ext cx="4569006" cy="2884247"/>
           </a:xfrm>
         </p:spPr>
         <p:txBody>
-          <a:bodyPr>
-            <a:normAutofit fontScale="90000"/>
+          <a:bodyPr vert="horz" lIns="91440" tIns="45720" rIns="91440" bIns="45720" rtlCol="0" anchor="ctr">
+            <a:normAutofit/>
           </a:bodyPr>
           <a:lstStyle/>
           <a:p>
-            <a:pPr algn="ctr"/>
             <a:r>
-              <a:rPr lang="en-US" dirty="0"/>
+              <a:rPr lang="en-US"/>
               <a:t>Conclusion and Future Work</a:t>
             </a:r>
-            <a:endParaRPr lang="en-IN" dirty="0"/>
           </a:p>
         </p:txBody>
       </p:sp>
@@ -6142,60 +13171,125 @@
         </p:nvSpPr>
         <p:spPr>
           <a:xfrm>
-            <a:off x="761802" y="1855694"/>
-            <a:ext cx="5854151" cy="4143324"/>
+            <a:off x="6575305" y="3880965"/>
+            <a:ext cx="4569006" cy="2359114"/>
           </a:xfrm>
         </p:spPr>
         <p:txBody>
-          <a:bodyPr/>
+          <a:bodyPr vert="horz" lIns="91440" tIns="45720" rIns="91440" bIns="45720" rtlCol="0" anchor="b">
+            <a:normAutofit/>
+          </a:bodyPr>
           <a:lstStyle/>
           <a:p>
-            <a:pPr marL="342900" indent="-342900">
-              <a:buFont typeface="Arial" panose="020B0604020202020204" pitchFamily="34" charset="0"/>
-              <a:buChar char="•"/>
-            </a:pPr>
+            <a:pPr marL="342900"/>
             <a:r>
               <a:rPr lang="en-US" dirty="0"/>
               <a:t>This technology can be used in mask detection </a:t>
             </a:r>
-          </a:p>
-          <a:p>
-            <a:pPr marL="342900" indent="-342900">
-              <a:buFont typeface="Arial" panose="020B0604020202020204" pitchFamily="34" charset="0"/>
-              <a:buChar char="•"/>
-            </a:pPr>
-            <a:endParaRPr lang="en-US" dirty="0"/>
-          </a:p>
-          <a:p>
-            <a:pPr marL="342900" indent="-342900">
-              <a:buFont typeface="Arial" panose="020B0604020202020204" pitchFamily="34" charset="0"/>
-              <a:buChar char="•"/>
-            </a:pPr>
+            <a:endParaRPr lang="en-US"/>
+          </a:p>
+          <a:p>
+            <a:pPr marL="342900"/>
+            <a:endParaRPr lang="en-US"/>
+          </a:p>
+          <a:p>
+            <a:pPr marL="342900"/>
             <a:r>
               <a:rPr lang="en-US" dirty="0"/>
               <a:t>Attendance System </a:t>
             </a:r>
-          </a:p>
-          <a:p>
-            <a:pPr marL="342900" indent="-342900">
-              <a:buFont typeface="Arial" panose="020B0604020202020204" pitchFamily="34" charset="0"/>
-              <a:buChar char="•"/>
-            </a:pPr>
-            <a:endParaRPr lang="en-US" dirty="0"/>
-          </a:p>
-          <a:p>
-            <a:pPr marL="342900" indent="-342900">
-              <a:buFont typeface="Arial" panose="020B0604020202020204" pitchFamily="34" charset="0"/>
-              <a:buChar char="•"/>
-            </a:pPr>
-            <a:r>
-              <a:rPr lang="en-US" dirty="0"/>
-              <a:t>Criminal Login and Searching </a:t>
-            </a:r>
-            <a:endParaRPr lang="en-IN" dirty="0"/>
+            <a:endParaRPr lang="en-US"/>
+          </a:p>
+          <a:p>
+            <a:pPr marL="342900"/>
+            <a:endParaRPr lang="en-US"/>
+          </a:p>
+          <a:p>
+            <a:endParaRPr lang="en-US"/>
           </a:p>
         </p:txBody>
       </p:sp>
+      <p:pic>
+        <p:nvPicPr>
+          <p:cNvPr id="75" name="Picture 74">
+            <a:extLst>
+              <a:ext uri="{FF2B5EF4-FFF2-40B4-BE49-F238E27FC236}">
+                <a16:creationId xmlns:a16="http://schemas.microsoft.com/office/drawing/2014/main" id="{0D678A59-5569-6E48-8572-0D004C7FC1AE}"/>
+              </a:ext>
+            </a:extLst>
+          </p:cNvPr>
+          <p:cNvPicPr>
+            <a:picLocks noChangeAspect="1"/>
+          </p:cNvPicPr>
+          <p:nvPr/>
+        </p:nvPicPr>
+        <p:blipFill rotWithShape="1">
+          <a:blip r:embed="rId2"/>
+          <a:srcRect l="6736" r="30374" b="-1"/>
+          <a:stretch/>
+        </p:blipFill>
+        <p:spPr>
+          <a:xfrm>
+            <a:off x="20" y="10"/>
+            <a:ext cx="6095978" cy="6857989"/>
+          </a:xfrm>
+          <a:prstGeom prst="rect">
+            <a:avLst/>
+          </a:prstGeom>
+        </p:spPr>
+      </p:pic>
+      <p:cxnSp>
+        <p:nvCxnSpPr>
+          <p:cNvPr id="83" name="Straight Connector 82">
+            <a:extLst>
+              <a:ext uri="{FF2B5EF4-FFF2-40B4-BE49-F238E27FC236}">
+                <a16:creationId xmlns:a16="http://schemas.microsoft.com/office/drawing/2014/main" id="{1D7AD51E-A168-490B-B8A6-8AFE86E0F2B5}"/>
+              </a:ext>
+              <a:ext uri="{C183D7F6-B498-43B3-948B-1728B52AA6E4}">
+                <adec:decorative xmlns:adec="http://schemas.microsoft.com/office/drawing/2017/decorative" val="1"/>
+              </a:ext>
+            </a:extLst>
+          </p:cNvPr>
+          <p:cNvCxnSpPr>
+            <a:cxnSpLocks noGrp="1" noRot="1" noChangeAspect="1" noMove="1" noResize="1" noEditPoints="1" noAdjustHandles="1" noChangeArrowheads="1" noChangeShapeType="1"/>
+          </p:cNvCxnSpPr>
+          <p:nvPr>
+            <p:extLst>
+              <p:ext uri="{386F3935-93C4-4BCD-93E2-E3B085C9AB24}">
+                <p16:designElem xmlns:p16="http://schemas.microsoft.com/office/powerpoint/2015/main" val="1"/>
+              </p:ext>
+            </p:extLst>
+          </p:nvPr>
+        </p:nvCxnSpPr>
+        <p:spPr>
+          <a:xfrm>
+            <a:off x="11668155" y="5641010"/>
+            <a:ext cx="0" cy="599069"/>
+          </a:xfrm>
+          <a:prstGeom prst="line">
+            <a:avLst/>
+          </a:prstGeom>
+          <a:ln w="38100">
+            <a:solidFill>
+              <a:schemeClr val="tx1"/>
+            </a:solidFill>
+          </a:ln>
+        </p:spPr>
+        <p:style>
+          <a:lnRef idx="1">
+            <a:schemeClr val="accent1"/>
+          </a:lnRef>
+          <a:fillRef idx="0">
+            <a:schemeClr val="accent1"/>
+          </a:fillRef>
+          <a:effectRef idx="0">
+            <a:schemeClr val="accent1"/>
+          </a:effectRef>
+          <a:fontRef idx="minor">
+            <a:schemeClr val="tx1"/>
+          </a:fontRef>
+        </p:style>
+      </p:cxnSp>
     </p:spTree>
     <p:extLst>
       <p:ext uri="{BB962C8B-B14F-4D97-AF65-F5344CB8AC3E}">
